--- a/非受控文档/06-公用/PRD2018-G11-UML概述.pptx
+++ b/非受控文档/06-公用/PRD2018-G11-UML概述.pptx
@@ -6356,8 +6356,8 @@
         </p:nvSpPr>
         <p:spPr>
           <a:xfrm>
-            <a:off x="1551940" y="1497965"/>
-            <a:ext cx="10158730" cy="5262245"/>
+            <a:off x="1486694" y="1846622"/>
+            <a:ext cx="10158730" cy="4770537"/>
           </a:xfrm>
           <a:prstGeom prst="rect">
             <a:avLst/>
@@ -6370,50 +6370,78 @@
           <a:lstStyle/>
           <a:p>
             <a:r>
+              <a:rPr sz="2000" dirty="0"/>
+              <a:t>1.关联关系</a:t>
+            </a:r>
+          </a:p>
+          <a:p>
+            <a:r>
+              <a:rPr sz="2000" dirty="0"/>
+              <a:t>关联关系是一种结构化的关系，表示给定关联的一个类的对象访问另一个类的相关对象。在UML中通过一条实线表示这种关系。</a:t>
+            </a:r>
+            <a:r>
+              <a:rPr sz="2000" dirty="0" smtClean="0"/>
+              <a:t>关联关系可以有方向表示关联在某一个方向被使用</a:t>
+            </a:r>
+            <a:endParaRPr lang="en-US" sz="2000" dirty="0" smtClean="0"/>
+          </a:p>
+          <a:p>
+            <a:endParaRPr sz="2000" dirty="0"/>
+          </a:p>
+          <a:p>
+            <a:r>
+              <a:rPr sz="2000" dirty="0"/>
+              <a:t>2.依赖关系</a:t>
+            </a:r>
+          </a:p>
+          <a:p>
+            <a:r>
+              <a:rPr sz="2000" dirty="0"/>
+              <a:t>两个对象之间如果一个对象发生变化另外的对象根据前者的变化而变化，所以两者之间具有依赖关系。在UML中通常用过一条带有箭头的虚线表示</a:t>
+            </a:r>
+            <a:r>
+              <a:rPr sz="2000" dirty="0" smtClean="0"/>
+              <a:t>。</a:t>
+            </a:r>
+            <a:endParaRPr lang="en-US" sz="2000" dirty="0" smtClean="0"/>
+          </a:p>
+          <a:p>
+            <a:endParaRPr sz="2000" dirty="0"/>
+          </a:p>
+          <a:p>
+            <a:r>
+              <a:rPr sz="2000" dirty="0"/>
+              <a:t>3.泛化关系</a:t>
+            </a:r>
+          </a:p>
+          <a:p>
+            <a:r>
+              <a:rPr sz="2000" dirty="0"/>
+              <a:t>在UML中泛化关系定义个表示子类和父类之间的集成关系，比如：一个对象为哺乳动物，一个对象为狗，这两个对象之间具有泛化关系，狗具有哺乳动物的一些属性和方法</a:t>
+            </a:r>
+            <a:r>
+              <a:rPr sz="2000" dirty="0" smtClean="0"/>
+              <a:t>。</a:t>
+            </a:r>
+            <a:endParaRPr lang="en-US" sz="2000" dirty="0" smtClean="0"/>
+          </a:p>
+          <a:p>
+            <a:endParaRPr sz="2000" dirty="0"/>
+          </a:p>
+          <a:p>
+            <a:r>
+              <a:rPr sz="2000" dirty="0"/>
+              <a:t>4.实现关系</a:t>
+            </a:r>
+          </a:p>
+          <a:p>
+            <a:r>
+              <a:rPr sz="2000" dirty="0"/>
+              <a:t>实现关系可以把类和接口、类和类之间进行连接起来，接口只是对行为的说明但不是结构。真正的实现通过一条带有箭头的空心实现来表示</a:t>
+            </a:r>
+            <a:r>
               <a:rPr sz="2400" dirty="0"/>
-              <a:t>1.关联关系</a:t>
-            </a:r>
-          </a:p>
-          <a:p>
-            <a:r>
-              <a:rPr sz="2400" dirty="0"/>
-              <a:t>关联关系是一种结构化的关系，表示给定关联的一个类的对象访问另一个类的相关对象。在UML中通过一条实线表示这种关系。关联关系可以有方向表示关联在某一个方向被使用。</a:t>
-            </a:r>
-          </a:p>
-          <a:p>
-            <a:r>
-              <a:rPr sz="2400" dirty="0"/>
-              <a:t>2.依赖关系</a:t>
-            </a:r>
-          </a:p>
-          <a:p>
-            <a:r>
-              <a:rPr sz="2400" dirty="0"/>
-              <a:t>两个对象之间如果一个对象发生变化另外的对象根据前者的变化而变化，所以两者之间具有依赖关系。在UML中通常用过一条带有箭头的虚线表示。</a:t>
-            </a:r>
-          </a:p>
-          <a:p>
-            <a:r>
-              <a:rPr sz="2400" dirty="0"/>
-              <a:t>3.泛化关系</a:t>
-            </a:r>
-          </a:p>
-          <a:p>
-            <a:r>
-              <a:rPr sz="2400" dirty="0"/>
-              <a:t>在UML中泛化关系定义个表示子类和父类之间的集成关系，比如：一个对象为哺乳动物，一个对象为狗，这两个对象之间具有泛化关系，狗具有哺乳动物的一些属性和方法。</a:t>
-            </a:r>
-          </a:p>
-          <a:p>
-            <a:r>
-              <a:rPr sz="2400" dirty="0"/>
-              <a:t>4.实现关系</a:t>
-            </a:r>
-          </a:p>
-          <a:p>
-            <a:r>
-              <a:rPr sz="2400" dirty="0"/>
-              <a:t>实现关系可以把类和接口、类和类之间进行连接起来，接口只是对行为的说明但不是结构。真正的实现通过一条带有箭头的空心实现来表示。</a:t>
+              <a:t>。</a:t>
             </a:r>
           </a:p>
         </p:txBody>
@@ -6771,8 +6799,8 @@
         </p:nvSpPr>
         <p:spPr>
           <a:xfrm>
-            <a:off x="1404620" y="1375410"/>
-            <a:ext cx="10158730" cy="4523105"/>
+            <a:off x="1270670" y="1845618"/>
+            <a:ext cx="10158730" cy="4708981"/>
           </a:xfrm>
           <a:prstGeom prst="rect">
             <a:avLst/>
@@ -6785,57 +6813,81 @@
           <a:lstStyle/>
           <a:p>
             <a:r>
-              <a:rPr sz="2400" dirty="0"/>
+              <a:rPr sz="2000" dirty="0"/>
               <a:t>1.用例图</a:t>
             </a:r>
           </a:p>
           <a:p>
             <a:r>
-              <a:rPr sz="2400" dirty="0"/>
-              <a:t>用例图表示了用例和参与者以及他们之间的关系。用例图中包含角色和用例以及两者之间的关系。</a:t>
-            </a:r>
-          </a:p>
-          <a:p>
-            <a:r>
-              <a:rPr sz="2400" dirty="0"/>
+              <a:rPr sz="2000" dirty="0" err="1"/>
+              <a:t>用例图表示了用例和参与者以及他们之间的关系。用例图中包含角色和用例以及两者之间的关系</a:t>
+            </a:r>
+            <a:r>
+              <a:rPr sz="2000" dirty="0" smtClean="0"/>
+              <a:t>。</a:t>
+            </a:r>
+            <a:endParaRPr lang="en-US" sz="2000" dirty="0" smtClean="0"/>
+          </a:p>
+          <a:p>
+            <a:endParaRPr sz="2000" dirty="0"/>
+          </a:p>
+          <a:p>
+            <a:r>
+              <a:rPr sz="2000" dirty="0"/>
               <a:t>2.类图</a:t>
             </a:r>
           </a:p>
           <a:p>
             <a:r>
-              <a:rPr sz="2400" dirty="0"/>
-              <a:t>类图表示了一组类、接口和协作以及他们之间的关系。</a:t>
-            </a:r>
-          </a:p>
-          <a:p>
-            <a:r>
-              <a:rPr sz="2400" dirty="0"/>
+              <a:rPr sz="2000" dirty="0" err="1"/>
+              <a:t>类图表示了一组类、接口和协作以及他们之间的关系</a:t>
+            </a:r>
+            <a:r>
+              <a:rPr sz="2000" dirty="0" smtClean="0"/>
+              <a:t>。</a:t>
+            </a:r>
+            <a:endParaRPr lang="en-US" sz="2000" dirty="0" smtClean="0"/>
+          </a:p>
+          <a:p>
+            <a:endParaRPr sz="2000" dirty="0"/>
+          </a:p>
+          <a:p>
+            <a:r>
+              <a:rPr sz="2000" dirty="0"/>
               <a:t>3.对象图</a:t>
             </a:r>
           </a:p>
           <a:p>
             <a:r>
-              <a:rPr sz="2400" dirty="0"/>
+              <a:rPr sz="2000" dirty="0"/>
               <a:t>对象图</a:t>
             </a:r>
             <a:r>
-              <a:rPr lang="zh-CN" sz="2400" dirty="0"/>
+              <a:rPr lang="zh-CN" sz="2000" dirty="0"/>
               <a:t>展示</a:t>
             </a:r>
             <a:r>
-              <a:rPr sz="2400" dirty="0"/>
-              <a:t>了一组对象以及他们之间关系。用对象图说明类图中所反映的事务实力的数据和静态快照。</a:t>
-            </a:r>
-          </a:p>
-          <a:p>
-            <a:r>
-              <a:rPr sz="2400" dirty="0"/>
+              <a:rPr sz="2000" dirty="0" err="1"/>
+              <a:t>了一组对象以及他们之间关系。用对象图说明类图中所反映的事务实力的数据和静态快照</a:t>
+            </a:r>
+            <a:r>
+              <a:rPr sz="2000" dirty="0" smtClean="0"/>
+              <a:t>。</a:t>
+            </a:r>
+            <a:endParaRPr lang="en-US" sz="2000" dirty="0" smtClean="0"/>
+          </a:p>
+          <a:p>
+            <a:endParaRPr sz="2000" dirty="0"/>
+          </a:p>
+          <a:p>
+            <a:r>
+              <a:rPr sz="2000" dirty="0"/>
               <a:t>4.组件图</a:t>
             </a:r>
           </a:p>
           <a:p>
             <a:r>
-              <a:rPr sz="2400" dirty="0"/>
+              <a:rPr sz="2000" dirty="0"/>
               <a:t>组件图又被称为构建图，组成部分有组件接口和组件之间的联系构成。组件可以是源代码、二进制代码或可执行程序。组件图表示系统中的不同物理部分之前的关系，表达的是系统代码本身之间的关系。</a:t>
             </a:r>
           </a:p>
@@ -7056,8 +7108,8 @@
         </p:nvSpPr>
         <p:spPr>
           <a:xfrm>
-            <a:off x="651510" y="1300480"/>
-            <a:ext cx="10887075" cy="6000750"/>
+            <a:off x="766614" y="1480725"/>
+            <a:ext cx="10887075" cy="5632311"/>
           </a:xfrm>
           <a:prstGeom prst="rect">
             <a:avLst/>
@@ -7070,66 +7122,106 @@
           <a:lstStyle/>
           <a:p>
             <a:r>
-              <a:rPr sz="2400" dirty="0"/>
+              <a:rPr sz="2000" dirty="0"/>
               <a:t>5.配置图</a:t>
             </a:r>
           </a:p>
           <a:p>
             <a:r>
-              <a:rPr sz="2400" dirty="0"/>
-              <a:t>配置图表现了对运行时处理节点以及q起重工组件的配署。描述的是在软件完成之后如何部署局域网等硬件。</a:t>
-            </a:r>
-          </a:p>
-          <a:p>
-            <a:r>
-              <a:rPr sz="2400" dirty="0"/>
+              <a:rPr sz="2000" dirty="0" err="1" smtClean="0"/>
+              <a:t>配置图表现了对运行时处理节点以及组件的配署</a:t>
+            </a:r>
+            <a:r>
+              <a:rPr sz="2000" dirty="0" err="1"/>
+              <a:t>。描述的是在软件完成之后如何部署局域网等硬件</a:t>
+            </a:r>
+            <a:r>
+              <a:rPr sz="2000" dirty="0" smtClean="0"/>
+              <a:t>。</a:t>
+            </a:r>
+            <a:endParaRPr lang="en-US" sz="2000" dirty="0" smtClean="0"/>
+          </a:p>
+          <a:p>
+            <a:endParaRPr sz="2000" dirty="0"/>
+          </a:p>
+          <a:p>
+            <a:r>
+              <a:rPr sz="2000" dirty="0"/>
               <a:t>6.时序图</a:t>
             </a:r>
           </a:p>
           <a:p>
             <a:r>
-              <a:rPr sz="2400" dirty="0"/>
-              <a:t>时序图显示的多个对象之间的动态的协作，对象之间通过发送信息建立通信的时候的时间顺序。</a:t>
-            </a:r>
-          </a:p>
-          <a:p>
-            <a:r>
-              <a:rPr sz="2400" dirty="0"/>
+              <a:rPr sz="2000" dirty="0" err="1"/>
+              <a:t>时序图显示的多个对象之间的动态的协作，</a:t>
+            </a:r>
+            <a:r>
+              <a:rPr sz="2000" dirty="0" err="1" smtClean="0"/>
+              <a:t>对象之间通过发送信息建立通信的时候的时间顺序</a:t>
+            </a:r>
+            <a:r>
+              <a:rPr sz="2000" dirty="0" smtClean="0"/>
+              <a:t>。</a:t>
+            </a:r>
+            <a:endParaRPr lang="en-US" sz="2000" dirty="0" smtClean="0"/>
+          </a:p>
+          <a:p>
+            <a:endParaRPr sz="2000" dirty="0"/>
+          </a:p>
+          <a:p>
+            <a:r>
+              <a:rPr sz="2000" dirty="0"/>
               <a:t>7.协作图</a:t>
             </a:r>
           </a:p>
           <a:p>
             <a:r>
-              <a:rPr sz="2400" dirty="0"/>
-              <a:t>协作图在对一次交互中有意义的对象和对象之间的连接建模，强调收发信息对象组织结构，然后按照组织结构进行建模。</a:t>
-            </a:r>
-          </a:p>
-          <a:p>
-            <a:r>
-              <a:rPr sz="2400" dirty="0"/>
+              <a:rPr sz="2000" dirty="0" err="1"/>
+              <a:t>协作图在对一次交互中有意义的对象和对象之间的连接建模，强调收发信息对象组织结构，然后按照组织结构进行建模</a:t>
+            </a:r>
+            <a:r>
+              <a:rPr sz="2000" dirty="0" smtClean="0"/>
+              <a:t>。</a:t>
+            </a:r>
+            <a:endParaRPr lang="en-US" sz="2000" dirty="0" smtClean="0"/>
+          </a:p>
+          <a:p>
+            <a:endParaRPr sz="2000" dirty="0"/>
+          </a:p>
+          <a:p>
+            <a:r>
+              <a:rPr sz="2000" dirty="0"/>
               <a:t>8.状态图</a:t>
             </a:r>
           </a:p>
           <a:p>
             <a:r>
-              <a:rPr sz="2400" dirty="0"/>
-              <a:t>状态图战士了一个特定的对象的所有可能状态以及各种事件的发生引起的状态见的转移。通过状态图描述系统的动态视图。通过状态图可以描述用例实例的生命周期。</a:t>
-            </a:r>
-          </a:p>
-          <a:p>
-            <a:r>
-              <a:rPr sz="2400" dirty="0"/>
+              <a:rPr sz="2000" dirty="0"/>
+              <a:t>状态图战士了一个特定的对象的所有可能状态以及各种事件的发生引起的状态见的转移。通过状态图描述系统的动态视图。通过状态图可以描述用例实例的生命周期</a:t>
+            </a:r>
+            <a:r>
+              <a:rPr sz="2000" dirty="0" smtClean="0"/>
+              <a:t>。</a:t>
+            </a:r>
+            <a:endParaRPr lang="en-US" sz="2000" dirty="0" smtClean="0"/>
+          </a:p>
+          <a:p>
+            <a:endParaRPr sz="2000" dirty="0"/>
+          </a:p>
+          <a:p>
+            <a:r>
+              <a:rPr sz="2000" dirty="0"/>
               <a:t>9.活动图</a:t>
             </a:r>
           </a:p>
           <a:p>
             <a:r>
-              <a:rPr sz="2400" dirty="0"/>
+              <a:rPr sz="2000" dirty="0"/>
               <a:t>活动图是状态图中的一个辩题描述的是系统的一个活动到另外的一个活动的流程。</a:t>
             </a:r>
           </a:p>
           <a:p>
-            <a:endParaRPr sz="2400" dirty="0"/>
+            <a:endParaRPr sz="2000" dirty="0"/>
           </a:p>
         </p:txBody>
       </p:sp>
@@ -7348,7 +7440,7 @@
         </p:nvSpPr>
         <p:spPr>
           <a:xfrm>
-            <a:off x="651510" y="1300480"/>
+            <a:off x="694606" y="1361287"/>
             <a:ext cx="10887075" cy="3046095"/>
           </a:xfrm>
           <a:prstGeom prst="rect">
@@ -7362,28 +7454,101 @@
           <a:lstStyle/>
           <a:p>
             <a:r>
-              <a:rPr sz="2400" dirty="0"/>
-              <a:t>不能简单地把UML的构造块按随机的方式放在一起。像任何语言一样，UML有一套规则，这些规则描述了一个</a:t>
+              <a:rPr lang="zh-CN" altLang="en-US" sz="2400" dirty="0">
+                <a:latin typeface="+mj-ea"/>
+                <a:ea typeface="+mj-ea"/>
+              </a:rPr>
+              <a:t>不能简单地把</a:t>
+            </a:r>
+            <a:r>
+              <a:rPr lang="en-US" altLang="zh-CN" sz="2400" dirty="0">
+                <a:latin typeface="+mj-ea"/>
+                <a:ea typeface="+mj-ea"/>
+              </a:rPr>
+              <a:t>UML</a:t>
+            </a:r>
+            <a:r>
+              <a:rPr lang="zh-CN" altLang="en-US" sz="2400" dirty="0">
+                <a:latin typeface="+mj-ea"/>
+                <a:ea typeface="+mj-ea"/>
+              </a:rPr>
+              <a:t>的构造块按随机的方式放在一起。像任何语言一样</a:t>
+            </a:r>
+            <a:r>
+              <a:rPr lang="zh-CN" altLang="en-US" sz="2400" dirty="0" smtClean="0">
+                <a:latin typeface="+mj-ea"/>
+                <a:ea typeface="+mj-ea"/>
+              </a:rPr>
+              <a:t>，</a:t>
+            </a:r>
+            <a:r>
+              <a:rPr lang="en-US" altLang="zh-CN" sz="2400" dirty="0" smtClean="0">
+                <a:latin typeface="+mj-ea"/>
+                <a:ea typeface="+mj-ea"/>
+              </a:rPr>
+              <a:t>UML</a:t>
+            </a:r>
+            <a:r>
+              <a:rPr lang="zh-CN" altLang="en-US" sz="2400" dirty="0" smtClean="0">
+                <a:latin typeface="+mj-ea"/>
+                <a:ea typeface="+mj-ea"/>
+              </a:rPr>
+              <a:t>有一套</a:t>
+            </a:r>
+            <a:r>
+              <a:rPr lang="zh-CN" altLang="en-US" sz="2400" dirty="0">
+                <a:latin typeface="+mj-ea"/>
+                <a:ea typeface="+mj-ea"/>
+              </a:rPr>
+              <a:t>规则，这些规则描述了一个</a:t>
+            </a:r>
+            <a:r>
+              <a:rPr lang="zh-CN" sz="2400" dirty="0" smtClean="0">
+                <a:latin typeface="+mj-ea"/>
+                <a:ea typeface="+mj-ea"/>
+              </a:rPr>
+              <a:t>形式</a:t>
+            </a:r>
+            <a:r>
+              <a:rPr lang="zh-CN" altLang="en-US" sz="2400" dirty="0">
+                <a:latin typeface="+mj-ea"/>
+                <a:ea typeface="+mj-ea"/>
+              </a:rPr>
+              <a:t>良好的模型看起来应该</a:t>
+            </a:r>
+            <a:r>
+              <a:rPr lang="zh-CN" sz="2400" dirty="0" smtClean="0"/>
+              <a:t>是</a:t>
             </a:r>
             <a:r>
               <a:rPr lang="zh-CN" sz="2400" dirty="0"/>
-              <a:t>形式</a:t>
-            </a:r>
-            <a:r>
-              <a:rPr sz="2400" dirty="0"/>
-              <a:t>良好的模型看起来应该</a:t>
+              <a:t>什么样</a:t>
+            </a:r>
+            <a:r>
+              <a:rPr sz="2400" dirty="0" smtClean="0"/>
+              <a:t>，</a:t>
+            </a:r>
+            <a:r>
+              <a:rPr lang="en-US" sz="2400" dirty="0"/>
+              <a:t> </a:t>
+            </a:r>
+            <a:r>
+              <a:rPr lang="en-US" sz="2400" dirty="0">
+                <a:latin typeface="+mn-ea"/>
+              </a:rPr>
+              <a:t>UML</a:t>
+            </a:r>
+            <a:r>
+              <a:rPr lang="zh-CN" altLang="en-US" sz="2400" dirty="0" smtClean="0"/>
+              <a:t>有</a:t>
+            </a:r>
+            <a:r>
+              <a:rPr lang="zh-CN" sz="2400" dirty="0" smtClean="0"/>
+              <a:t>自己</a:t>
             </a:r>
             <a:r>
               <a:rPr lang="zh-CN" sz="2400" dirty="0"/>
-              <a:t>是什么样</a:t>
-            </a:r>
-            <a:r>
-              <a:rPr sz="2400" dirty="0"/>
-              <a:t>，UML有</a:t>
-            </a:r>
-            <a:r>
-              <a:rPr lang="zh-CN" sz="2400" dirty="0"/>
-              <a:t>自己的语法和语义规则，用于：</a:t>
+              <a:t>的语法和语义规则，用于：</a:t>
             </a:r>
           </a:p>
           <a:p>
@@ -7392,47 +7557,69 @@
               <a:t>	</a:t>
             </a:r>
             <a:r>
-              <a:rPr lang="zh-CN" sz="2400" dirty="0"/>
-              <a:t>①命名：为事物、关系和图起名。</a:t>
-            </a:r>
-          </a:p>
-          <a:p>
-            <a:r>
-              <a:rPr lang="en-US" altLang="zh-CN" sz="2400" dirty="0"/>
+              <a:rPr lang="zh-CN" sz="2400" dirty="0" smtClean="0"/>
+              <a:t>①</a:t>
+            </a:r>
+            <a:r>
+              <a:rPr lang="zh-CN" sz="2400" dirty="0">
+                <a:latin typeface="+mn-ea"/>
+              </a:rPr>
+              <a:t>命名：为事物、关系和图起名。</a:t>
+            </a:r>
+          </a:p>
+          <a:p>
+            <a:r>
+              <a:rPr lang="en-US" altLang="zh-CN" sz="2400" dirty="0">
+                <a:latin typeface="+mn-ea"/>
+              </a:rPr>
               <a:t>	</a:t>
             </a:r>
             <a:r>
-              <a:rPr lang="zh-CN" sz="2400" dirty="0"/>
+              <a:rPr lang="zh-CN" sz="2400" dirty="0">
+                <a:latin typeface="+mn-ea"/>
+              </a:rPr>
               <a:t>②范围：给一个名称以特定含义的语境。</a:t>
             </a:r>
           </a:p>
           <a:p>
             <a:r>
-              <a:rPr lang="en-US" altLang="zh-CN" sz="2400" dirty="0"/>
+              <a:rPr lang="en-US" altLang="zh-CN" sz="2400" dirty="0">
+                <a:latin typeface="+mn-ea"/>
+              </a:rPr>
               <a:t>	</a:t>
             </a:r>
             <a:r>
-              <a:rPr lang="zh-CN" sz="2400" dirty="0"/>
+              <a:rPr lang="zh-CN" sz="2400" dirty="0">
+                <a:latin typeface="+mn-ea"/>
+              </a:rPr>
               <a:t>③可见性：怎样让其他人使用或者看见名称。</a:t>
             </a:r>
           </a:p>
           <a:p>
             <a:r>
-              <a:rPr lang="en-US" altLang="zh-CN" sz="2400" dirty="0"/>
+              <a:rPr lang="en-US" altLang="zh-CN" sz="2400" dirty="0">
+                <a:latin typeface="+mn-ea"/>
+              </a:rPr>
               <a:t>	</a:t>
             </a:r>
             <a:r>
-              <a:rPr lang="zh-CN" sz="2400" dirty="0"/>
+              <a:rPr lang="zh-CN" sz="2400" dirty="0">
+                <a:latin typeface="+mn-ea"/>
+              </a:rPr>
               <a:t>④完整性：事物如何正确、一致地相互联系。</a:t>
             </a:r>
           </a:p>
           <a:p>
             <a:r>
-              <a:rPr lang="en-US" altLang="zh-CN" sz="2400" dirty="0"/>
+              <a:rPr lang="en-US" altLang="zh-CN" sz="2400" dirty="0">
+                <a:latin typeface="+mn-ea"/>
+              </a:rPr>
               <a:t>	</a:t>
             </a:r>
             <a:r>
-              <a:rPr lang="zh-CN" sz="2400" dirty="0"/>
+              <a:rPr lang="zh-CN" sz="2400" dirty="0">
+                <a:latin typeface="+mn-ea"/>
+              </a:rPr>
               <a:t>⑤执行：运行或模拟动态模型的含义是什么。</a:t>
             </a:r>
           </a:p>
@@ -7678,7 +7865,10 @@
               <a:t>	</a:t>
             </a:r>
             <a:r>
-              <a:rPr sz="2400" dirty="0"/>
+              <a:rPr sz="2400" dirty="0">
+                <a:latin typeface="+mj-ea"/>
+                <a:ea typeface="+mj-ea"/>
+              </a:rPr>
               <a:t>提供了对构造块的语法和语义的文字叙述</a:t>
             </a:r>
           </a:p>
@@ -14781,85 +14971,9 @@
           </a:p>
         </p:txBody>
       </p:sp>
-      <p:sp>
-        <p:nvSpPr>
-          <p:cNvPr id="8" name="矩形 7"/>
-          <p:cNvSpPr/>
-          <p:nvPr/>
-        </p:nvSpPr>
-        <p:spPr>
-          <a:xfrm>
-            <a:off x="2854846" y="4539756"/>
-            <a:ext cx="6092825" cy="738664"/>
-          </a:xfrm>
-          <a:prstGeom prst="rect">
-            <a:avLst/>
-          </a:prstGeom>
-        </p:spPr>
-        <p:txBody>
-          <a:bodyPr>
-            <a:spAutoFit/>
-          </a:bodyPr>
-          <a:lstStyle/>
-          <a:p>
-            <a:r>
-              <a:rPr lang="zh-CN" altLang="en-US" dirty="0">
-                <a:solidFill>
-                  <a:srgbClr val="000000"/>
-                </a:solidFill>
-                <a:latin typeface="verdana" panose="020B0604030504040204" pitchFamily="34" charset="0"/>
-              </a:rPr>
-              <a:t>用例图有四个部分：用例（</a:t>
-            </a:r>
-            <a:r>
-              <a:rPr lang="en-US" altLang="zh-CN" dirty="0">
-                <a:solidFill>
-                  <a:srgbClr val="000000"/>
-                </a:solidFill>
-                <a:latin typeface="verdana" panose="020B0604030504040204" pitchFamily="34" charset="0"/>
-              </a:rPr>
-              <a:t>Use Case), </a:t>
-            </a:r>
-            <a:r>
-              <a:rPr lang="zh-CN" altLang="en-US" dirty="0">
-                <a:solidFill>
-                  <a:srgbClr val="000000"/>
-                </a:solidFill>
-                <a:latin typeface="verdana" panose="020B0604030504040204" pitchFamily="34" charset="0"/>
-              </a:rPr>
-              <a:t>参与者（</a:t>
-            </a:r>
-            <a:r>
-              <a:rPr lang="en-US" altLang="zh-CN" dirty="0">
-                <a:solidFill>
-                  <a:srgbClr val="000000"/>
-                </a:solidFill>
-                <a:latin typeface="verdana" panose="020B0604030504040204" pitchFamily="34" charset="0"/>
-              </a:rPr>
-              <a:t>Actor),</a:t>
-            </a:r>
-            <a:r>
-              <a:rPr lang="zh-CN" altLang="en-US" dirty="0">
-                <a:solidFill>
-                  <a:srgbClr val="000000"/>
-                </a:solidFill>
-                <a:latin typeface="verdana" panose="020B0604030504040204" pitchFamily="34" charset="0"/>
-              </a:rPr>
-              <a:t>系统边界，关系。</a:t>
-            </a:r>
-            <a:endParaRPr lang="zh-CN" altLang="en-US" dirty="0"/>
-          </a:p>
-        </p:txBody>
-      </p:sp>
       <p:grpSp>
         <p:nvGrpSpPr>
-          <p:cNvPr id="12" name="组合 11">
-            <a:extLst>
-              <a:ext uri="{FF2B5EF4-FFF2-40B4-BE49-F238E27FC236}">
-                <a16:creationId xmlns:a16="http://schemas.microsoft.com/office/drawing/2014/main" id="{0C70ED1C-30EF-4B3F-8CE4-0E8BEF2BEBCF}"/>
-              </a:ext>
-            </a:extLst>
-          </p:cNvPr>
+          <p:cNvPr id="5" name="组合 4"/>
           <p:cNvGrpSpPr/>
           <p:nvPr/>
         </p:nvGrpSpPr>
@@ -14867,149 +14981,240 @@
           <a:xfrm>
             <a:off x="2134766" y="1341562"/>
             <a:ext cx="7776864" cy="4896544"/>
-            <a:chOff x="1285643" y="1772435"/>
-            <a:chExt cx="7135479" cy="3572664"/>
+            <a:chOff x="2134766" y="1341562"/>
+            <a:chExt cx="7776864" cy="4896544"/>
           </a:xfrm>
         </p:grpSpPr>
         <p:sp>
           <p:nvSpPr>
-            <p:cNvPr id="13" name="矩形 12">
-              <a:extLst>
-                <a:ext uri="{FF2B5EF4-FFF2-40B4-BE49-F238E27FC236}">
-                  <a16:creationId xmlns:a16="http://schemas.microsoft.com/office/drawing/2014/main" id="{8CE48814-7E1F-4B07-9E0F-7D1566C5A1BD}"/>
-                </a:ext>
-              </a:extLst>
-            </p:cNvPr>
+            <p:cNvPr id="8" name="矩形 7"/>
             <p:cNvSpPr/>
             <p:nvPr/>
           </p:nvSpPr>
           <p:spPr>
             <a:xfrm>
-              <a:off x="1285644" y="2104682"/>
-              <a:ext cx="7135478" cy="3240417"/>
+              <a:off x="2854846" y="4539756"/>
+              <a:ext cx="6092825" cy="738664"/>
             </a:xfrm>
             <a:prstGeom prst="rect">
               <a:avLst/>
             </a:prstGeom>
-            <a:noFill/>
-            <a:ln w="12700">
-              <a:solidFill>
-                <a:srgbClr val="346182"/>
-              </a:solidFill>
-            </a:ln>
           </p:spPr>
-          <p:style>
-            <a:lnRef idx="2">
-              <a:schemeClr val="accent1">
-                <a:shade val="50000"/>
-              </a:schemeClr>
-            </a:lnRef>
-            <a:fillRef idx="1">
-              <a:schemeClr val="accent1"/>
-            </a:fillRef>
-            <a:effectRef idx="0">
-              <a:schemeClr val="accent1"/>
-            </a:effectRef>
-            <a:fontRef idx="minor">
-              <a:schemeClr val="lt1"/>
-            </a:fontRef>
-          </p:style>
           <p:txBody>
-            <a:bodyPr rtlCol="0" anchor="ctr"/>
+            <a:bodyPr>
+              <a:spAutoFit/>
+            </a:bodyPr>
             <a:lstStyle/>
             <a:p>
-              <a:pPr algn="ctr"/>
-              <a:endParaRPr lang="zh-CN" altLang="en-US" sz="1350"/>
+              <a:r>
+                <a:rPr lang="zh-CN" altLang="en-US" dirty="0">
+                  <a:solidFill>
+                    <a:srgbClr val="000000"/>
+                  </a:solidFill>
+                  <a:latin typeface="verdana" panose="020B0604030504040204" pitchFamily="34" charset="0"/>
+                </a:rPr>
+                <a:t>用例图有四个部分：用例（</a:t>
+              </a:r>
+              <a:r>
+                <a:rPr lang="en-US" altLang="zh-CN" dirty="0">
+                  <a:solidFill>
+                    <a:srgbClr val="000000"/>
+                  </a:solidFill>
+                  <a:latin typeface="verdana" panose="020B0604030504040204" pitchFamily="34" charset="0"/>
+                </a:rPr>
+                <a:t>Use Case), </a:t>
+              </a:r>
+              <a:r>
+                <a:rPr lang="zh-CN" altLang="en-US" dirty="0">
+                  <a:solidFill>
+                    <a:srgbClr val="000000"/>
+                  </a:solidFill>
+                  <a:latin typeface="verdana" panose="020B0604030504040204" pitchFamily="34" charset="0"/>
+                </a:rPr>
+                <a:t>参与者（</a:t>
+              </a:r>
+              <a:r>
+                <a:rPr lang="en-US" altLang="zh-CN" dirty="0">
+                  <a:solidFill>
+                    <a:srgbClr val="000000"/>
+                  </a:solidFill>
+                  <a:latin typeface="verdana" panose="020B0604030504040204" pitchFamily="34" charset="0"/>
+                </a:rPr>
+                <a:t>Actor),</a:t>
+              </a:r>
+              <a:r>
+                <a:rPr lang="zh-CN" altLang="en-US" dirty="0">
+                  <a:solidFill>
+                    <a:srgbClr val="000000"/>
+                  </a:solidFill>
+                  <a:latin typeface="verdana" panose="020B0604030504040204" pitchFamily="34" charset="0"/>
+                </a:rPr>
+                <a:t>系统边界，关系。</a:t>
+              </a:r>
+              <a:endParaRPr lang="zh-CN" altLang="en-US" dirty="0"/>
             </a:p>
           </p:txBody>
         </p:sp>
-        <p:sp>
-          <p:nvSpPr>
-            <p:cNvPr id="14" name="矩形 13">
+        <p:grpSp>
+          <p:nvGrpSpPr>
+            <p:cNvPr id="12" name="组合 11">
               <a:extLst>
                 <a:ext uri="{FF2B5EF4-FFF2-40B4-BE49-F238E27FC236}">
-                  <a16:creationId xmlns:a16="http://schemas.microsoft.com/office/drawing/2014/main" id="{AFE3F854-F55C-4CF5-87BD-02A44DF29B5C}"/>
+                  <a16:creationId xmlns:a16="http://schemas.microsoft.com/office/drawing/2014/main" id="{0C70ED1C-30EF-4B3F-8CE4-0E8BEF2BEBCF}"/>
                 </a:ext>
               </a:extLst>
             </p:cNvPr>
+            <p:cNvGrpSpPr/>
+            <p:nvPr/>
+          </p:nvGrpSpPr>
+          <p:grpSpPr>
+            <a:xfrm>
+              <a:off x="2134766" y="1341562"/>
+              <a:ext cx="7776864" cy="4896544"/>
+              <a:chOff x="1285643" y="1772435"/>
+              <a:chExt cx="7135479" cy="3572664"/>
+            </a:xfrm>
+          </p:grpSpPr>
+          <p:sp>
+            <p:nvSpPr>
+              <p:cNvPr id="13" name="矩形 12">
+                <a:extLst>
+                  <a:ext uri="{FF2B5EF4-FFF2-40B4-BE49-F238E27FC236}">
+                    <a16:creationId xmlns:a16="http://schemas.microsoft.com/office/drawing/2014/main" id="{8CE48814-7E1F-4B07-9E0F-7D1566C5A1BD}"/>
+                  </a:ext>
+                </a:extLst>
+              </p:cNvPr>
+              <p:cNvSpPr/>
+              <p:nvPr/>
+            </p:nvSpPr>
+            <p:spPr>
+              <a:xfrm>
+                <a:off x="1285644" y="2104682"/>
+                <a:ext cx="7135478" cy="3240417"/>
+              </a:xfrm>
+              <a:prstGeom prst="rect">
+                <a:avLst/>
+              </a:prstGeom>
+              <a:noFill/>
+              <a:ln w="12700">
+                <a:solidFill>
+                  <a:srgbClr val="346182"/>
+                </a:solidFill>
+              </a:ln>
+            </p:spPr>
+            <p:style>
+              <a:lnRef idx="2">
+                <a:schemeClr val="accent1">
+                  <a:shade val="50000"/>
+                </a:schemeClr>
+              </a:lnRef>
+              <a:fillRef idx="1">
+                <a:schemeClr val="accent1"/>
+              </a:fillRef>
+              <a:effectRef idx="0">
+                <a:schemeClr val="accent1"/>
+              </a:effectRef>
+              <a:fontRef idx="minor">
+                <a:schemeClr val="lt1"/>
+              </a:fontRef>
+            </p:style>
+            <p:txBody>
+              <a:bodyPr rtlCol="0" anchor="ctr"/>
+              <a:lstStyle/>
+              <a:p>
+                <a:pPr algn="ctr"/>
+                <a:endParaRPr lang="zh-CN" altLang="en-US" sz="1350"/>
+              </a:p>
+            </p:txBody>
+          </p:sp>
+          <p:sp>
+            <p:nvSpPr>
+              <p:cNvPr id="14" name="矩形 13">
+                <a:extLst>
+                  <a:ext uri="{FF2B5EF4-FFF2-40B4-BE49-F238E27FC236}">
+                    <a16:creationId xmlns:a16="http://schemas.microsoft.com/office/drawing/2014/main" id="{AFE3F854-F55C-4CF5-87BD-02A44DF29B5C}"/>
+                  </a:ext>
+                </a:extLst>
+              </p:cNvPr>
+              <p:cNvSpPr/>
+              <p:nvPr/>
+            </p:nvSpPr>
+            <p:spPr>
+              <a:xfrm>
+                <a:off x="1285643" y="1772435"/>
+                <a:ext cx="2114216" cy="338554"/>
+              </a:xfrm>
+              <a:prstGeom prst="rect">
+                <a:avLst/>
+              </a:prstGeom>
+              <a:solidFill>
+                <a:srgbClr val="183A5D"/>
+              </a:solidFill>
+              <a:ln>
+                <a:noFill/>
+              </a:ln>
+            </p:spPr>
+            <p:style>
+              <a:lnRef idx="2">
+                <a:schemeClr val="accent1">
+                  <a:shade val="50000"/>
+                </a:schemeClr>
+              </a:lnRef>
+              <a:fillRef idx="1">
+                <a:schemeClr val="accent1"/>
+              </a:fillRef>
+              <a:effectRef idx="0">
+                <a:schemeClr val="accent1"/>
+              </a:effectRef>
+              <a:fontRef idx="minor">
+                <a:schemeClr val="lt1"/>
+              </a:fontRef>
+            </p:style>
+            <p:txBody>
+              <a:bodyPr rtlCol="0" anchor="ctr"/>
+              <a:lstStyle/>
+              <a:p>
+                <a:pPr algn="ctr"/>
+                <a:endParaRPr lang="zh-CN" altLang="en-US" sz="1350"/>
+              </a:p>
+            </p:txBody>
+          </p:sp>
+        </p:grpSp>
+        <p:sp>
+          <p:nvSpPr>
+            <p:cNvPr id="9" name="矩形 8"/>
             <p:cNvSpPr/>
             <p:nvPr/>
           </p:nvSpPr>
           <p:spPr>
             <a:xfrm>
-              <a:off x="1285643" y="1772435"/>
-              <a:ext cx="2114216" cy="338554"/>
+              <a:off x="2854846" y="2355404"/>
+              <a:ext cx="6092825" cy="1708160"/>
             </a:xfrm>
             <a:prstGeom prst="rect">
               <a:avLst/>
             </a:prstGeom>
-            <a:solidFill>
-              <a:srgbClr val="183A5D"/>
-            </a:solidFill>
-            <a:ln>
-              <a:noFill/>
-            </a:ln>
           </p:spPr>
-          <p:style>
-            <a:lnRef idx="2">
-              <a:schemeClr val="accent1">
-                <a:shade val="50000"/>
-              </a:schemeClr>
-            </a:lnRef>
-            <a:fillRef idx="1">
-              <a:schemeClr val="accent1"/>
-            </a:fillRef>
-            <a:effectRef idx="0">
-              <a:schemeClr val="accent1"/>
-            </a:effectRef>
-            <a:fontRef idx="minor">
-              <a:schemeClr val="lt1"/>
-            </a:fontRef>
-          </p:style>
           <p:txBody>
-            <a:bodyPr rtlCol="0" anchor="ctr"/>
+            <a:bodyPr>
+              <a:spAutoFit/>
+            </a:bodyPr>
             <a:lstStyle/>
             <a:p>
-              <a:pPr algn="ctr"/>
-              <a:endParaRPr lang="zh-CN" altLang="en-US" sz="1350"/>
+              <a:r>
+                <a:rPr lang="zh-CN" altLang="en-US" dirty="0">
+                  <a:solidFill>
+                    <a:srgbClr val="000000"/>
+                  </a:solidFill>
+                  <a:latin typeface="verdana" panose="020B0604030504040204" pitchFamily="34" charset="0"/>
+                </a:rPr>
+                <a:t>用例图描述的是参与者所理解的系统功能，主要元素是用例和参与者，是帮助开发团队以一种可视化的方式理解系统的功能需求。这时处于项目初始，分析用户需求的阶段，不用管怎么实现具体的功能，只要能向客户形象化的表述项目的功能就行。</a:t>
+              </a:r>
+              <a:endParaRPr lang="zh-CN" altLang="en-US" dirty="0"/>
             </a:p>
           </p:txBody>
         </p:sp>
       </p:grpSp>
-      <p:sp>
-        <p:nvSpPr>
-          <p:cNvPr id="9" name="矩形 8"/>
-          <p:cNvSpPr/>
-          <p:nvPr/>
-        </p:nvSpPr>
-        <p:spPr>
-          <a:xfrm>
-            <a:off x="2854846" y="2355404"/>
-            <a:ext cx="6092825" cy="1708160"/>
-          </a:xfrm>
-          <a:prstGeom prst="rect">
-            <a:avLst/>
-          </a:prstGeom>
-        </p:spPr>
-        <p:txBody>
-          <a:bodyPr>
-            <a:spAutoFit/>
-          </a:bodyPr>
-          <a:lstStyle/>
-          <a:p>
-            <a:r>
-              <a:rPr lang="zh-CN" altLang="en-US" dirty="0">
-                <a:solidFill>
-                  <a:srgbClr val="000000"/>
-                </a:solidFill>
-                <a:latin typeface="verdana" panose="020B0604030504040204" pitchFamily="34" charset="0"/>
-              </a:rPr>
-              <a:t>用例图描述的是参与者所理解的系统功能，主要元素是用例和参与者，是帮助开发团队以一种可视化的方式理解系统的功能需求。这时处于项目初始，分析用户需求的阶段，不用管怎么实现具体的功能，只要能向客户形象化的表述项目的功能就行。</a:t>
-            </a:r>
-            <a:endParaRPr lang="zh-CN" altLang="en-US" dirty="0"/>
-          </a:p>
-        </p:txBody>
-      </p:sp>
     </p:spTree>
     <p:extLst>
       <p:ext uri="{BB962C8B-B14F-4D97-AF65-F5344CB8AC3E}">
@@ -15026,83 +15231,7 @@
   <p:timing>
     <p:tnLst>
       <p:par>
-        <p:cTn id="1" dur="indefinite" restart="never" nodeType="tmRoot">
-          <p:childTnLst>
-            <p:seq concurrent="1" nextAc="seek">
-              <p:cTn id="2" dur="indefinite" nodeType="mainSeq">
-                <p:childTnLst>
-                  <p:par>
-                    <p:cTn id="3" fill="hold">
-                      <p:stCondLst>
-                        <p:cond delay="indefinite"/>
-                      </p:stCondLst>
-                      <p:childTnLst>
-                        <p:par>
-                          <p:cTn id="4" fill="hold">
-                            <p:stCondLst>
-                              <p:cond delay="0"/>
-                            </p:stCondLst>
-                            <p:childTnLst>
-                              <p:par>
-                                <p:cTn id="5" presetID="22" presetClass="entr" presetSubtype="1" fill="hold" nodeType="clickEffect">
-                                  <p:stCondLst>
-                                    <p:cond delay="0"/>
-                                  </p:stCondLst>
-                                  <p:childTnLst>
-                                    <p:set>
-                                      <p:cBhvr>
-                                        <p:cTn id="6" dur="1" fill="hold">
-                                          <p:stCondLst>
-                                            <p:cond delay="0"/>
-                                          </p:stCondLst>
-                                        </p:cTn>
-                                        <p:tgtEl>
-                                          <p:spTgt spid="12"/>
-                                        </p:tgtEl>
-                                        <p:attrNameLst>
-                                          <p:attrName>style.visibility</p:attrName>
-                                        </p:attrNameLst>
-                                      </p:cBhvr>
-                                      <p:to>
-                                        <p:strVal val="visible"/>
-                                      </p:to>
-                                    </p:set>
-                                    <p:animEffect transition="in" filter="wipe(up)">
-                                      <p:cBhvr>
-                                        <p:cTn id="7" dur="500"/>
-                                        <p:tgtEl>
-                                          <p:spTgt spid="12"/>
-                                        </p:tgtEl>
-                                      </p:cBhvr>
-                                    </p:animEffect>
-                                  </p:childTnLst>
-                                </p:cTn>
-                              </p:par>
-                            </p:childTnLst>
-                          </p:cTn>
-                        </p:par>
-                      </p:childTnLst>
-                    </p:cTn>
-                  </p:par>
-                </p:childTnLst>
-              </p:cTn>
-              <p:prevCondLst>
-                <p:cond evt="onPrev" delay="0">
-                  <p:tgtEl>
-                    <p:sldTgt/>
-                  </p:tgtEl>
-                </p:cond>
-              </p:prevCondLst>
-              <p:nextCondLst>
-                <p:cond evt="onNext" delay="0">
-                  <p:tgtEl>
-                    <p:sldTgt/>
-                  </p:tgtEl>
-                </p:cond>
-              </p:nextCondLst>
-            </p:seq>
-          </p:childTnLst>
-        </p:cTn>
+        <p:cTn id="1" dur="indefinite" restart="never" nodeType="tmRoot"/>
       </p:par>
     </p:tnLst>
   </p:timing>
@@ -15296,95 +15425,6 @@
           </a:p>
         </p:txBody>
       </p:sp>
-      <p:sp>
-        <p:nvSpPr>
-          <p:cNvPr id="5" name="矩形 4"/>
-          <p:cNvSpPr/>
-          <p:nvPr/>
-        </p:nvSpPr>
-        <p:spPr>
-          <a:xfrm>
-            <a:off x="334566" y="2156077"/>
-            <a:ext cx="6092825" cy="1708160"/>
-          </a:xfrm>
-          <a:prstGeom prst="rect">
-            <a:avLst/>
-          </a:prstGeom>
-        </p:spPr>
-        <p:txBody>
-          <a:bodyPr>
-            <a:spAutoFit/>
-          </a:bodyPr>
-          <a:lstStyle/>
-          <a:p>
-            <a:r>
-              <a:rPr lang="zh-CN" altLang="en-US" dirty="0">
-                <a:solidFill>
-                  <a:srgbClr val="000000"/>
-                </a:solidFill>
-                <a:latin typeface="verdana" panose="020B0604030504040204" pitchFamily="34" charset="0"/>
-              </a:rPr>
-              <a:t>参与者（</a:t>
-            </a:r>
-            <a:r>
-              <a:rPr lang="en-US" altLang="zh-CN" dirty="0">
-                <a:solidFill>
-                  <a:srgbClr val="000000"/>
-                </a:solidFill>
-                <a:latin typeface="verdana" panose="020B0604030504040204" pitchFamily="34" charset="0"/>
-              </a:rPr>
-              <a:t>Actor)</a:t>
-            </a:r>
-          </a:p>
-          <a:p>
-            <a:r>
-              <a:rPr lang="zh-CN" altLang="en-US" dirty="0">
-                <a:solidFill>
-                  <a:srgbClr val="000000"/>
-                </a:solidFill>
-                <a:latin typeface="verdana" panose="020B0604030504040204" pitchFamily="34" charset="0"/>
-              </a:rPr>
-              <a:t>　　参与者是与系统交互的人或物。首先当然包括我们的开发系统用户，除此之外，与我们开发的系统有关联的其他系统也算是参与者。</a:t>
-            </a:r>
-          </a:p>
-          <a:p>
-            <a:r>
-              <a:rPr lang="zh-CN" altLang="en-US" dirty="0">
-                <a:solidFill>
-                  <a:srgbClr val="000000"/>
-                </a:solidFill>
-                <a:latin typeface="verdana" panose="020B0604030504040204" pitchFamily="34" charset="0"/>
-              </a:rPr>
-              <a:t>在</a:t>
-            </a:r>
-            <a:r>
-              <a:rPr lang="en-US" altLang="zh-CN" dirty="0">
-                <a:solidFill>
-                  <a:srgbClr val="000000"/>
-                </a:solidFill>
-                <a:latin typeface="verdana" panose="020B0604030504040204" pitchFamily="34" charset="0"/>
-              </a:rPr>
-              <a:t>UML</a:t>
-            </a:r>
-            <a:r>
-              <a:rPr lang="zh-CN" altLang="en-US" dirty="0">
-                <a:solidFill>
-                  <a:srgbClr val="000000"/>
-                </a:solidFill>
-                <a:latin typeface="verdana" panose="020B0604030504040204" pitchFamily="34" charset="0"/>
-              </a:rPr>
-              <a:t>图中我们用一个小人表示。</a:t>
-            </a:r>
-            <a:endParaRPr lang="zh-CN" altLang="en-US" b="0" i="0" dirty="0">
-              <a:solidFill>
-                <a:srgbClr val="000000"/>
-              </a:solidFill>
-              <a:effectLst/>
-              <a:latin typeface="verdana" panose="020B0604030504040204" pitchFamily="34" charset="0"/>
-            </a:endParaRPr>
-          </a:p>
-        </p:txBody>
-      </p:sp>
       <p:pic>
         <p:nvPicPr>
           <p:cNvPr id="9" name="图片 8"/>
@@ -15411,13 +15451,7 @@
       </p:pic>
       <p:grpSp>
         <p:nvGrpSpPr>
-          <p:cNvPr id="10" name="组合 9">
-            <a:extLst>
-              <a:ext uri="{FF2B5EF4-FFF2-40B4-BE49-F238E27FC236}">
-                <a16:creationId xmlns:a16="http://schemas.microsoft.com/office/drawing/2014/main" id="{0C70ED1C-30EF-4B3F-8CE4-0E8BEF2BEBCF}"/>
-              </a:ext>
-            </a:extLst>
-          </p:cNvPr>
+          <p:cNvPr id="7" name="组合 6"/>
           <p:cNvGrpSpPr/>
           <p:nvPr/>
         </p:nvGrpSpPr>
@@ -15425,114 +15459,224 @@
           <a:xfrm>
             <a:off x="237030" y="1341383"/>
             <a:ext cx="7776864" cy="4896544"/>
-            <a:chOff x="1285643" y="1772435"/>
-            <a:chExt cx="7135479" cy="3572664"/>
+            <a:chOff x="237030" y="1341383"/>
+            <a:chExt cx="7776864" cy="4896544"/>
           </a:xfrm>
         </p:grpSpPr>
         <p:sp>
           <p:nvSpPr>
-            <p:cNvPr id="11" name="矩形 10">
-              <a:extLst>
-                <a:ext uri="{FF2B5EF4-FFF2-40B4-BE49-F238E27FC236}">
-                  <a16:creationId xmlns:a16="http://schemas.microsoft.com/office/drawing/2014/main" id="{8CE48814-7E1F-4B07-9E0F-7D1566C5A1BD}"/>
-                </a:ext>
-              </a:extLst>
-            </p:cNvPr>
+            <p:cNvPr id="5" name="矩形 4"/>
             <p:cNvSpPr/>
             <p:nvPr/>
           </p:nvSpPr>
           <p:spPr>
             <a:xfrm>
-              <a:off x="1285644" y="2104682"/>
-              <a:ext cx="7135478" cy="3240417"/>
+              <a:off x="334566" y="2156077"/>
+              <a:ext cx="6092825" cy="1708160"/>
             </a:xfrm>
             <a:prstGeom prst="rect">
               <a:avLst/>
             </a:prstGeom>
-            <a:noFill/>
-            <a:ln w="12700">
-              <a:solidFill>
-                <a:srgbClr val="346182"/>
-              </a:solidFill>
-            </a:ln>
           </p:spPr>
-          <p:style>
-            <a:lnRef idx="2">
-              <a:schemeClr val="accent1">
-                <a:shade val="50000"/>
-              </a:schemeClr>
-            </a:lnRef>
-            <a:fillRef idx="1">
-              <a:schemeClr val="accent1"/>
-            </a:fillRef>
-            <a:effectRef idx="0">
-              <a:schemeClr val="accent1"/>
-            </a:effectRef>
-            <a:fontRef idx="minor">
-              <a:schemeClr val="lt1"/>
-            </a:fontRef>
-          </p:style>
           <p:txBody>
-            <a:bodyPr rtlCol="0" anchor="ctr"/>
+            <a:bodyPr>
+              <a:spAutoFit/>
+            </a:bodyPr>
             <a:lstStyle/>
             <a:p>
-              <a:pPr algn="ctr"/>
-              <a:endParaRPr lang="zh-CN" altLang="en-US" sz="1350"/>
+              <a:r>
+                <a:rPr lang="zh-CN" altLang="en-US" dirty="0">
+                  <a:solidFill>
+                    <a:srgbClr val="000000"/>
+                  </a:solidFill>
+                  <a:latin typeface="verdana" panose="020B0604030504040204" pitchFamily="34" charset="0"/>
+                </a:rPr>
+                <a:t>参与者（</a:t>
+              </a:r>
+              <a:r>
+                <a:rPr lang="en-US" altLang="zh-CN" dirty="0">
+                  <a:solidFill>
+                    <a:srgbClr val="000000"/>
+                  </a:solidFill>
+                  <a:latin typeface="verdana" panose="020B0604030504040204" pitchFamily="34" charset="0"/>
+                </a:rPr>
+                <a:t>Actor)</a:t>
+              </a:r>
+            </a:p>
+            <a:p>
+              <a:r>
+                <a:rPr lang="zh-CN" altLang="en-US" dirty="0">
+                  <a:solidFill>
+                    <a:srgbClr val="000000"/>
+                  </a:solidFill>
+                  <a:latin typeface="verdana" panose="020B0604030504040204" pitchFamily="34" charset="0"/>
+                </a:rPr>
+                <a:t>　　参与者是与系统交互的人或物。首先当然包括我们的开发系统用户，除此之外，与我们开发的系统有关联的其他系统也算是参与者。</a:t>
+              </a:r>
+            </a:p>
+            <a:p>
+              <a:r>
+                <a:rPr lang="zh-CN" altLang="en-US" dirty="0">
+                  <a:solidFill>
+                    <a:srgbClr val="000000"/>
+                  </a:solidFill>
+                  <a:latin typeface="verdana" panose="020B0604030504040204" pitchFamily="34" charset="0"/>
+                </a:rPr>
+                <a:t>在</a:t>
+              </a:r>
+              <a:r>
+                <a:rPr lang="en-US" altLang="zh-CN" dirty="0">
+                  <a:solidFill>
+                    <a:srgbClr val="000000"/>
+                  </a:solidFill>
+                  <a:latin typeface="verdana" panose="020B0604030504040204" pitchFamily="34" charset="0"/>
+                </a:rPr>
+                <a:t>UML</a:t>
+              </a:r>
+              <a:r>
+                <a:rPr lang="zh-CN" altLang="en-US" dirty="0">
+                  <a:solidFill>
+                    <a:srgbClr val="000000"/>
+                  </a:solidFill>
+                  <a:latin typeface="verdana" panose="020B0604030504040204" pitchFamily="34" charset="0"/>
+                </a:rPr>
+                <a:t>图中我们用一个小人表示。</a:t>
+              </a:r>
+              <a:endParaRPr lang="zh-CN" altLang="en-US" b="0" i="0" dirty="0">
+                <a:solidFill>
+                  <a:srgbClr val="000000"/>
+                </a:solidFill>
+                <a:effectLst/>
+                <a:latin typeface="verdana" panose="020B0604030504040204" pitchFamily="34" charset="0"/>
+              </a:endParaRPr>
             </a:p>
           </p:txBody>
         </p:sp>
-        <p:sp>
-          <p:nvSpPr>
-            <p:cNvPr id="12" name="矩形 11">
+        <p:grpSp>
+          <p:nvGrpSpPr>
+            <p:cNvPr id="10" name="组合 9">
               <a:extLst>
                 <a:ext uri="{FF2B5EF4-FFF2-40B4-BE49-F238E27FC236}">
-                  <a16:creationId xmlns:a16="http://schemas.microsoft.com/office/drawing/2014/main" id="{AFE3F854-F55C-4CF5-87BD-02A44DF29B5C}"/>
+                  <a16:creationId xmlns:a16="http://schemas.microsoft.com/office/drawing/2014/main" id="{0C70ED1C-30EF-4B3F-8CE4-0E8BEF2BEBCF}"/>
                 </a:ext>
               </a:extLst>
             </p:cNvPr>
-            <p:cNvSpPr/>
+            <p:cNvGrpSpPr/>
             <p:nvPr/>
-          </p:nvSpPr>
-          <p:spPr>
+          </p:nvGrpSpPr>
+          <p:grpSpPr>
             <a:xfrm>
-              <a:off x="1285643" y="1772435"/>
-              <a:ext cx="2114216" cy="338554"/>
+              <a:off x="237030" y="1341383"/>
+              <a:ext cx="7776864" cy="4896544"/>
+              <a:chOff x="1285643" y="1772435"/>
+              <a:chExt cx="7135479" cy="3572664"/>
             </a:xfrm>
-            <a:prstGeom prst="rect">
-              <a:avLst/>
-            </a:prstGeom>
-            <a:solidFill>
-              <a:srgbClr val="183A5D"/>
-            </a:solidFill>
-            <a:ln>
+          </p:grpSpPr>
+          <p:sp>
+            <p:nvSpPr>
+              <p:cNvPr id="11" name="矩形 10">
+                <a:extLst>
+                  <a:ext uri="{FF2B5EF4-FFF2-40B4-BE49-F238E27FC236}">
+                    <a16:creationId xmlns:a16="http://schemas.microsoft.com/office/drawing/2014/main" id="{8CE48814-7E1F-4B07-9E0F-7D1566C5A1BD}"/>
+                  </a:ext>
+                </a:extLst>
+              </p:cNvPr>
+              <p:cNvSpPr/>
+              <p:nvPr/>
+            </p:nvSpPr>
+            <p:spPr>
+              <a:xfrm>
+                <a:off x="1285644" y="2104682"/>
+                <a:ext cx="7135478" cy="3240417"/>
+              </a:xfrm>
+              <a:prstGeom prst="rect">
+                <a:avLst/>
+              </a:prstGeom>
               <a:noFill/>
-            </a:ln>
-          </p:spPr>
-          <p:style>
-            <a:lnRef idx="2">
-              <a:schemeClr val="accent1">
-                <a:shade val="50000"/>
-              </a:schemeClr>
-            </a:lnRef>
-            <a:fillRef idx="1">
-              <a:schemeClr val="accent1"/>
-            </a:fillRef>
-            <a:effectRef idx="0">
-              <a:schemeClr val="accent1"/>
-            </a:effectRef>
-            <a:fontRef idx="minor">
-              <a:schemeClr val="lt1"/>
-            </a:fontRef>
-          </p:style>
-          <p:txBody>
-            <a:bodyPr rtlCol="0" anchor="ctr"/>
-            <a:lstStyle/>
-            <a:p>
-              <a:pPr algn="ctr"/>
-              <a:endParaRPr lang="zh-CN" altLang="en-US" sz="1350"/>
-            </a:p>
-          </p:txBody>
-        </p:sp>
+              <a:ln w="12700">
+                <a:solidFill>
+                  <a:srgbClr val="346182"/>
+                </a:solidFill>
+              </a:ln>
+            </p:spPr>
+            <p:style>
+              <a:lnRef idx="2">
+                <a:schemeClr val="accent1">
+                  <a:shade val="50000"/>
+                </a:schemeClr>
+              </a:lnRef>
+              <a:fillRef idx="1">
+                <a:schemeClr val="accent1"/>
+              </a:fillRef>
+              <a:effectRef idx="0">
+                <a:schemeClr val="accent1"/>
+              </a:effectRef>
+              <a:fontRef idx="minor">
+                <a:schemeClr val="lt1"/>
+              </a:fontRef>
+            </p:style>
+            <p:txBody>
+              <a:bodyPr rtlCol="0" anchor="ctr"/>
+              <a:lstStyle/>
+              <a:p>
+                <a:pPr algn="ctr"/>
+                <a:endParaRPr lang="zh-CN" altLang="en-US" sz="1350"/>
+              </a:p>
+            </p:txBody>
+          </p:sp>
+          <p:sp>
+            <p:nvSpPr>
+              <p:cNvPr id="12" name="矩形 11">
+                <a:extLst>
+                  <a:ext uri="{FF2B5EF4-FFF2-40B4-BE49-F238E27FC236}">
+                    <a16:creationId xmlns:a16="http://schemas.microsoft.com/office/drawing/2014/main" id="{AFE3F854-F55C-4CF5-87BD-02A44DF29B5C}"/>
+                  </a:ext>
+                </a:extLst>
+              </p:cNvPr>
+              <p:cNvSpPr/>
+              <p:nvPr/>
+            </p:nvSpPr>
+            <p:spPr>
+              <a:xfrm>
+                <a:off x="1285643" y="1772435"/>
+                <a:ext cx="2114216" cy="338554"/>
+              </a:xfrm>
+              <a:prstGeom prst="rect">
+                <a:avLst/>
+              </a:prstGeom>
+              <a:solidFill>
+                <a:srgbClr val="183A5D"/>
+              </a:solidFill>
+              <a:ln>
+                <a:noFill/>
+              </a:ln>
+            </p:spPr>
+            <p:style>
+              <a:lnRef idx="2">
+                <a:schemeClr val="accent1">
+                  <a:shade val="50000"/>
+                </a:schemeClr>
+              </a:lnRef>
+              <a:fillRef idx="1">
+                <a:schemeClr val="accent1"/>
+              </a:fillRef>
+              <a:effectRef idx="0">
+                <a:schemeClr val="accent1"/>
+              </a:effectRef>
+              <a:fontRef idx="minor">
+                <a:schemeClr val="lt1"/>
+              </a:fontRef>
+            </p:style>
+            <p:txBody>
+              <a:bodyPr rtlCol="0" anchor="ctr"/>
+              <a:lstStyle/>
+              <a:p>
+                <a:pPr algn="ctr"/>
+                <a:endParaRPr lang="zh-CN" altLang="en-US" sz="1350"/>
+              </a:p>
+            </p:txBody>
+          </p:sp>
+        </p:grpSp>
       </p:grpSp>
     </p:spTree>
     <p:extLst>
@@ -15550,83 +15694,7 @@
   <p:timing>
     <p:tnLst>
       <p:par>
-        <p:cTn id="1" dur="indefinite" restart="never" nodeType="tmRoot">
-          <p:childTnLst>
-            <p:seq concurrent="1" nextAc="seek">
-              <p:cTn id="2" dur="indefinite" nodeType="mainSeq">
-                <p:childTnLst>
-                  <p:par>
-                    <p:cTn id="3" fill="hold">
-                      <p:stCondLst>
-                        <p:cond delay="indefinite"/>
-                      </p:stCondLst>
-                      <p:childTnLst>
-                        <p:par>
-                          <p:cTn id="4" fill="hold">
-                            <p:stCondLst>
-                              <p:cond delay="0"/>
-                            </p:stCondLst>
-                            <p:childTnLst>
-                              <p:par>
-                                <p:cTn id="5" presetID="22" presetClass="entr" presetSubtype="1" fill="hold" nodeType="clickEffect">
-                                  <p:stCondLst>
-                                    <p:cond delay="0"/>
-                                  </p:stCondLst>
-                                  <p:childTnLst>
-                                    <p:set>
-                                      <p:cBhvr>
-                                        <p:cTn id="6" dur="1" fill="hold">
-                                          <p:stCondLst>
-                                            <p:cond delay="0"/>
-                                          </p:stCondLst>
-                                        </p:cTn>
-                                        <p:tgtEl>
-                                          <p:spTgt spid="10"/>
-                                        </p:tgtEl>
-                                        <p:attrNameLst>
-                                          <p:attrName>style.visibility</p:attrName>
-                                        </p:attrNameLst>
-                                      </p:cBhvr>
-                                      <p:to>
-                                        <p:strVal val="visible"/>
-                                      </p:to>
-                                    </p:set>
-                                    <p:animEffect transition="in" filter="wipe(up)">
-                                      <p:cBhvr>
-                                        <p:cTn id="7" dur="500"/>
-                                        <p:tgtEl>
-                                          <p:spTgt spid="10"/>
-                                        </p:tgtEl>
-                                      </p:cBhvr>
-                                    </p:animEffect>
-                                  </p:childTnLst>
-                                </p:cTn>
-                              </p:par>
-                            </p:childTnLst>
-                          </p:cTn>
-                        </p:par>
-                      </p:childTnLst>
-                    </p:cTn>
-                  </p:par>
-                </p:childTnLst>
-              </p:cTn>
-              <p:prevCondLst>
-                <p:cond evt="onPrev" delay="0">
-                  <p:tgtEl>
-                    <p:sldTgt/>
-                  </p:tgtEl>
-                </p:cond>
-              </p:prevCondLst>
-              <p:nextCondLst>
-                <p:cond evt="onNext" delay="0">
-                  <p:tgtEl>
-                    <p:sldTgt/>
-                  </p:tgtEl>
-                </p:cond>
-              </p:nextCondLst>
-            </p:seq>
-          </p:childTnLst>
-        </p:cTn>
+        <p:cTn id="1" dur="indefinite" restart="never" nodeType="tmRoot"/>
       </p:par>
     </p:tnLst>
   </p:timing>
@@ -15820,104 +15888,6 @@
           </a:p>
         </p:txBody>
       </p:sp>
-      <p:sp>
-        <p:nvSpPr>
-          <p:cNvPr id="7" name="矩形 6"/>
-          <p:cNvSpPr/>
-          <p:nvPr/>
-        </p:nvSpPr>
-        <p:spPr>
-          <a:xfrm>
-            <a:off x="266651" y="2061642"/>
-            <a:ext cx="6092825" cy="2354491"/>
-          </a:xfrm>
-          <a:prstGeom prst="rect">
-            <a:avLst/>
-          </a:prstGeom>
-        </p:spPr>
-        <p:txBody>
-          <a:bodyPr>
-            <a:spAutoFit/>
-          </a:bodyPr>
-          <a:lstStyle/>
-          <a:p>
-            <a:r>
-              <a:rPr lang="zh-CN" altLang="en-US" dirty="0">
-                <a:solidFill>
-                  <a:srgbClr val="000000"/>
-                </a:solidFill>
-                <a:latin typeface="verdana" panose="020B0604030504040204" pitchFamily="34" charset="0"/>
-              </a:rPr>
-              <a:t>用例（</a:t>
-            </a:r>
-            <a:r>
-              <a:rPr lang="en-US" altLang="zh-CN" dirty="0">
-                <a:solidFill>
-                  <a:srgbClr val="000000"/>
-                </a:solidFill>
-                <a:latin typeface="verdana" panose="020B0604030504040204" pitchFamily="34" charset="0"/>
-              </a:rPr>
-              <a:t>Use Case)</a:t>
-            </a:r>
-          </a:p>
-          <a:p>
-            <a:r>
-              <a:rPr lang="en-US" altLang="zh-CN" dirty="0">
-                <a:solidFill>
-                  <a:srgbClr val="000000"/>
-                </a:solidFill>
-                <a:latin typeface="verdana" panose="020B0604030504040204" pitchFamily="34" charset="0"/>
-              </a:rPr>
-              <a:t> </a:t>
-            </a:r>
-            <a:r>
-              <a:rPr lang="zh-CN" altLang="en-US" dirty="0">
-                <a:solidFill>
-                  <a:srgbClr val="000000"/>
-                </a:solidFill>
-                <a:latin typeface="verdana" panose="020B0604030504040204" pitchFamily="34" charset="0"/>
-              </a:rPr>
-              <a:t>　　用例是参与者可以感受到的系统服务或功能单元。我理解的就是用户可以使用我们开发的项目去做的任何事情</a:t>
-            </a:r>
-          </a:p>
-          <a:p>
-            <a:r>
-              <a:rPr lang="zh-CN" altLang="en-US" dirty="0">
-                <a:solidFill>
-                  <a:srgbClr val="000000"/>
-                </a:solidFill>
-                <a:latin typeface="verdana" panose="020B0604030504040204" pitchFamily="34" charset="0"/>
-              </a:rPr>
-              <a:t>任何用例都不能在缺少参与者的情况下独立存在，同样，任何参与者也必须要有与之关联的用例。在</a:t>
-            </a:r>
-            <a:r>
-              <a:rPr lang="en-US" altLang="zh-CN" dirty="0">
-                <a:solidFill>
-                  <a:srgbClr val="000000"/>
-                </a:solidFill>
-                <a:latin typeface="verdana" panose="020B0604030504040204" pitchFamily="34" charset="0"/>
-              </a:rPr>
-              <a:t>UML</a:t>
-            </a:r>
-            <a:r>
-              <a:rPr lang="zh-CN" altLang="en-US" dirty="0">
-                <a:solidFill>
-                  <a:srgbClr val="000000"/>
-                </a:solidFill>
-                <a:latin typeface="verdana" panose="020B0604030504040204" pitchFamily="34" charset="0"/>
-              </a:rPr>
-              <a:t>图中我们用椭圆表示：</a:t>
-            </a:r>
-            <a:endParaRPr lang="zh-CN" altLang="en-US" b="0" i="0" dirty="0">
-              <a:solidFill>
-                <a:srgbClr val="000000"/>
-              </a:solidFill>
-              <a:effectLst/>
-              <a:latin typeface="verdana" panose="020B0604030504040204" pitchFamily="34" charset="0"/>
-            </a:endParaRPr>
-          </a:p>
-        </p:txBody>
-      </p:sp>
       <p:pic>
         <p:nvPicPr>
           <p:cNvPr id="8" name="图片 7"/>
@@ -15944,13 +15914,7 @@
       </p:pic>
       <p:grpSp>
         <p:nvGrpSpPr>
-          <p:cNvPr id="10" name="组合 9">
-            <a:extLst>
-              <a:ext uri="{FF2B5EF4-FFF2-40B4-BE49-F238E27FC236}">
-                <a16:creationId xmlns:a16="http://schemas.microsoft.com/office/drawing/2014/main" id="{0C70ED1C-30EF-4B3F-8CE4-0E8BEF2BEBCF}"/>
-              </a:ext>
-            </a:extLst>
-          </p:cNvPr>
+          <p:cNvPr id="5" name="组合 4"/>
           <p:cNvGrpSpPr/>
           <p:nvPr/>
         </p:nvGrpSpPr>
@@ -15958,114 +15922,233 @@
           <a:xfrm>
             <a:off x="237030" y="1269554"/>
             <a:ext cx="7776864" cy="4896544"/>
-            <a:chOff x="1285643" y="1772435"/>
-            <a:chExt cx="7135479" cy="3572664"/>
+            <a:chOff x="237030" y="1269554"/>
+            <a:chExt cx="7776864" cy="4896544"/>
           </a:xfrm>
         </p:grpSpPr>
         <p:sp>
           <p:nvSpPr>
-            <p:cNvPr id="11" name="矩形 10">
-              <a:extLst>
-                <a:ext uri="{FF2B5EF4-FFF2-40B4-BE49-F238E27FC236}">
-                  <a16:creationId xmlns:a16="http://schemas.microsoft.com/office/drawing/2014/main" id="{8CE48814-7E1F-4B07-9E0F-7D1566C5A1BD}"/>
-                </a:ext>
-              </a:extLst>
-            </p:cNvPr>
+            <p:cNvPr id="7" name="矩形 6"/>
             <p:cNvSpPr/>
             <p:nvPr/>
           </p:nvSpPr>
           <p:spPr>
             <a:xfrm>
-              <a:off x="1285644" y="2104682"/>
-              <a:ext cx="7135478" cy="3240417"/>
+              <a:off x="266651" y="2061642"/>
+              <a:ext cx="6092825" cy="2354491"/>
             </a:xfrm>
             <a:prstGeom prst="rect">
               <a:avLst/>
             </a:prstGeom>
-            <a:noFill/>
-            <a:ln w="12700">
-              <a:solidFill>
-                <a:srgbClr val="346182"/>
-              </a:solidFill>
-            </a:ln>
           </p:spPr>
-          <p:style>
-            <a:lnRef idx="2">
-              <a:schemeClr val="accent1">
-                <a:shade val="50000"/>
-              </a:schemeClr>
-            </a:lnRef>
-            <a:fillRef idx="1">
-              <a:schemeClr val="accent1"/>
-            </a:fillRef>
-            <a:effectRef idx="0">
-              <a:schemeClr val="accent1"/>
-            </a:effectRef>
-            <a:fontRef idx="minor">
-              <a:schemeClr val="lt1"/>
-            </a:fontRef>
-          </p:style>
           <p:txBody>
-            <a:bodyPr rtlCol="0" anchor="ctr"/>
+            <a:bodyPr>
+              <a:spAutoFit/>
+            </a:bodyPr>
             <a:lstStyle/>
             <a:p>
-              <a:pPr algn="ctr"/>
-              <a:endParaRPr lang="zh-CN" altLang="en-US" sz="1350"/>
+              <a:r>
+                <a:rPr lang="zh-CN" altLang="en-US" dirty="0">
+                  <a:solidFill>
+                    <a:srgbClr val="000000"/>
+                  </a:solidFill>
+                  <a:latin typeface="verdana" panose="020B0604030504040204" pitchFamily="34" charset="0"/>
+                </a:rPr>
+                <a:t>用例（</a:t>
+              </a:r>
+              <a:r>
+                <a:rPr lang="en-US" altLang="zh-CN" dirty="0">
+                  <a:solidFill>
+                    <a:srgbClr val="000000"/>
+                  </a:solidFill>
+                  <a:latin typeface="verdana" panose="020B0604030504040204" pitchFamily="34" charset="0"/>
+                </a:rPr>
+                <a:t>Use Case)</a:t>
+              </a:r>
+            </a:p>
+            <a:p>
+              <a:r>
+                <a:rPr lang="en-US" altLang="zh-CN" dirty="0">
+                  <a:solidFill>
+                    <a:srgbClr val="000000"/>
+                  </a:solidFill>
+                  <a:latin typeface="verdana" panose="020B0604030504040204" pitchFamily="34" charset="0"/>
+                </a:rPr>
+                <a:t> </a:t>
+              </a:r>
+              <a:r>
+                <a:rPr lang="zh-CN" altLang="en-US" dirty="0">
+                  <a:solidFill>
+                    <a:srgbClr val="000000"/>
+                  </a:solidFill>
+                  <a:latin typeface="verdana" panose="020B0604030504040204" pitchFamily="34" charset="0"/>
+                </a:rPr>
+                <a:t>　　用例是参与者可以感受到的系统服务或功能单元。我理解的就是用户可以使用我们开发的项目去做的任何事情</a:t>
+              </a:r>
+            </a:p>
+            <a:p>
+              <a:r>
+                <a:rPr lang="zh-CN" altLang="en-US" dirty="0">
+                  <a:solidFill>
+                    <a:srgbClr val="000000"/>
+                  </a:solidFill>
+                  <a:latin typeface="verdana" panose="020B0604030504040204" pitchFamily="34" charset="0"/>
+                </a:rPr>
+                <a:t>任何用例都不能在缺少参与者的情况下独立存在，同样，任何参与者也必须要有与之关联的用例。在</a:t>
+              </a:r>
+              <a:r>
+                <a:rPr lang="en-US" altLang="zh-CN" dirty="0">
+                  <a:solidFill>
+                    <a:srgbClr val="000000"/>
+                  </a:solidFill>
+                  <a:latin typeface="verdana" panose="020B0604030504040204" pitchFamily="34" charset="0"/>
+                </a:rPr>
+                <a:t>UML</a:t>
+              </a:r>
+              <a:r>
+                <a:rPr lang="zh-CN" altLang="en-US" dirty="0">
+                  <a:solidFill>
+                    <a:srgbClr val="000000"/>
+                  </a:solidFill>
+                  <a:latin typeface="verdana" panose="020B0604030504040204" pitchFamily="34" charset="0"/>
+                </a:rPr>
+                <a:t>图中我们用椭圆表示：</a:t>
+              </a:r>
+              <a:endParaRPr lang="zh-CN" altLang="en-US" b="0" i="0" dirty="0">
+                <a:solidFill>
+                  <a:srgbClr val="000000"/>
+                </a:solidFill>
+                <a:effectLst/>
+                <a:latin typeface="verdana" panose="020B0604030504040204" pitchFamily="34" charset="0"/>
+              </a:endParaRPr>
             </a:p>
           </p:txBody>
         </p:sp>
-        <p:sp>
-          <p:nvSpPr>
-            <p:cNvPr id="12" name="矩形 11">
+        <p:grpSp>
+          <p:nvGrpSpPr>
+            <p:cNvPr id="10" name="组合 9">
               <a:extLst>
                 <a:ext uri="{FF2B5EF4-FFF2-40B4-BE49-F238E27FC236}">
-                  <a16:creationId xmlns:a16="http://schemas.microsoft.com/office/drawing/2014/main" id="{AFE3F854-F55C-4CF5-87BD-02A44DF29B5C}"/>
+                  <a16:creationId xmlns:a16="http://schemas.microsoft.com/office/drawing/2014/main" id="{0C70ED1C-30EF-4B3F-8CE4-0E8BEF2BEBCF}"/>
                 </a:ext>
               </a:extLst>
             </p:cNvPr>
-            <p:cNvSpPr/>
+            <p:cNvGrpSpPr/>
             <p:nvPr/>
-          </p:nvSpPr>
-          <p:spPr>
+          </p:nvGrpSpPr>
+          <p:grpSpPr>
             <a:xfrm>
-              <a:off x="1285643" y="1772435"/>
-              <a:ext cx="2114216" cy="338554"/>
+              <a:off x="237030" y="1269554"/>
+              <a:ext cx="7776864" cy="4896544"/>
+              <a:chOff x="1285643" y="1772435"/>
+              <a:chExt cx="7135479" cy="3572664"/>
             </a:xfrm>
-            <a:prstGeom prst="rect">
-              <a:avLst/>
-            </a:prstGeom>
-            <a:solidFill>
-              <a:srgbClr val="183A5D"/>
-            </a:solidFill>
-            <a:ln>
+          </p:grpSpPr>
+          <p:sp>
+            <p:nvSpPr>
+              <p:cNvPr id="11" name="矩形 10">
+                <a:extLst>
+                  <a:ext uri="{FF2B5EF4-FFF2-40B4-BE49-F238E27FC236}">
+                    <a16:creationId xmlns:a16="http://schemas.microsoft.com/office/drawing/2014/main" id="{8CE48814-7E1F-4B07-9E0F-7D1566C5A1BD}"/>
+                  </a:ext>
+                </a:extLst>
+              </p:cNvPr>
+              <p:cNvSpPr/>
+              <p:nvPr/>
+            </p:nvSpPr>
+            <p:spPr>
+              <a:xfrm>
+                <a:off x="1285644" y="2104682"/>
+                <a:ext cx="7135478" cy="3240417"/>
+              </a:xfrm>
+              <a:prstGeom prst="rect">
+                <a:avLst/>
+              </a:prstGeom>
               <a:noFill/>
-            </a:ln>
-          </p:spPr>
-          <p:style>
-            <a:lnRef idx="2">
-              <a:schemeClr val="accent1">
-                <a:shade val="50000"/>
-              </a:schemeClr>
-            </a:lnRef>
-            <a:fillRef idx="1">
-              <a:schemeClr val="accent1"/>
-            </a:fillRef>
-            <a:effectRef idx="0">
-              <a:schemeClr val="accent1"/>
-            </a:effectRef>
-            <a:fontRef idx="minor">
-              <a:schemeClr val="lt1"/>
-            </a:fontRef>
-          </p:style>
-          <p:txBody>
-            <a:bodyPr rtlCol="0" anchor="ctr"/>
-            <a:lstStyle/>
-            <a:p>
-              <a:pPr algn="ctr"/>
-              <a:endParaRPr lang="zh-CN" altLang="en-US" sz="1350"/>
-            </a:p>
-          </p:txBody>
-        </p:sp>
+              <a:ln w="12700">
+                <a:solidFill>
+                  <a:srgbClr val="346182"/>
+                </a:solidFill>
+              </a:ln>
+            </p:spPr>
+            <p:style>
+              <a:lnRef idx="2">
+                <a:schemeClr val="accent1">
+                  <a:shade val="50000"/>
+                </a:schemeClr>
+              </a:lnRef>
+              <a:fillRef idx="1">
+                <a:schemeClr val="accent1"/>
+              </a:fillRef>
+              <a:effectRef idx="0">
+                <a:schemeClr val="accent1"/>
+              </a:effectRef>
+              <a:fontRef idx="minor">
+                <a:schemeClr val="lt1"/>
+              </a:fontRef>
+            </p:style>
+            <p:txBody>
+              <a:bodyPr rtlCol="0" anchor="ctr"/>
+              <a:lstStyle/>
+              <a:p>
+                <a:pPr algn="ctr"/>
+                <a:endParaRPr lang="zh-CN" altLang="en-US" sz="1350"/>
+              </a:p>
+            </p:txBody>
+          </p:sp>
+          <p:sp>
+            <p:nvSpPr>
+              <p:cNvPr id="12" name="矩形 11">
+                <a:extLst>
+                  <a:ext uri="{FF2B5EF4-FFF2-40B4-BE49-F238E27FC236}">
+                    <a16:creationId xmlns:a16="http://schemas.microsoft.com/office/drawing/2014/main" id="{AFE3F854-F55C-4CF5-87BD-02A44DF29B5C}"/>
+                  </a:ext>
+                </a:extLst>
+              </p:cNvPr>
+              <p:cNvSpPr/>
+              <p:nvPr/>
+            </p:nvSpPr>
+            <p:spPr>
+              <a:xfrm>
+                <a:off x="1285643" y="1772435"/>
+                <a:ext cx="2114216" cy="338554"/>
+              </a:xfrm>
+              <a:prstGeom prst="rect">
+                <a:avLst/>
+              </a:prstGeom>
+              <a:solidFill>
+                <a:srgbClr val="183A5D"/>
+              </a:solidFill>
+              <a:ln>
+                <a:noFill/>
+              </a:ln>
+            </p:spPr>
+            <p:style>
+              <a:lnRef idx="2">
+                <a:schemeClr val="accent1">
+                  <a:shade val="50000"/>
+                </a:schemeClr>
+              </a:lnRef>
+              <a:fillRef idx="1">
+                <a:schemeClr val="accent1"/>
+              </a:fillRef>
+              <a:effectRef idx="0">
+                <a:schemeClr val="accent1"/>
+              </a:effectRef>
+              <a:fontRef idx="minor">
+                <a:schemeClr val="lt1"/>
+              </a:fontRef>
+            </p:style>
+            <p:txBody>
+              <a:bodyPr rtlCol="0" anchor="ctr"/>
+              <a:lstStyle/>
+              <a:p>
+                <a:pPr algn="ctr"/>
+                <a:endParaRPr lang="zh-CN" altLang="en-US" sz="1350"/>
+              </a:p>
+            </p:txBody>
+          </p:sp>
+        </p:grpSp>
       </p:grpSp>
     </p:spTree>
     <p:extLst>
@@ -16083,83 +16166,7 @@
   <p:timing>
     <p:tnLst>
       <p:par>
-        <p:cTn id="1" dur="indefinite" restart="never" nodeType="tmRoot">
-          <p:childTnLst>
-            <p:seq concurrent="1" nextAc="seek">
-              <p:cTn id="2" dur="indefinite" nodeType="mainSeq">
-                <p:childTnLst>
-                  <p:par>
-                    <p:cTn id="3" fill="hold">
-                      <p:stCondLst>
-                        <p:cond delay="indefinite"/>
-                      </p:stCondLst>
-                      <p:childTnLst>
-                        <p:par>
-                          <p:cTn id="4" fill="hold">
-                            <p:stCondLst>
-                              <p:cond delay="0"/>
-                            </p:stCondLst>
-                            <p:childTnLst>
-                              <p:par>
-                                <p:cTn id="5" presetID="22" presetClass="entr" presetSubtype="1" fill="hold" nodeType="clickEffect">
-                                  <p:stCondLst>
-                                    <p:cond delay="0"/>
-                                  </p:stCondLst>
-                                  <p:childTnLst>
-                                    <p:set>
-                                      <p:cBhvr>
-                                        <p:cTn id="6" dur="1" fill="hold">
-                                          <p:stCondLst>
-                                            <p:cond delay="0"/>
-                                          </p:stCondLst>
-                                        </p:cTn>
-                                        <p:tgtEl>
-                                          <p:spTgt spid="10"/>
-                                        </p:tgtEl>
-                                        <p:attrNameLst>
-                                          <p:attrName>style.visibility</p:attrName>
-                                        </p:attrNameLst>
-                                      </p:cBhvr>
-                                      <p:to>
-                                        <p:strVal val="visible"/>
-                                      </p:to>
-                                    </p:set>
-                                    <p:animEffect transition="in" filter="wipe(up)">
-                                      <p:cBhvr>
-                                        <p:cTn id="7" dur="500"/>
-                                        <p:tgtEl>
-                                          <p:spTgt spid="10"/>
-                                        </p:tgtEl>
-                                      </p:cBhvr>
-                                    </p:animEffect>
-                                  </p:childTnLst>
-                                </p:cTn>
-                              </p:par>
-                            </p:childTnLst>
-                          </p:cTn>
-                        </p:par>
-                      </p:childTnLst>
-                    </p:cTn>
-                  </p:par>
-                </p:childTnLst>
-              </p:cTn>
-              <p:prevCondLst>
-                <p:cond evt="onPrev" delay="0">
-                  <p:tgtEl>
-                    <p:sldTgt/>
-                  </p:tgtEl>
-                </p:cond>
-              </p:prevCondLst>
-              <p:nextCondLst>
-                <p:cond evt="onNext" delay="0">
-                  <p:tgtEl>
-                    <p:sldTgt/>
-                  </p:tgtEl>
-                </p:cond>
-              </p:nextCondLst>
-            </p:seq>
-          </p:childTnLst>
-        </p:cTn>
+        <p:cTn id="1" dur="indefinite" restart="never" nodeType="tmRoot"/>
       </p:par>
     </p:tnLst>
   </p:timing>
@@ -16353,86 +16360,6 @@
           </a:p>
         </p:txBody>
       </p:sp>
-      <p:sp>
-        <p:nvSpPr>
-          <p:cNvPr id="5" name="矩形 4"/>
-          <p:cNvSpPr/>
-          <p:nvPr/>
-        </p:nvSpPr>
-        <p:spPr>
-          <a:xfrm>
-            <a:off x="254410" y="2159320"/>
-            <a:ext cx="6092825" cy="1384995"/>
-          </a:xfrm>
-          <a:prstGeom prst="rect">
-            <a:avLst/>
-          </a:prstGeom>
-        </p:spPr>
-        <p:txBody>
-          <a:bodyPr>
-            <a:spAutoFit/>
-          </a:bodyPr>
-          <a:lstStyle/>
-          <a:p>
-            <a:r>
-              <a:rPr lang="zh-CN" altLang="en-US" dirty="0">
-                <a:solidFill>
-                  <a:srgbClr val="000000"/>
-                </a:solidFill>
-                <a:latin typeface="verdana" panose="020B0604030504040204" pitchFamily="34" charset="0"/>
-              </a:rPr>
-              <a:t>系统边界</a:t>
-            </a:r>
-          </a:p>
-          <a:p>
-            <a:r>
-              <a:rPr lang="zh-CN" altLang="en-US" dirty="0">
-                <a:solidFill>
-                  <a:srgbClr val="000000"/>
-                </a:solidFill>
-                <a:latin typeface="verdana" panose="020B0604030504040204" pitchFamily="34" charset="0"/>
-              </a:rPr>
-              <a:t>　　指系统与系统之间的界限。把系统边界以外的同系统相关联的其他部分称为系统环境。</a:t>
-            </a:r>
-          </a:p>
-          <a:p>
-            <a:r>
-              <a:rPr lang="zh-CN" altLang="en-US" dirty="0">
-                <a:solidFill>
-                  <a:srgbClr val="000000"/>
-                </a:solidFill>
-                <a:latin typeface="verdana" panose="020B0604030504040204" pitchFamily="34" charset="0"/>
-              </a:rPr>
-              <a:t>在</a:t>
-            </a:r>
-            <a:r>
-              <a:rPr lang="en-US" altLang="zh-CN" dirty="0">
-                <a:solidFill>
-                  <a:srgbClr val="000000"/>
-                </a:solidFill>
-                <a:latin typeface="verdana" panose="020B0604030504040204" pitchFamily="34" charset="0"/>
-              </a:rPr>
-              <a:t>UML</a:t>
-            </a:r>
-            <a:r>
-              <a:rPr lang="zh-CN" altLang="en-US" dirty="0">
-                <a:solidFill>
-                  <a:srgbClr val="000000"/>
-                </a:solidFill>
-                <a:latin typeface="verdana" panose="020B0604030504040204" pitchFamily="34" charset="0"/>
-              </a:rPr>
-              <a:t>图中我们用一个矩形表示。</a:t>
-            </a:r>
-            <a:endParaRPr lang="zh-CN" altLang="en-US" b="0" i="0" dirty="0">
-              <a:solidFill>
-                <a:srgbClr val="000000"/>
-              </a:solidFill>
-              <a:effectLst/>
-              <a:latin typeface="verdana" panose="020B0604030504040204" pitchFamily="34" charset="0"/>
-            </a:endParaRPr>
-          </a:p>
-        </p:txBody>
-      </p:sp>
       <p:pic>
         <p:nvPicPr>
           <p:cNvPr id="9" name="图片 8"/>
@@ -16459,13 +16386,7 @@
       </p:pic>
       <p:grpSp>
         <p:nvGrpSpPr>
-          <p:cNvPr id="10" name="组合 9">
-            <a:extLst>
-              <a:ext uri="{FF2B5EF4-FFF2-40B4-BE49-F238E27FC236}">
-                <a16:creationId xmlns:a16="http://schemas.microsoft.com/office/drawing/2014/main" id="{0C70ED1C-30EF-4B3F-8CE4-0E8BEF2BEBCF}"/>
-              </a:ext>
-            </a:extLst>
-          </p:cNvPr>
+          <p:cNvPr id="7" name="组合 6"/>
           <p:cNvGrpSpPr/>
           <p:nvPr/>
         </p:nvGrpSpPr>
@@ -16473,114 +16394,215 @@
           <a:xfrm>
             <a:off x="237030" y="1269554"/>
             <a:ext cx="7776864" cy="4896544"/>
-            <a:chOff x="1285643" y="1772435"/>
-            <a:chExt cx="7135479" cy="3572664"/>
+            <a:chOff x="237030" y="1269554"/>
+            <a:chExt cx="7776864" cy="4896544"/>
           </a:xfrm>
         </p:grpSpPr>
         <p:sp>
           <p:nvSpPr>
-            <p:cNvPr id="11" name="矩形 10">
-              <a:extLst>
-                <a:ext uri="{FF2B5EF4-FFF2-40B4-BE49-F238E27FC236}">
-                  <a16:creationId xmlns:a16="http://schemas.microsoft.com/office/drawing/2014/main" id="{8CE48814-7E1F-4B07-9E0F-7D1566C5A1BD}"/>
-                </a:ext>
-              </a:extLst>
-            </p:cNvPr>
+            <p:cNvPr id="5" name="矩形 4"/>
             <p:cNvSpPr/>
             <p:nvPr/>
           </p:nvSpPr>
           <p:spPr>
             <a:xfrm>
-              <a:off x="1285644" y="2104682"/>
-              <a:ext cx="7135478" cy="3240417"/>
+              <a:off x="254410" y="2159320"/>
+              <a:ext cx="6092825" cy="1384995"/>
             </a:xfrm>
             <a:prstGeom prst="rect">
               <a:avLst/>
             </a:prstGeom>
-            <a:noFill/>
-            <a:ln w="12700">
-              <a:solidFill>
-                <a:srgbClr val="346182"/>
-              </a:solidFill>
-            </a:ln>
           </p:spPr>
-          <p:style>
-            <a:lnRef idx="2">
-              <a:schemeClr val="accent1">
-                <a:shade val="50000"/>
-              </a:schemeClr>
-            </a:lnRef>
-            <a:fillRef idx="1">
-              <a:schemeClr val="accent1"/>
-            </a:fillRef>
-            <a:effectRef idx="0">
-              <a:schemeClr val="accent1"/>
-            </a:effectRef>
-            <a:fontRef idx="minor">
-              <a:schemeClr val="lt1"/>
-            </a:fontRef>
-          </p:style>
           <p:txBody>
-            <a:bodyPr rtlCol="0" anchor="ctr"/>
+            <a:bodyPr>
+              <a:spAutoFit/>
+            </a:bodyPr>
             <a:lstStyle/>
             <a:p>
-              <a:pPr algn="ctr"/>
-              <a:endParaRPr lang="zh-CN" altLang="en-US" sz="1350"/>
+              <a:r>
+                <a:rPr lang="zh-CN" altLang="en-US" dirty="0">
+                  <a:solidFill>
+                    <a:srgbClr val="000000"/>
+                  </a:solidFill>
+                  <a:latin typeface="verdana" panose="020B0604030504040204" pitchFamily="34" charset="0"/>
+                </a:rPr>
+                <a:t>系统边界</a:t>
+              </a:r>
+            </a:p>
+            <a:p>
+              <a:r>
+                <a:rPr lang="zh-CN" altLang="en-US" dirty="0">
+                  <a:solidFill>
+                    <a:srgbClr val="000000"/>
+                  </a:solidFill>
+                  <a:latin typeface="verdana" panose="020B0604030504040204" pitchFamily="34" charset="0"/>
+                </a:rPr>
+                <a:t>　　指系统与系统之间的界限。把系统边界以外的同系统相关联的其他部分称为系统环境。</a:t>
+              </a:r>
+            </a:p>
+            <a:p>
+              <a:r>
+                <a:rPr lang="zh-CN" altLang="en-US" dirty="0">
+                  <a:solidFill>
+                    <a:srgbClr val="000000"/>
+                  </a:solidFill>
+                  <a:latin typeface="verdana" panose="020B0604030504040204" pitchFamily="34" charset="0"/>
+                </a:rPr>
+                <a:t>在</a:t>
+              </a:r>
+              <a:r>
+                <a:rPr lang="en-US" altLang="zh-CN" dirty="0">
+                  <a:solidFill>
+                    <a:srgbClr val="000000"/>
+                  </a:solidFill>
+                  <a:latin typeface="verdana" panose="020B0604030504040204" pitchFamily="34" charset="0"/>
+                </a:rPr>
+                <a:t>UML</a:t>
+              </a:r>
+              <a:r>
+                <a:rPr lang="zh-CN" altLang="en-US" dirty="0">
+                  <a:solidFill>
+                    <a:srgbClr val="000000"/>
+                  </a:solidFill>
+                  <a:latin typeface="verdana" panose="020B0604030504040204" pitchFamily="34" charset="0"/>
+                </a:rPr>
+                <a:t>图中我们用一个矩形表示。</a:t>
+              </a:r>
+              <a:endParaRPr lang="zh-CN" altLang="en-US" b="0" i="0" dirty="0">
+                <a:solidFill>
+                  <a:srgbClr val="000000"/>
+                </a:solidFill>
+                <a:effectLst/>
+                <a:latin typeface="verdana" panose="020B0604030504040204" pitchFamily="34" charset="0"/>
+              </a:endParaRPr>
             </a:p>
           </p:txBody>
         </p:sp>
-        <p:sp>
-          <p:nvSpPr>
-            <p:cNvPr id="12" name="矩形 11">
+        <p:grpSp>
+          <p:nvGrpSpPr>
+            <p:cNvPr id="10" name="组合 9">
               <a:extLst>
                 <a:ext uri="{FF2B5EF4-FFF2-40B4-BE49-F238E27FC236}">
-                  <a16:creationId xmlns:a16="http://schemas.microsoft.com/office/drawing/2014/main" id="{AFE3F854-F55C-4CF5-87BD-02A44DF29B5C}"/>
+                  <a16:creationId xmlns:a16="http://schemas.microsoft.com/office/drawing/2014/main" id="{0C70ED1C-30EF-4B3F-8CE4-0E8BEF2BEBCF}"/>
                 </a:ext>
               </a:extLst>
             </p:cNvPr>
-            <p:cNvSpPr/>
+            <p:cNvGrpSpPr/>
             <p:nvPr/>
-          </p:nvSpPr>
-          <p:spPr>
+          </p:nvGrpSpPr>
+          <p:grpSpPr>
             <a:xfrm>
-              <a:off x="1285643" y="1772435"/>
-              <a:ext cx="2114216" cy="338554"/>
+              <a:off x="237030" y="1269554"/>
+              <a:ext cx="7776864" cy="4896544"/>
+              <a:chOff x="1285643" y="1772435"/>
+              <a:chExt cx="7135479" cy="3572664"/>
             </a:xfrm>
-            <a:prstGeom prst="rect">
-              <a:avLst/>
-            </a:prstGeom>
-            <a:solidFill>
-              <a:srgbClr val="183A5D"/>
-            </a:solidFill>
-            <a:ln>
+          </p:grpSpPr>
+          <p:sp>
+            <p:nvSpPr>
+              <p:cNvPr id="11" name="矩形 10">
+                <a:extLst>
+                  <a:ext uri="{FF2B5EF4-FFF2-40B4-BE49-F238E27FC236}">
+                    <a16:creationId xmlns:a16="http://schemas.microsoft.com/office/drawing/2014/main" id="{8CE48814-7E1F-4B07-9E0F-7D1566C5A1BD}"/>
+                  </a:ext>
+                </a:extLst>
+              </p:cNvPr>
+              <p:cNvSpPr/>
+              <p:nvPr/>
+            </p:nvSpPr>
+            <p:spPr>
+              <a:xfrm>
+                <a:off x="1285644" y="2104682"/>
+                <a:ext cx="7135478" cy="3240417"/>
+              </a:xfrm>
+              <a:prstGeom prst="rect">
+                <a:avLst/>
+              </a:prstGeom>
               <a:noFill/>
-            </a:ln>
-          </p:spPr>
-          <p:style>
-            <a:lnRef idx="2">
-              <a:schemeClr val="accent1">
-                <a:shade val="50000"/>
-              </a:schemeClr>
-            </a:lnRef>
-            <a:fillRef idx="1">
-              <a:schemeClr val="accent1"/>
-            </a:fillRef>
-            <a:effectRef idx="0">
-              <a:schemeClr val="accent1"/>
-            </a:effectRef>
-            <a:fontRef idx="minor">
-              <a:schemeClr val="lt1"/>
-            </a:fontRef>
-          </p:style>
-          <p:txBody>
-            <a:bodyPr rtlCol="0" anchor="ctr"/>
-            <a:lstStyle/>
-            <a:p>
-              <a:pPr algn="ctr"/>
-              <a:endParaRPr lang="zh-CN" altLang="en-US" sz="1350"/>
-            </a:p>
-          </p:txBody>
-        </p:sp>
+              <a:ln w="12700">
+                <a:solidFill>
+                  <a:srgbClr val="346182"/>
+                </a:solidFill>
+              </a:ln>
+            </p:spPr>
+            <p:style>
+              <a:lnRef idx="2">
+                <a:schemeClr val="accent1">
+                  <a:shade val="50000"/>
+                </a:schemeClr>
+              </a:lnRef>
+              <a:fillRef idx="1">
+                <a:schemeClr val="accent1"/>
+              </a:fillRef>
+              <a:effectRef idx="0">
+                <a:schemeClr val="accent1"/>
+              </a:effectRef>
+              <a:fontRef idx="minor">
+                <a:schemeClr val="lt1"/>
+              </a:fontRef>
+            </p:style>
+            <p:txBody>
+              <a:bodyPr rtlCol="0" anchor="ctr"/>
+              <a:lstStyle/>
+              <a:p>
+                <a:pPr algn="ctr"/>
+                <a:endParaRPr lang="zh-CN" altLang="en-US" sz="1350"/>
+              </a:p>
+            </p:txBody>
+          </p:sp>
+          <p:sp>
+            <p:nvSpPr>
+              <p:cNvPr id="12" name="矩形 11">
+                <a:extLst>
+                  <a:ext uri="{FF2B5EF4-FFF2-40B4-BE49-F238E27FC236}">
+                    <a16:creationId xmlns:a16="http://schemas.microsoft.com/office/drawing/2014/main" id="{AFE3F854-F55C-4CF5-87BD-02A44DF29B5C}"/>
+                  </a:ext>
+                </a:extLst>
+              </p:cNvPr>
+              <p:cNvSpPr/>
+              <p:nvPr/>
+            </p:nvSpPr>
+            <p:spPr>
+              <a:xfrm>
+                <a:off x="1285643" y="1772435"/>
+                <a:ext cx="2114216" cy="338554"/>
+              </a:xfrm>
+              <a:prstGeom prst="rect">
+                <a:avLst/>
+              </a:prstGeom>
+              <a:solidFill>
+                <a:srgbClr val="183A5D"/>
+              </a:solidFill>
+              <a:ln>
+                <a:noFill/>
+              </a:ln>
+            </p:spPr>
+            <p:style>
+              <a:lnRef idx="2">
+                <a:schemeClr val="accent1">
+                  <a:shade val="50000"/>
+                </a:schemeClr>
+              </a:lnRef>
+              <a:fillRef idx="1">
+                <a:schemeClr val="accent1"/>
+              </a:fillRef>
+              <a:effectRef idx="0">
+                <a:schemeClr val="accent1"/>
+              </a:effectRef>
+              <a:fontRef idx="minor">
+                <a:schemeClr val="lt1"/>
+              </a:fontRef>
+            </p:style>
+            <p:txBody>
+              <a:bodyPr rtlCol="0" anchor="ctr"/>
+              <a:lstStyle/>
+              <a:p>
+                <a:pPr algn="ctr"/>
+                <a:endParaRPr lang="zh-CN" altLang="en-US" sz="1350"/>
+              </a:p>
+            </p:txBody>
+          </p:sp>
+        </p:grpSp>
       </p:grpSp>
     </p:spTree>
     <p:extLst>
@@ -16598,83 +16620,7 @@
   <p:timing>
     <p:tnLst>
       <p:par>
-        <p:cTn id="1" dur="indefinite" restart="never" nodeType="tmRoot">
-          <p:childTnLst>
-            <p:seq concurrent="1" nextAc="seek">
-              <p:cTn id="2" dur="indefinite" nodeType="mainSeq">
-                <p:childTnLst>
-                  <p:par>
-                    <p:cTn id="3" fill="hold">
-                      <p:stCondLst>
-                        <p:cond delay="indefinite"/>
-                      </p:stCondLst>
-                      <p:childTnLst>
-                        <p:par>
-                          <p:cTn id="4" fill="hold">
-                            <p:stCondLst>
-                              <p:cond delay="0"/>
-                            </p:stCondLst>
-                            <p:childTnLst>
-                              <p:par>
-                                <p:cTn id="5" presetID="22" presetClass="entr" presetSubtype="1" fill="hold" nodeType="clickEffect">
-                                  <p:stCondLst>
-                                    <p:cond delay="0"/>
-                                  </p:stCondLst>
-                                  <p:childTnLst>
-                                    <p:set>
-                                      <p:cBhvr>
-                                        <p:cTn id="6" dur="1" fill="hold">
-                                          <p:stCondLst>
-                                            <p:cond delay="0"/>
-                                          </p:stCondLst>
-                                        </p:cTn>
-                                        <p:tgtEl>
-                                          <p:spTgt spid="10"/>
-                                        </p:tgtEl>
-                                        <p:attrNameLst>
-                                          <p:attrName>style.visibility</p:attrName>
-                                        </p:attrNameLst>
-                                      </p:cBhvr>
-                                      <p:to>
-                                        <p:strVal val="visible"/>
-                                      </p:to>
-                                    </p:set>
-                                    <p:animEffect transition="in" filter="wipe(up)">
-                                      <p:cBhvr>
-                                        <p:cTn id="7" dur="500"/>
-                                        <p:tgtEl>
-                                          <p:spTgt spid="10"/>
-                                        </p:tgtEl>
-                                      </p:cBhvr>
-                                    </p:animEffect>
-                                  </p:childTnLst>
-                                </p:cTn>
-                              </p:par>
-                            </p:childTnLst>
-                          </p:cTn>
-                        </p:par>
-                      </p:childTnLst>
-                    </p:cTn>
-                  </p:par>
-                </p:childTnLst>
-              </p:cTn>
-              <p:prevCondLst>
-                <p:cond evt="onPrev" delay="0">
-                  <p:tgtEl>
-                    <p:sldTgt/>
-                  </p:tgtEl>
-                </p:cond>
-              </p:prevCondLst>
-              <p:nextCondLst>
-                <p:cond evt="onNext" delay="0">
-                  <p:tgtEl>
-                    <p:sldTgt/>
-                  </p:tgtEl>
-                </p:cond>
-              </p:nextCondLst>
-            </p:seq>
-          </p:childTnLst>
-        </p:cTn>
+        <p:cTn id="1" dur="indefinite" restart="never" nodeType="tmRoot"/>
       </p:par>
     </p:tnLst>
   </p:timing>
@@ -17194,124 +17140,6 @@
           </a:p>
         </p:txBody>
       </p:sp>
-      <p:sp>
-        <p:nvSpPr>
-          <p:cNvPr id="7" name="矩形 6"/>
-          <p:cNvSpPr/>
-          <p:nvPr/>
-        </p:nvSpPr>
-        <p:spPr>
-          <a:xfrm>
-            <a:off x="425780" y="2327274"/>
-            <a:ext cx="6092825" cy="2354491"/>
-          </a:xfrm>
-          <a:prstGeom prst="rect">
-            <a:avLst/>
-          </a:prstGeom>
-        </p:spPr>
-        <p:txBody>
-          <a:bodyPr>
-            <a:spAutoFit/>
-          </a:bodyPr>
-          <a:lstStyle/>
-          <a:p>
-            <a:r>
-              <a:rPr lang="zh-CN" altLang="en-US" dirty="0">
-                <a:solidFill>
-                  <a:srgbClr val="000000"/>
-                </a:solidFill>
-                <a:latin typeface="verdana" panose="020B0604030504040204" pitchFamily="34" charset="0"/>
-              </a:rPr>
-              <a:t>关系</a:t>
-            </a:r>
-          </a:p>
-          <a:p>
-            <a:r>
-              <a:rPr lang="zh-CN" altLang="en-US" dirty="0">
-                <a:solidFill>
-                  <a:srgbClr val="000000"/>
-                </a:solidFill>
-                <a:latin typeface="verdana" panose="020B0604030504040204" pitchFamily="34" charset="0"/>
-              </a:rPr>
-              <a:t>　　用例图中的关系有</a:t>
-            </a:r>
-            <a:r>
-              <a:rPr lang="en-US" altLang="zh-CN" dirty="0">
-                <a:solidFill>
-                  <a:srgbClr val="000000"/>
-                </a:solidFill>
-                <a:latin typeface="verdana" panose="020B0604030504040204" pitchFamily="34" charset="0"/>
-              </a:rPr>
-              <a:t>4</a:t>
-            </a:r>
-            <a:r>
-              <a:rPr lang="zh-CN" altLang="en-US" dirty="0">
-                <a:solidFill>
-                  <a:srgbClr val="000000"/>
-                </a:solidFill>
-                <a:latin typeface="verdana" panose="020B0604030504040204" pitchFamily="34" charset="0"/>
-              </a:rPr>
-              <a:t>种：关联，泛化，包含和扩展。</a:t>
-            </a:r>
-          </a:p>
-          <a:p>
-            <a:r>
-              <a:rPr lang="zh-CN" altLang="en-US" dirty="0">
-                <a:solidFill>
-                  <a:srgbClr val="000000"/>
-                </a:solidFill>
-                <a:latin typeface="verdana" panose="020B0604030504040204" pitchFamily="34" charset="0"/>
-              </a:rPr>
-              <a:t>　　关联：表示参与者和用例之间的交互。为通信途径，任何一方都可发送或可接收消息。</a:t>
-            </a:r>
-          </a:p>
-          <a:p>
-            <a:r>
-              <a:rPr lang="zh-CN" altLang="en-US" dirty="0">
-                <a:solidFill>
-                  <a:srgbClr val="000000"/>
-                </a:solidFill>
-                <a:latin typeface="verdana" panose="020B0604030504040204" pitchFamily="34" charset="0"/>
-              </a:rPr>
-              <a:t>　　箭头指向：指向消息接收方。在</a:t>
-            </a:r>
-            <a:r>
-              <a:rPr lang="en-US" altLang="zh-CN" dirty="0">
-                <a:solidFill>
-                  <a:srgbClr val="000000"/>
-                </a:solidFill>
-                <a:latin typeface="verdana" panose="020B0604030504040204" pitchFamily="34" charset="0"/>
-              </a:rPr>
-              <a:t>UML</a:t>
-            </a:r>
-            <a:r>
-              <a:rPr lang="zh-CN" altLang="en-US" dirty="0">
-                <a:solidFill>
-                  <a:srgbClr val="000000"/>
-                </a:solidFill>
-                <a:latin typeface="verdana" panose="020B0604030504040204" pitchFamily="34" charset="0"/>
-              </a:rPr>
-              <a:t>中用直线</a:t>
-            </a:r>
-            <a:r>
-              <a:rPr lang="zh-CN" altLang="en-US" dirty="0" smtClean="0">
-                <a:solidFill>
-                  <a:srgbClr val="000000"/>
-                </a:solidFill>
-                <a:latin typeface="verdana" panose="020B0604030504040204" pitchFamily="34" charset="0"/>
-              </a:rPr>
-              <a:t>表示</a:t>
-            </a:r>
-            <a:endParaRPr lang="zh-CN" altLang="en-US" b="0" i="0" dirty="0">
-              <a:solidFill>
-                <a:srgbClr val="000000"/>
-              </a:solidFill>
-              <a:effectLst/>
-              <a:latin typeface="verdana" panose="020B0604030504040204" pitchFamily="34" charset="0"/>
-            </a:endParaRPr>
-          </a:p>
-        </p:txBody>
-      </p:sp>
       <p:pic>
         <p:nvPicPr>
           <p:cNvPr id="8" name="图片 7"/>
@@ -17338,13 +17166,7 @@
       </p:pic>
       <p:grpSp>
         <p:nvGrpSpPr>
-          <p:cNvPr id="10" name="组合 9">
-            <a:extLst>
-              <a:ext uri="{FF2B5EF4-FFF2-40B4-BE49-F238E27FC236}">
-                <a16:creationId xmlns:a16="http://schemas.microsoft.com/office/drawing/2014/main" id="{0C70ED1C-30EF-4B3F-8CE4-0E8BEF2BEBCF}"/>
-              </a:ext>
-            </a:extLst>
-          </p:cNvPr>
+          <p:cNvPr id="5" name="组合 4"/>
           <p:cNvGrpSpPr/>
           <p:nvPr/>
         </p:nvGrpSpPr>
@@ -17352,114 +17174,253 @@
           <a:xfrm>
             <a:off x="249402" y="1413570"/>
             <a:ext cx="7776864" cy="4896544"/>
-            <a:chOff x="1285643" y="1772435"/>
-            <a:chExt cx="7135479" cy="3572664"/>
+            <a:chOff x="249402" y="1413570"/>
+            <a:chExt cx="7776864" cy="4896544"/>
           </a:xfrm>
         </p:grpSpPr>
         <p:sp>
           <p:nvSpPr>
-            <p:cNvPr id="11" name="矩形 10">
-              <a:extLst>
-                <a:ext uri="{FF2B5EF4-FFF2-40B4-BE49-F238E27FC236}">
-                  <a16:creationId xmlns:a16="http://schemas.microsoft.com/office/drawing/2014/main" id="{8CE48814-7E1F-4B07-9E0F-7D1566C5A1BD}"/>
-                </a:ext>
-              </a:extLst>
-            </p:cNvPr>
+            <p:cNvPr id="7" name="矩形 6"/>
             <p:cNvSpPr/>
             <p:nvPr/>
           </p:nvSpPr>
           <p:spPr>
             <a:xfrm>
-              <a:off x="1285644" y="2104682"/>
-              <a:ext cx="7135478" cy="3240417"/>
+              <a:off x="425780" y="2327274"/>
+              <a:ext cx="6092825" cy="2354491"/>
             </a:xfrm>
             <a:prstGeom prst="rect">
               <a:avLst/>
             </a:prstGeom>
-            <a:noFill/>
-            <a:ln w="12700">
-              <a:solidFill>
-                <a:srgbClr val="346182"/>
-              </a:solidFill>
-            </a:ln>
           </p:spPr>
-          <p:style>
-            <a:lnRef idx="2">
-              <a:schemeClr val="accent1">
-                <a:shade val="50000"/>
-              </a:schemeClr>
-            </a:lnRef>
-            <a:fillRef idx="1">
-              <a:schemeClr val="accent1"/>
-            </a:fillRef>
-            <a:effectRef idx="0">
-              <a:schemeClr val="accent1"/>
-            </a:effectRef>
-            <a:fontRef idx="minor">
-              <a:schemeClr val="lt1"/>
-            </a:fontRef>
-          </p:style>
           <p:txBody>
-            <a:bodyPr rtlCol="0" anchor="ctr"/>
+            <a:bodyPr>
+              <a:spAutoFit/>
+            </a:bodyPr>
             <a:lstStyle/>
             <a:p>
-              <a:pPr algn="ctr"/>
-              <a:endParaRPr lang="zh-CN" altLang="en-US" sz="1350"/>
+              <a:r>
+                <a:rPr lang="zh-CN" altLang="en-US" dirty="0">
+                  <a:solidFill>
+                    <a:srgbClr val="000000"/>
+                  </a:solidFill>
+                  <a:latin typeface="verdana" panose="020B0604030504040204" pitchFamily="34" charset="0"/>
+                </a:rPr>
+                <a:t>关系</a:t>
+              </a:r>
+            </a:p>
+            <a:p>
+              <a:r>
+                <a:rPr lang="zh-CN" altLang="en-US" dirty="0">
+                  <a:solidFill>
+                    <a:srgbClr val="000000"/>
+                  </a:solidFill>
+                  <a:latin typeface="verdana" panose="020B0604030504040204" pitchFamily="34" charset="0"/>
+                </a:rPr>
+                <a:t>　　用例图中的关系有</a:t>
+              </a:r>
+              <a:r>
+                <a:rPr lang="en-US" altLang="zh-CN" dirty="0">
+                  <a:solidFill>
+                    <a:srgbClr val="000000"/>
+                  </a:solidFill>
+                  <a:latin typeface="verdana" panose="020B0604030504040204" pitchFamily="34" charset="0"/>
+                </a:rPr>
+                <a:t>4</a:t>
+              </a:r>
+              <a:r>
+                <a:rPr lang="zh-CN" altLang="en-US" dirty="0">
+                  <a:solidFill>
+                    <a:srgbClr val="000000"/>
+                  </a:solidFill>
+                  <a:latin typeface="verdana" panose="020B0604030504040204" pitchFamily="34" charset="0"/>
+                </a:rPr>
+                <a:t>种：关联，泛化，包含和扩展。</a:t>
+              </a:r>
+            </a:p>
+            <a:p>
+              <a:r>
+                <a:rPr lang="zh-CN" altLang="en-US" dirty="0">
+                  <a:solidFill>
+                    <a:srgbClr val="000000"/>
+                  </a:solidFill>
+                  <a:latin typeface="verdana" panose="020B0604030504040204" pitchFamily="34" charset="0"/>
+                </a:rPr>
+                <a:t>　　关联：表示参与者和用例之间的交互。为通信途径，任何一方都可发送或可接收消息。</a:t>
+              </a:r>
+            </a:p>
+            <a:p>
+              <a:r>
+                <a:rPr lang="zh-CN" altLang="en-US" dirty="0">
+                  <a:solidFill>
+                    <a:srgbClr val="000000"/>
+                  </a:solidFill>
+                  <a:latin typeface="verdana" panose="020B0604030504040204" pitchFamily="34" charset="0"/>
+                </a:rPr>
+                <a:t>　　箭头指向：指向消息接收方。在</a:t>
+              </a:r>
+              <a:r>
+                <a:rPr lang="en-US" altLang="zh-CN" dirty="0">
+                  <a:solidFill>
+                    <a:srgbClr val="000000"/>
+                  </a:solidFill>
+                  <a:latin typeface="verdana" panose="020B0604030504040204" pitchFamily="34" charset="0"/>
+                </a:rPr>
+                <a:t>UML</a:t>
+              </a:r>
+              <a:r>
+                <a:rPr lang="zh-CN" altLang="en-US" dirty="0">
+                  <a:solidFill>
+                    <a:srgbClr val="000000"/>
+                  </a:solidFill>
+                  <a:latin typeface="verdana" panose="020B0604030504040204" pitchFamily="34" charset="0"/>
+                </a:rPr>
+                <a:t>中用直线</a:t>
+              </a:r>
+              <a:r>
+                <a:rPr lang="zh-CN" altLang="en-US" dirty="0" smtClean="0">
+                  <a:solidFill>
+                    <a:srgbClr val="000000"/>
+                  </a:solidFill>
+                  <a:latin typeface="verdana" panose="020B0604030504040204" pitchFamily="34" charset="0"/>
+                </a:rPr>
+                <a:t>表示</a:t>
+              </a:r>
+              <a:endParaRPr lang="zh-CN" altLang="en-US" b="0" i="0" dirty="0">
+                <a:solidFill>
+                  <a:srgbClr val="000000"/>
+                </a:solidFill>
+                <a:effectLst/>
+                <a:latin typeface="verdana" panose="020B0604030504040204" pitchFamily="34" charset="0"/>
+              </a:endParaRPr>
             </a:p>
           </p:txBody>
         </p:sp>
-        <p:sp>
-          <p:nvSpPr>
-            <p:cNvPr id="12" name="矩形 11">
+        <p:grpSp>
+          <p:nvGrpSpPr>
+            <p:cNvPr id="10" name="组合 9">
               <a:extLst>
                 <a:ext uri="{FF2B5EF4-FFF2-40B4-BE49-F238E27FC236}">
-                  <a16:creationId xmlns:a16="http://schemas.microsoft.com/office/drawing/2014/main" id="{AFE3F854-F55C-4CF5-87BD-02A44DF29B5C}"/>
+                  <a16:creationId xmlns:a16="http://schemas.microsoft.com/office/drawing/2014/main" id="{0C70ED1C-30EF-4B3F-8CE4-0E8BEF2BEBCF}"/>
                 </a:ext>
               </a:extLst>
             </p:cNvPr>
-            <p:cNvSpPr/>
+            <p:cNvGrpSpPr/>
             <p:nvPr/>
-          </p:nvSpPr>
-          <p:spPr>
+          </p:nvGrpSpPr>
+          <p:grpSpPr>
             <a:xfrm>
-              <a:off x="1285643" y="1772435"/>
-              <a:ext cx="2114216" cy="338554"/>
+              <a:off x="249402" y="1413570"/>
+              <a:ext cx="7776864" cy="4896544"/>
+              <a:chOff x="1285643" y="1772435"/>
+              <a:chExt cx="7135479" cy="3572664"/>
             </a:xfrm>
-            <a:prstGeom prst="rect">
-              <a:avLst/>
-            </a:prstGeom>
-            <a:solidFill>
-              <a:srgbClr val="183A5D"/>
-            </a:solidFill>
-            <a:ln>
+          </p:grpSpPr>
+          <p:sp>
+            <p:nvSpPr>
+              <p:cNvPr id="11" name="矩形 10">
+                <a:extLst>
+                  <a:ext uri="{FF2B5EF4-FFF2-40B4-BE49-F238E27FC236}">
+                    <a16:creationId xmlns:a16="http://schemas.microsoft.com/office/drawing/2014/main" id="{8CE48814-7E1F-4B07-9E0F-7D1566C5A1BD}"/>
+                  </a:ext>
+                </a:extLst>
+              </p:cNvPr>
+              <p:cNvSpPr/>
+              <p:nvPr/>
+            </p:nvSpPr>
+            <p:spPr>
+              <a:xfrm>
+                <a:off x="1285644" y="2104682"/>
+                <a:ext cx="7135478" cy="3240417"/>
+              </a:xfrm>
+              <a:prstGeom prst="rect">
+                <a:avLst/>
+              </a:prstGeom>
               <a:noFill/>
-            </a:ln>
-          </p:spPr>
-          <p:style>
-            <a:lnRef idx="2">
-              <a:schemeClr val="accent1">
-                <a:shade val="50000"/>
-              </a:schemeClr>
-            </a:lnRef>
-            <a:fillRef idx="1">
-              <a:schemeClr val="accent1"/>
-            </a:fillRef>
-            <a:effectRef idx="0">
-              <a:schemeClr val="accent1"/>
-            </a:effectRef>
-            <a:fontRef idx="minor">
-              <a:schemeClr val="lt1"/>
-            </a:fontRef>
-          </p:style>
-          <p:txBody>
-            <a:bodyPr rtlCol="0" anchor="ctr"/>
-            <a:lstStyle/>
-            <a:p>
-              <a:pPr algn="ctr"/>
-              <a:endParaRPr lang="zh-CN" altLang="en-US" sz="1350"/>
-            </a:p>
-          </p:txBody>
-        </p:sp>
+              <a:ln w="12700">
+                <a:solidFill>
+                  <a:srgbClr val="346182"/>
+                </a:solidFill>
+              </a:ln>
+            </p:spPr>
+            <p:style>
+              <a:lnRef idx="2">
+                <a:schemeClr val="accent1">
+                  <a:shade val="50000"/>
+                </a:schemeClr>
+              </a:lnRef>
+              <a:fillRef idx="1">
+                <a:schemeClr val="accent1"/>
+              </a:fillRef>
+              <a:effectRef idx="0">
+                <a:schemeClr val="accent1"/>
+              </a:effectRef>
+              <a:fontRef idx="minor">
+                <a:schemeClr val="lt1"/>
+              </a:fontRef>
+            </p:style>
+            <p:txBody>
+              <a:bodyPr rtlCol="0" anchor="ctr"/>
+              <a:lstStyle/>
+              <a:p>
+                <a:pPr algn="ctr"/>
+                <a:endParaRPr lang="zh-CN" altLang="en-US" sz="1350"/>
+              </a:p>
+            </p:txBody>
+          </p:sp>
+          <p:sp>
+            <p:nvSpPr>
+              <p:cNvPr id="12" name="矩形 11">
+                <a:extLst>
+                  <a:ext uri="{FF2B5EF4-FFF2-40B4-BE49-F238E27FC236}">
+                    <a16:creationId xmlns:a16="http://schemas.microsoft.com/office/drawing/2014/main" id="{AFE3F854-F55C-4CF5-87BD-02A44DF29B5C}"/>
+                  </a:ext>
+                </a:extLst>
+              </p:cNvPr>
+              <p:cNvSpPr/>
+              <p:nvPr/>
+            </p:nvSpPr>
+            <p:spPr>
+              <a:xfrm>
+                <a:off x="1285643" y="1772435"/>
+                <a:ext cx="2114216" cy="338554"/>
+              </a:xfrm>
+              <a:prstGeom prst="rect">
+                <a:avLst/>
+              </a:prstGeom>
+              <a:solidFill>
+                <a:srgbClr val="183A5D"/>
+              </a:solidFill>
+              <a:ln>
+                <a:noFill/>
+              </a:ln>
+            </p:spPr>
+            <p:style>
+              <a:lnRef idx="2">
+                <a:schemeClr val="accent1">
+                  <a:shade val="50000"/>
+                </a:schemeClr>
+              </a:lnRef>
+              <a:fillRef idx="1">
+                <a:schemeClr val="accent1"/>
+              </a:fillRef>
+              <a:effectRef idx="0">
+                <a:schemeClr val="accent1"/>
+              </a:effectRef>
+              <a:fontRef idx="minor">
+                <a:schemeClr val="lt1"/>
+              </a:fontRef>
+            </p:style>
+            <p:txBody>
+              <a:bodyPr rtlCol="0" anchor="ctr"/>
+              <a:lstStyle/>
+              <a:p>
+                <a:pPr algn="ctr"/>
+                <a:endParaRPr lang="zh-CN" altLang="en-US" sz="1350"/>
+              </a:p>
+            </p:txBody>
+          </p:sp>
+        </p:grpSp>
       </p:grpSp>
     </p:spTree>
     <p:extLst>
@@ -17477,83 +17438,7 @@
   <p:timing>
     <p:tnLst>
       <p:par>
-        <p:cTn id="1" dur="indefinite" restart="never" nodeType="tmRoot">
-          <p:childTnLst>
-            <p:seq concurrent="1" nextAc="seek">
-              <p:cTn id="2" dur="indefinite" nodeType="mainSeq">
-                <p:childTnLst>
-                  <p:par>
-                    <p:cTn id="3" fill="hold">
-                      <p:stCondLst>
-                        <p:cond delay="indefinite"/>
-                      </p:stCondLst>
-                      <p:childTnLst>
-                        <p:par>
-                          <p:cTn id="4" fill="hold">
-                            <p:stCondLst>
-                              <p:cond delay="0"/>
-                            </p:stCondLst>
-                            <p:childTnLst>
-                              <p:par>
-                                <p:cTn id="5" presetID="22" presetClass="entr" presetSubtype="1" fill="hold" nodeType="clickEffect">
-                                  <p:stCondLst>
-                                    <p:cond delay="0"/>
-                                  </p:stCondLst>
-                                  <p:childTnLst>
-                                    <p:set>
-                                      <p:cBhvr>
-                                        <p:cTn id="6" dur="1" fill="hold">
-                                          <p:stCondLst>
-                                            <p:cond delay="0"/>
-                                          </p:stCondLst>
-                                        </p:cTn>
-                                        <p:tgtEl>
-                                          <p:spTgt spid="10"/>
-                                        </p:tgtEl>
-                                        <p:attrNameLst>
-                                          <p:attrName>style.visibility</p:attrName>
-                                        </p:attrNameLst>
-                                      </p:cBhvr>
-                                      <p:to>
-                                        <p:strVal val="visible"/>
-                                      </p:to>
-                                    </p:set>
-                                    <p:animEffect transition="in" filter="wipe(up)">
-                                      <p:cBhvr>
-                                        <p:cTn id="7" dur="500"/>
-                                        <p:tgtEl>
-                                          <p:spTgt spid="10"/>
-                                        </p:tgtEl>
-                                      </p:cBhvr>
-                                    </p:animEffect>
-                                  </p:childTnLst>
-                                </p:cTn>
-                              </p:par>
-                            </p:childTnLst>
-                          </p:cTn>
-                        </p:par>
-                      </p:childTnLst>
-                    </p:cTn>
-                  </p:par>
-                </p:childTnLst>
-              </p:cTn>
-              <p:prevCondLst>
-                <p:cond evt="onPrev" delay="0">
-                  <p:tgtEl>
-                    <p:sldTgt/>
-                  </p:tgtEl>
-                </p:cond>
-              </p:prevCondLst>
-              <p:nextCondLst>
-                <p:cond evt="onNext" delay="0">
-                  <p:tgtEl>
-                    <p:sldTgt/>
-                  </p:tgtEl>
-                </p:cond>
-              </p:nextCondLst>
-            </p:seq>
-          </p:childTnLst>
-        </p:cTn>
+        <p:cTn id="1" dur="indefinite" restart="never" nodeType="tmRoot"/>
       </p:par>
     </p:tnLst>
   </p:timing>
@@ -19131,13 +19016,7 @@
       </p:sp>
       <p:grpSp>
         <p:nvGrpSpPr>
-          <p:cNvPr id="10" name="组合 9">
-            <a:extLst>
-              <a:ext uri="{FF2B5EF4-FFF2-40B4-BE49-F238E27FC236}">
-                <a16:creationId xmlns:a16="http://schemas.microsoft.com/office/drawing/2014/main" id="{0C70ED1C-30EF-4B3F-8CE4-0E8BEF2BEBCF}"/>
-              </a:ext>
-            </a:extLst>
-          </p:cNvPr>
+          <p:cNvPr id="5" name="组合 4"/>
           <p:cNvGrpSpPr/>
           <p:nvPr/>
         </p:nvGrpSpPr>
@@ -19145,203 +19024,224 @@
           <a:xfrm>
             <a:off x="2134766" y="1086146"/>
             <a:ext cx="7776864" cy="4896544"/>
-            <a:chOff x="1285643" y="1772435"/>
-            <a:chExt cx="7135479" cy="3572664"/>
+            <a:chOff x="2134766" y="1086146"/>
+            <a:chExt cx="7776864" cy="4896544"/>
           </a:xfrm>
         </p:grpSpPr>
-        <p:sp>
-          <p:nvSpPr>
-            <p:cNvPr id="11" name="矩形 10">
+        <p:grpSp>
+          <p:nvGrpSpPr>
+            <p:cNvPr id="10" name="组合 9">
               <a:extLst>
                 <a:ext uri="{FF2B5EF4-FFF2-40B4-BE49-F238E27FC236}">
-                  <a16:creationId xmlns:a16="http://schemas.microsoft.com/office/drawing/2014/main" id="{8CE48814-7E1F-4B07-9E0F-7D1566C5A1BD}"/>
+                  <a16:creationId xmlns:a16="http://schemas.microsoft.com/office/drawing/2014/main" id="{0C70ED1C-30EF-4B3F-8CE4-0E8BEF2BEBCF}"/>
                 </a:ext>
               </a:extLst>
             </p:cNvPr>
+            <p:cNvGrpSpPr/>
+            <p:nvPr/>
+          </p:nvGrpSpPr>
+          <p:grpSpPr>
+            <a:xfrm>
+              <a:off x="2134766" y="1086146"/>
+              <a:ext cx="7776864" cy="4896544"/>
+              <a:chOff x="1285643" y="1772435"/>
+              <a:chExt cx="7135479" cy="3572664"/>
+            </a:xfrm>
+          </p:grpSpPr>
+          <p:sp>
+            <p:nvSpPr>
+              <p:cNvPr id="11" name="矩形 10">
+                <a:extLst>
+                  <a:ext uri="{FF2B5EF4-FFF2-40B4-BE49-F238E27FC236}">
+                    <a16:creationId xmlns:a16="http://schemas.microsoft.com/office/drawing/2014/main" id="{8CE48814-7E1F-4B07-9E0F-7D1566C5A1BD}"/>
+                  </a:ext>
+                </a:extLst>
+              </p:cNvPr>
+              <p:cNvSpPr/>
+              <p:nvPr/>
+            </p:nvSpPr>
+            <p:spPr>
+              <a:xfrm>
+                <a:off x="1285644" y="2104682"/>
+                <a:ext cx="7135478" cy="3240417"/>
+              </a:xfrm>
+              <a:prstGeom prst="rect">
+                <a:avLst/>
+              </a:prstGeom>
+              <a:noFill/>
+              <a:ln w="12700">
+                <a:solidFill>
+                  <a:srgbClr val="346182"/>
+                </a:solidFill>
+              </a:ln>
+            </p:spPr>
+            <p:style>
+              <a:lnRef idx="2">
+                <a:schemeClr val="accent1">
+                  <a:shade val="50000"/>
+                </a:schemeClr>
+              </a:lnRef>
+              <a:fillRef idx="1">
+                <a:schemeClr val="accent1"/>
+              </a:fillRef>
+              <a:effectRef idx="0">
+                <a:schemeClr val="accent1"/>
+              </a:effectRef>
+              <a:fontRef idx="minor">
+                <a:schemeClr val="lt1"/>
+              </a:fontRef>
+            </p:style>
+            <p:txBody>
+              <a:bodyPr rtlCol="0" anchor="ctr"/>
+              <a:lstStyle/>
+              <a:p>
+                <a:pPr algn="ctr"/>
+                <a:endParaRPr lang="zh-CN" altLang="en-US" sz="1350"/>
+              </a:p>
+            </p:txBody>
+          </p:sp>
+          <p:sp>
+            <p:nvSpPr>
+              <p:cNvPr id="12" name="矩形 11">
+                <a:extLst>
+                  <a:ext uri="{FF2B5EF4-FFF2-40B4-BE49-F238E27FC236}">
+                    <a16:creationId xmlns:a16="http://schemas.microsoft.com/office/drawing/2014/main" id="{AFE3F854-F55C-4CF5-87BD-02A44DF29B5C}"/>
+                  </a:ext>
+                </a:extLst>
+              </p:cNvPr>
+              <p:cNvSpPr/>
+              <p:nvPr/>
+            </p:nvSpPr>
+            <p:spPr>
+              <a:xfrm>
+                <a:off x="1285643" y="1772435"/>
+                <a:ext cx="3525067" cy="338554"/>
+              </a:xfrm>
+              <a:prstGeom prst="rect">
+                <a:avLst/>
+              </a:prstGeom>
+              <a:solidFill>
+                <a:srgbClr val="183A5D"/>
+              </a:solidFill>
+              <a:ln>
+                <a:noFill/>
+              </a:ln>
+            </p:spPr>
+            <p:style>
+              <a:lnRef idx="2">
+                <a:schemeClr val="accent1">
+                  <a:shade val="50000"/>
+                </a:schemeClr>
+              </a:lnRef>
+              <a:fillRef idx="1">
+                <a:schemeClr val="accent1"/>
+              </a:fillRef>
+              <a:effectRef idx="0">
+                <a:schemeClr val="accent1"/>
+              </a:effectRef>
+              <a:fontRef idx="minor">
+                <a:schemeClr val="lt1"/>
+              </a:fontRef>
+            </p:style>
+            <p:txBody>
+              <a:bodyPr rtlCol="0" anchor="ctr"/>
+              <a:lstStyle/>
+              <a:p>
+                <a:pPr algn="ctr"/>
+                <a:endParaRPr lang="zh-CN" altLang="en-US" sz="1350"/>
+              </a:p>
+            </p:txBody>
+          </p:sp>
+        </p:grpSp>
+        <p:sp>
+          <p:nvSpPr>
+            <p:cNvPr id="13" name="矩形 12"/>
             <p:cNvSpPr/>
             <p:nvPr/>
           </p:nvSpPr>
           <p:spPr>
             <a:xfrm>
-              <a:off x="1285644" y="2104682"/>
-              <a:ext cx="7135478" cy="3240417"/>
+              <a:off x="2206068" y="1917626"/>
+              <a:ext cx="6092825" cy="2308324"/>
             </a:xfrm>
             <a:prstGeom prst="rect">
               <a:avLst/>
             </a:prstGeom>
-            <a:noFill/>
-            <a:ln w="12700">
-              <a:solidFill>
-                <a:srgbClr val="346182"/>
-              </a:solidFill>
-            </a:ln>
           </p:spPr>
-          <p:style>
-            <a:lnRef idx="2">
-              <a:schemeClr val="accent1">
-                <a:shade val="50000"/>
-              </a:schemeClr>
-            </a:lnRef>
-            <a:fillRef idx="1">
-              <a:schemeClr val="accent1"/>
-            </a:fillRef>
-            <a:effectRef idx="0">
-              <a:schemeClr val="accent1"/>
-            </a:effectRef>
-            <a:fontRef idx="minor">
-              <a:schemeClr val="lt1"/>
-            </a:fontRef>
-          </p:style>
           <p:txBody>
-            <a:bodyPr rtlCol="0" anchor="ctr"/>
+            <a:bodyPr>
+              <a:spAutoFit/>
+            </a:bodyPr>
             <a:lstStyle/>
             <a:p>
-              <a:pPr algn="ctr"/>
-              <a:endParaRPr lang="zh-CN" altLang="en-US" sz="1350"/>
+              <a:pPr>
+                <a:lnSpc>
+                  <a:spcPct val="120000"/>
+                </a:lnSpc>
+                <a:buFont typeface="Arial" charset="0"/>
+                <a:buNone/>
+              </a:pPr>
+              <a:r>
+                <a:rPr lang="zh-CN" altLang="en-US" sz="2400" b="1" dirty="0"/>
+                <a:t>类是对一组具有相同属性、操作、关系、语义的对象的抽象。</a:t>
+              </a:r>
+              <a:endParaRPr lang="en-US" altLang="zh-CN" sz="2400" b="1" dirty="0"/>
             </a:p>
-          </p:txBody>
-        </p:sp>
-        <p:sp>
-          <p:nvSpPr>
-            <p:cNvPr id="12" name="矩形 11">
-              <a:extLst>
-                <a:ext uri="{FF2B5EF4-FFF2-40B4-BE49-F238E27FC236}">
-                  <a16:creationId xmlns:a16="http://schemas.microsoft.com/office/drawing/2014/main" id="{AFE3F854-F55C-4CF5-87BD-02A44DF29B5C}"/>
-                </a:ext>
-              </a:extLst>
-            </p:cNvPr>
-            <p:cNvSpPr/>
-            <p:nvPr/>
-          </p:nvSpPr>
-          <p:spPr>
-            <a:xfrm>
-              <a:off x="1285643" y="1772435"/>
-              <a:ext cx="3525067" cy="338554"/>
-            </a:xfrm>
-            <a:prstGeom prst="rect">
-              <a:avLst/>
-            </a:prstGeom>
-            <a:solidFill>
-              <a:srgbClr val="183A5D"/>
-            </a:solidFill>
-            <a:ln>
-              <a:noFill/>
-            </a:ln>
-          </p:spPr>
-          <p:style>
-            <a:lnRef idx="2">
-              <a:schemeClr val="accent1">
-                <a:shade val="50000"/>
-              </a:schemeClr>
-            </a:lnRef>
-            <a:fillRef idx="1">
-              <a:schemeClr val="accent1"/>
-            </a:fillRef>
-            <a:effectRef idx="0">
-              <a:schemeClr val="accent1"/>
-            </a:effectRef>
-            <a:fontRef idx="minor">
-              <a:schemeClr val="lt1"/>
-            </a:fontRef>
-          </p:style>
-          <p:txBody>
-            <a:bodyPr rtlCol="0" anchor="ctr"/>
-            <a:lstStyle/>
             <a:p>
-              <a:pPr algn="ctr"/>
-              <a:endParaRPr lang="zh-CN" altLang="en-US" sz="1350"/>
+              <a:pPr>
+                <a:lnSpc>
+                  <a:spcPct val="120000"/>
+                </a:lnSpc>
+                <a:buFont typeface="Arial" charset="0"/>
+                <a:buNone/>
+              </a:pPr>
+              <a:r>
+                <a:rPr lang="en-US" altLang="zh-CN" sz="2400" b="1" dirty="0"/>
+                <a:t>        </a:t>
+              </a:r>
+              <a:endParaRPr lang="en-US" altLang="zh-CN" sz="2400" b="1" dirty="0" smtClean="0"/>
+            </a:p>
+            <a:p>
+              <a:pPr>
+                <a:lnSpc>
+                  <a:spcPct val="120000"/>
+                </a:lnSpc>
+                <a:buFont typeface="Arial" charset="0"/>
+                <a:buNone/>
+              </a:pPr>
+              <a:r>
+                <a:rPr lang="zh-CN" altLang="en-US" sz="2400" b="1" dirty="0" smtClean="0"/>
+                <a:t>包括名称</a:t>
+              </a:r>
+              <a:r>
+                <a:rPr lang="en-US" altLang="zh-CN" sz="2400" b="1" dirty="0" smtClean="0"/>
+                <a:t>(Name)</a:t>
+              </a:r>
+              <a:r>
+                <a:rPr lang="zh-CN" altLang="en-US" sz="2400" b="1" dirty="0" smtClean="0"/>
+                <a:t>，属性</a:t>
+              </a:r>
+              <a:r>
+                <a:rPr lang="en-US" altLang="zh-CN" sz="2400" b="1" dirty="0" smtClean="0"/>
+                <a:t>(Attribute)</a:t>
+              </a:r>
+              <a:r>
+                <a:rPr lang="zh-CN" altLang="en-US" sz="2400" b="1" dirty="0" smtClean="0"/>
+                <a:t>，操作</a:t>
+              </a:r>
+              <a:r>
+                <a:rPr lang="en-US" altLang="zh-CN" sz="2400" b="1" dirty="0" smtClean="0"/>
+                <a:t>(Operation)</a:t>
+              </a:r>
+              <a:r>
+                <a:rPr lang="zh-CN" altLang="en-US" sz="2400" b="1" dirty="0" smtClean="0"/>
+                <a:t>。</a:t>
+              </a:r>
+              <a:endParaRPr lang="en-US" altLang="zh-CN" sz="2400" b="1" dirty="0"/>
             </a:p>
           </p:txBody>
         </p:sp>
       </p:grpSp>
-      <p:sp>
-        <p:nvSpPr>
-          <p:cNvPr id="13" name="矩形 12"/>
-          <p:cNvSpPr/>
-          <p:nvPr/>
-        </p:nvSpPr>
-        <p:spPr>
-          <a:xfrm>
-            <a:off x="2206068" y="1917626"/>
-            <a:ext cx="6092825" cy="2308324"/>
-          </a:xfrm>
-          <a:prstGeom prst="rect">
-            <a:avLst/>
-          </a:prstGeom>
-        </p:spPr>
-        <p:txBody>
-          <a:bodyPr>
-            <a:spAutoFit/>
-          </a:bodyPr>
-          <a:lstStyle/>
-          <a:p>
-            <a:pPr>
-              <a:lnSpc>
-                <a:spcPct val="120000"/>
-              </a:lnSpc>
-              <a:buFont typeface="Arial" charset="0"/>
-              <a:buNone/>
-            </a:pPr>
-            <a:r>
-              <a:rPr lang="zh-CN" altLang="en-US" sz="2400" b="1" dirty="0"/>
-              <a:t>类是对一组具有相同属性、操作、关系、语义的对象的抽象。</a:t>
-            </a:r>
-            <a:endParaRPr lang="en-US" altLang="zh-CN" sz="2400" b="1" dirty="0"/>
-          </a:p>
-          <a:p>
-            <a:pPr>
-              <a:lnSpc>
-                <a:spcPct val="120000"/>
-              </a:lnSpc>
-              <a:buFont typeface="Arial" charset="0"/>
-              <a:buNone/>
-            </a:pPr>
-            <a:r>
-              <a:rPr lang="en-US" altLang="zh-CN" sz="2400" b="1" dirty="0"/>
-              <a:t>        </a:t>
-            </a:r>
-            <a:endParaRPr lang="en-US" altLang="zh-CN" sz="2400" b="1" dirty="0" smtClean="0"/>
-          </a:p>
-          <a:p>
-            <a:pPr>
-              <a:lnSpc>
-                <a:spcPct val="120000"/>
-              </a:lnSpc>
-              <a:buFont typeface="Arial" charset="0"/>
-              <a:buNone/>
-            </a:pPr>
-            <a:r>
-              <a:rPr lang="zh-CN" altLang="en-US" sz="2400" b="1" dirty="0" smtClean="0"/>
-              <a:t>包括名称</a:t>
-            </a:r>
-            <a:r>
-              <a:rPr lang="en-US" altLang="zh-CN" sz="2400" b="1" dirty="0" smtClean="0"/>
-              <a:t>(Name)</a:t>
-            </a:r>
-            <a:r>
-              <a:rPr lang="zh-CN" altLang="en-US" sz="2400" b="1" dirty="0" smtClean="0"/>
-              <a:t>，属性</a:t>
-            </a:r>
-            <a:r>
-              <a:rPr lang="en-US" altLang="zh-CN" sz="2400" b="1" dirty="0" smtClean="0"/>
-              <a:t>(Attribute)</a:t>
-            </a:r>
-            <a:r>
-              <a:rPr lang="zh-CN" altLang="en-US" sz="2400" b="1" dirty="0" smtClean="0"/>
-              <a:t>，操作</a:t>
-            </a:r>
-            <a:r>
-              <a:rPr lang="en-US" altLang="zh-CN" sz="2400" b="1" dirty="0" smtClean="0"/>
-              <a:t>(Operation)</a:t>
-            </a:r>
-            <a:r>
-              <a:rPr lang="zh-CN" altLang="en-US" sz="2400" b="1" dirty="0" smtClean="0"/>
-              <a:t>。</a:t>
-            </a:r>
-            <a:endParaRPr lang="en-US" altLang="zh-CN" sz="2400" b="1" dirty="0"/>
-          </a:p>
-        </p:txBody>
-      </p:sp>
     </p:spTree>
     <p:extLst>
       <p:ext uri="{BB962C8B-B14F-4D97-AF65-F5344CB8AC3E}">
@@ -19358,83 +19258,7 @@
   <p:timing>
     <p:tnLst>
       <p:par>
-        <p:cTn id="1" dur="indefinite" restart="never" nodeType="tmRoot">
-          <p:childTnLst>
-            <p:seq concurrent="1" nextAc="seek">
-              <p:cTn id="2" dur="indefinite" nodeType="mainSeq">
-                <p:childTnLst>
-                  <p:par>
-                    <p:cTn id="3" fill="hold">
-                      <p:stCondLst>
-                        <p:cond delay="indefinite"/>
-                      </p:stCondLst>
-                      <p:childTnLst>
-                        <p:par>
-                          <p:cTn id="4" fill="hold">
-                            <p:stCondLst>
-                              <p:cond delay="0"/>
-                            </p:stCondLst>
-                            <p:childTnLst>
-                              <p:par>
-                                <p:cTn id="5" presetID="22" presetClass="entr" presetSubtype="1" fill="hold" nodeType="clickEffect">
-                                  <p:stCondLst>
-                                    <p:cond delay="0"/>
-                                  </p:stCondLst>
-                                  <p:childTnLst>
-                                    <p:set>
-                                      <p:cBhvr>
-                                        <p:cTn id="6" dur="1" fill="hold">
-                                          <p:stCondLst>
-                                            <p:cond delay="0"/>
-                                          </p:stCondLst>
-                                        </p:cTn>
-                                        <p:tgtEl>
-                                          <p:spTgt spid="10"/>
-                                        </p:tgtEl>
-                                        <p:attrNameLst>
-                                          <p:attrName>style.visibility</p:attrName>
-                                        </p:attrNameLst>
-                                      </p:cBhvr>
-                                      <p:to>
-                                        <p:strVal val="visible"/>
-                                      </p:to>
-                                    </p:set>
-                                    <p:animEffect transition="in" filter="wipe(up)">
-                                      <p:cBhvr>
-                                        <p:cTn id="7" dur="500"/>
-                                        <p:tgtEl>
-                                          <p:spTgt spid="10"/>
-                                        </p:tgtEl>
-                                      </p:cBhvr>
-                                    </p:animEffect>
-                                  </p:childTnLst>
-                                </p:cTn>
-                              </p:par>
-                            </p:childTnLst>
-                          </p:cTn>
-                        </p:par>
-                      </p:childTnLst>
-                    </p:cTn>
-                  </p:par>
-                </p:childTnLst>
-              </p:cTn>
-              <p:prevCondLst>
-                <p:cond evt="onPrev" delay="0">
-                  <p:tgtEl>
-                    <p:sldTgt/>
-                  </p:tgtEl>
-                </p:cond>
-              </p:prevCondLst>
-              <p:nextCondLst>
-                <p:cond evt="onNext" delay="0">
-                  <p:tgtEl>
-                    <p:sldTgt/>
-                  </p:tgtEl>
-                </p:cond>
-              </p:nextCondLst>
-            </p:seq>
-          </p:childTnLst>
-        </p:cTn>
+        <p:cTn id="1" dur="indefinite" restart="never" nodeType="tmRoot"/>
       </p:par>
     </p:tnLst>
   </p:timing>
@@ -20828,13 +20652,7 @@
       </p:sp>
       <p:grpSp>
         <p:nvGrpSpPr>
-          <p:cNvPr id="9" name="组合 8">
-            <a:extLst>
-              <a:ext uri="{FF2B5EF4-FFF2-40B4-BE49-F238E27FC236}">
-                <a16:creationId xmlns:a16="http://schemas.microsoft.com/office/drawing/2014/main" id="{0C70ED1C-30EF-4B3F-8CE4-0E8BEF2BEBCF}"/>
-              </a:ext>
-            </a:extLst>
-          </p:cNvPr>
+          <p:cNvPr id="6" name="组合 5"/>
           <p:cNvGrpSpPr/>
           <p:nvPr/>
         </p:nvGrpSpPr>
@@ -20842,235 +20660,256 @@
           <a:xfrm>
             <a:off x="2206068" y="1269554"/>
             <a:ext cx="7776864" cy="4896544"/>
-            <a:chOff x="1285643" y="1772435"/>
-            <a:chExt cx="7135479" cy="3572664"/>
+            <a:chOff x="2206068" y="1269554"/>
+            <a:chExt cx="7776864" cy="4896544"/>
           </a:xfrm>
         </p:grpSpPr>
-        <p:sp>
-          <p:nvSpPr>
-            <p:cNvPr id="10" name="矩形 9">
+        <p:grpSp>
+          <p:nvGrpSpPr>
+            <p:cNvPr id="9" name="组合 8">
               <a:extLst>
                 <a:ext uri="{FF2B5EF4-FFF2-40B4-BE49-F238E27FC236}">
-                  <a16:creationId xmlns:a16="http://schemas.microsoft.com/office/drawing/2014/main" id="{8CE48814-7E1F-4B07-9E0F-7D1566C5A1BD}"/>
+                  <a16:creationId xmlns:a16="http://schemas.microsoft.com/office/drawing/2014/main" id="{0C70ED1C-30EF-4B3F-8CE4-0E8BEF2BEBCF}"/>
                 </a:ext>
               </a:extLst>
             </p:cNvPr>
+            <p:cNvGrpSpPr/>
+            <p:nvPr/>
+          </p:nvGrpSpPr>
+          <p:grpSpPr>
+            <a:xfrm>
+              <a:off x="2206068" y="1269554"/>
+              <a:ext cx="7776864" cy="4896544"/>
+              <a:chOff x="1285643" y="1772435"/>
+              <a:chExt cx="7135479" cy="3572664"/>
+            </a:xfrm>
+          </p:grpSpPr>
+          <p:sp>
+            <p:nvSpPr>
+              <p:cNvPr id="10" name="矩形 9">
+                <a:extLst>
+                  <a:ext uri="{FF2B5EF4-FFF2-40B4-BE49-F238E27FC236}">
+                    <a16:creationId xmlns:a16="http://schemas.microsoft.com/office/drawing/2014/main" id="{8CE48814-7E1F-4B07-9E0F-7D1566C5A1BD}"/>
+                  </a:ext>
+                </a:extLst>
+              </p:cNvPr>
+              <p:cNvSpPr/>
+              <p:nvPr/>
+            </p:nvSpPr>
+            <p:spPr>
+              <a:xfrm>
+                <a:off x="1285644" y="2104682"/>
+                <a:ext cx="7135478" cy="3240417"/>
+              </a:xfrm>
+              <a:prstGeom prst="rect">
+                <a:avLst/>
+              </a:prstGeom>
+              <a:noFill/>
+              <a:ln w="12700">
+                <a:solidFill>
+                  <a:srgbClr val="346182"/>
+                </a:solidFill>
+              </a:ln>
+            </p:spPr>
+            <p:style>
+              <a:lnRef idx="2">
+                <a:schemeClr val="accent1">
+                  <a:shade val="50000"/>
+                </a:schemeClr>
+              </a:lnRef>
+              <a:fillRef idx="1">
+                <a:schemeClr val="accent1"/>
+              </a:fillRef>
+              <a:effectRef idx="0">
+                <a:schemeClr val="accent1"/>
+              </a:effectRef>
+              <a:fontRef idx="minor">
+                <a:schemeClr val="lt1"/>
+              </a:fontRef>
+            </p:style>
+            <p:txBody>
+              <a:bodyPr rtlCol="0" anchor="ctr"/>
+              <a:lstStyle/>
+              <a:p>
+                <a:pPr algn="ctr"/>
+                <a:endParaRPr lang="zh-CN" altLang="en-US" sz="1350"/>
+              </a:p>
+            </p:txBody>
+          </p:sp>
+          <p:sp>
+            <p:nvSpPr>
+              <p:cNvPr id="11" name="矩形 10">
+                <a:extLst>
+                  <a:ext uri="{FF2B5EF4-FFF2-40B4-BE49-F238E27FC236}">
+                    <a16:creationId xmlns:a16="http://schemas.microsoft.com/office/drawing/2014/main" id="{AFE3F854-F55C-4CF5-87BD-02A44DF29B5C}"/>
+                  </a:ext>
+                </a:extLst>
+              </p:cNvPr>
+              <p:cNvSpPr/>
+              <p:nvPr/>
+            </p:nvSpPr>
+            <p:spPr>
+              <a:xfrm>
+                <a:off x="1285643" y="1772435"/>
+                <a:ext cx="3525067" cy="338554"/>
+              </a:xfrm>
+              <a:prstGeom prst="rect">
+                <a:avLst/>
+              </a:prstGeom>
+              <a:solidFill>
+                <a:srgbClr val="183A5D"/>
+              </a:solidFill>
+              <a:ln>
+                <a:noFill/>
+              </a:ln>
+            </p:spPr>
+            <p:style>
+              <a:lnRef idx="2">
+                <a:schemeClr val="accent1">
+                  <a:shade val="50000"/>
+                </a:schemeClr>
+              </a:lnRef>
+              <a:fillRef idx="1">
+                <a:schemeClr val="accent1"/>
+              </a:fillRef>
+              <a:effectRef idx="0">
+                <a:schemeClr val="accent1"/>
+              </a:effectRef>
+              <a:fontRef idx="minor">
+                <a:schemeClr val="lt1"/>
+              </a:fontRef>
+            </p:style>
+            <p:txBody>
+              <a:bodyPr rtlCol="0" anchor="ctr"/>
+              <a:lstStyle/>
+              <a:p>
+                <a:pPr algn="ctr"/>
+                <a:endParaRPr lang="zh-CN" altLang="en-US" sz="1350"/>
+              </a:p>
+            </p:txBody>
+          </p:sp>
+        </p:grpSp>
+        <p:sp>
+          <p:nvSpPr>
+            <p:cNvPr id="12" name="矩形 11"/>
             <p:cNvSpPr/>
             <p:nvPr/>
           </p:nvSpPr>
           <p:spPr>
             <a:xfrm>
-              <a:off x="1285644" y="2104682"/>
-              <a:ext cx="7135478" cy="3240417"/>
+              <a:off x="2422798" y="1989634"/>
+              <a:ext cx="7344816" cy="1698927"/>
             </a:xfrm>
             <a:prstGeom prst="rect">
               <a:avLst/>
             </a:prstGeom>
-            <a:noFill/>
-            <a:ln w="12700">
-              <a:solidFill>
-                <a:srgbClr val="346182"/>
-              </a:solidFill>
-            </a:ln>
           </p:spPr>
-          <p:style>
-            <a:lnRef idx="2">
-              <a:schemeClr val="accent1">
-                <a:shade val="50000"/>
-              </a:schemeClr>
-            </a:lnRef>
-            <a:fillRef idx="1">
-              <a:schemeClr val="accent1"/>
-            </a:fillRef>
-            <a:effectRef idx="0">
-              <a:schemeClr val="accent1"/>
-            </a:effectRef>
-            <a:fontRef idx="minor">
-              <a:schemeClr val="lt1"/>
-            </a:fontRef>
-          </p:style>
           <p:txBody>
-            <a:bodyPr rtlCol="0" anchor="ctr"/>
+            <a:bodyPr wrap="square">
+              <a:spAutoFit/>
+            </a:bodyPr>
             <a:lstStyle/>
             <a:p>
-              <a:pPr algn="ctr"/>
-              <a:endParaRPr lang="zh-CN" altLang="en-US" sz="1350"/>
+              <a:pPr marL="342900" indent="-342900">
+                <a:lnSpc>
+                  <a:spcPct val="120000"/>
+                </a:lnSpc>
+                <a:buFont typeface="Wingdings" panose="05000000000000000000" pitchFamily="2" charset="2"/>
+                <a:buChar char="l"/>
+              </a:pPr>
+              <a:r>
+                <a:rPr lang="zh-CN" altLang="en-US" sz="2400" dirty="0" smtClean="0"/>
+                <a:t>依赖关系</a:t>
+              </a:r>
+              <a:endParaRPr lang="en-US" altLang="zh-CN" sz="2400" dirty="0" smtClean="0"/>
+            </a:p>
+            <a:p>
+              <a:pPr>
+                <a:lnSpc>
+                  <a:spcPct val="120000"/>
+                </a:lnSpc>
+              </a:pPr>
+              <a:r>
+                <a:rPr lang="zh-CN" altLang="en-US" dirty="0"/>
+                <a:t>可以理解为类</a:t>
+              </a:r>
+              <a:r>
+                <a:rPr lang="en-US" altLang="zh-CN" dirty="0"/>
+                <a:t>A</a:t>
+              </a:r>
+              <a:r>
+                <a:rPr lang="zh-CN" altLang="en-US" dirty="0"/>
+                <a:t>里面用到了类</a:t>
+              </a:r>
+              <a:r>
+                <a:rPr lang="en-US" altLang="zh-CN" dirty="0"/>
+                <a:t>B</a:t>
+              </a:r>
+              <a:r>
+                <a:rPr lang="zh-CN" altLang="en-US" dirty="0"/>
+                <a:t>，所以类</a:t>
+              </a:r>
+              <a:r>
+                <a:rPr lang="en-US" altLang="zh-CN" dirty="0"/>
+                <a:t>A</a:t>
+              </a:r>
+              <a:r>
+                <a:rPr lang="zh-CN" altLang="en-US" dirty="0"/>
+                <a:t>依赖于类</a:t>
+              </a:r>
+              <a:r>
+                <a:rPr lang="en-US" altLang="zh-CN" dirty="0"/>
+                <a:t>B</a:t>
+              </a:r>
+              <a:r>
+                <a:rPr lang="zh-CN" altLang="en-US" dirty="0"/>
+                <a:t>，这种关系是临时性的，很弱的一种关系。在代码上的表现为类</a:t>
+              </a:r>
+              <a:r>
+                <a:rPr lang="en-US" altLang="zh-CN" dirty="0"/>
+                <a:t>B</a:t>
+              </a:r>
+              <a:r>
+                <a:rPr lang="zh-CN" altLang="en-US" dirty="0"/>
+                <a:t>作为参数在类</a:t>
+              </a:r>
+              <a:r>
+                <a:rPr lang="en-US" altLang="zh-CN" dirty="0"/>
+                <a:t>A</a:t>
+              </a:r>
+              <a:r>
+                <a:rPr lang="zh-CN" altLang="en-US" dirty="0"/>
+                <a:t>当中使用。</a:t>
+              </a:r>
+              <a:endParaRPr lang="en-US" altLang="zh-CN" sz="2400" dirty="0" smtClean="0"/>
             </a:p>
           </p:txBody>
         </p:sp>
-        <p:sp>
-          <p:nvSpPr>
-            <p:cNvPr id="11" name="矩形 10">
-              <a:extLst>
-                <a:ext uri="{FF2B5EF4-FFF2-40B4-BE49-F238E27FC236}">
-                  <a16:creationId xmlns:a16="http://schemas.microsoft.com/office/drawing/2014/main" id="{AFE3F854-F55C-4CF5-87BD-02A44DF29B5C}"/>
-                </a:ext>
-              </a:extLst>
-            </p:cNvPr>
-            <p:cNvSpPr/>
+        <p:pic>
+          <p:nvPicPr>
+            <p:cNvPr id="5" name="图片 4"/>
+            <p:cNvPicPr>
+              <a:picLocks noChangeAspect="1"/>
+            </p:cNvPicPr>
             <p:nvPr/>
-          </p:nvSpPr>
+          </p:nvPicPr>
+          <p:blipFill>
+            <a:blip r:embed="rId2"/>
+            <a:stretch>
+              <a:fillRect/>
+            </a:stretch>
+          </p:blipFill>
           <p:spPr>
             <a:xfrm>
-              <a:off x="1285643" y="1772435"/>
-              <a:ext cx="3525067" cy="338554"/>
+              <a:off x="2214656" y="3592549"/>
+              <a:ext cx="3772033" cy="2541545"/>
             </a:xfrm>
             <a:prstGeom prst="rect">
               <a:avLst/>
             </a:prstGeom>
-            <a:solidFill>
-              <a:srgbClr val="183A5D"/>
-            </a:solidFill>
-            <a:ln>
-              <a:noFill/>
-            </a:ln>
           </p:spPr>
-          <p:style>
-            <a:lnRef idx="2">
-              <a:schemeClr val="accent1">
-                <a:shade val="50000"/>
-              </a:schemeClr>
-            </a:lnRef>
-            <a:fillRef idx="1">
-              <a:schemeClr val="accent1"/>
-            </a:fillRef>
-            <a:effectRef idx="0">
-              <a:schemeClr val="accent1"/>
-            </a:effectRef>
-            <a:fontRef idx="minor">
-              <a:schemeClr val="lt1"/>
-            </a:fontRef>
-          </p:style>
-          <p:txBody>
-            <a:bodyPr rtlCol="0" anchor="ctr"/>
-            <a:lstStyle/>
-            <a:p>
-              <a:pPr algn="ctr"/>
-              <a:endParaRPr lang="zh-CN" altLang="en-US" sz="1350"/>
-            </a:p>
-          </p:txBody>
-        </p:sp>
+        </p:pic>
       </p:grpSp>
-      <p:sp>
-        <p:nvSpPr>
-          <p:cNvPr id="12" name="矩形 11"/>
-          <p:cNvSpPr/>
-          <p:nvPr/>
-        </p:nvSpPr>
-        <p:spPr>
-          <a:xfrm>
-            <a:off x="2422798" y="1989634"/>
-            <a:ext cx="7344816" cy="1698927"/>
-          </a:xfrm>
-          <a:prstGeom prst="rect">
-            <a:avLst/>
-          </a:prstGeom>
-        </p:spPr>
-        <p:txBody>
-          <a:bodyPr wrap="square">
-            <a:spAutoFit/>
-          </a:bodyPr>
-          <a:lstStyle/>
-          <a:p>
-            <a:pPr marL="342900" indent="-342900">
-              <a:lnSpc>
-                <a:spcPct val="120000"/>
-              </a:lnSpc>
-              <a:buFont typeface="Wingdings" panose="05000000000000000000" pitchFamily="2" charset="2"/>
-              <a:buChar char="l"/>
-            </a:pPr>
-            <a:r>
-              <a:rPr lang="zh-CN" altLang="en-US" sz="2400" dirty="0" smtClean="0"/>
-              <a:t>依赖关系</a:t>
-            </a:r>
-            <a:endParaRPr lang="en-US" altLang="zh-CN" sz="2400" dirty="0" smtClean="0"/>
-          </a:p>
-          <a:p>
-            <a:pPr>
-              <a:lnSpc>
-                <a:spcPct val="120000"/>
-              </a:lnSpc>
-            </a:pPr>
-            <a:r>
-              <a:rPr lang="zh-CN" altLang="en-US" dirty="0"/>
-              <a:t>可以理解为类</a:t>
-            </a:r>
-            <a:r>
-              <a:rPr lang="en-US" altLang="zh-CN" dirty="0"/>
-              <a:t>A</a:t>
-            </a:r>
-            <a:r>
-              <a:rPr lang="zh-CN" altLang="en-US" dirty="0"/>
-              <a:t>里面用到了类</a:t>
-            </a:r>
-            <a:r>
-              <a:rPr lang="en-US" altLang="zh-CN" dirty="0"/>
-              <a:t>B</a:t>
-            </a:r>
-            <a:r>
-              <a:rPr lang="zh-CN" altLang="en-US" dirty="0"/>
-              <a:t>，所以类</a:t>
-            </a:r>
-            <a:r>
-              <a:rPr lang="en-US" altLang="zh-CN" dirty="0"/>
-              <a:t>A</a:t>
-            </a:r>
-            <a:r>
-              <a:rPr lang="zh-CN" altLang="en-US" dirty="0"/>
-              <a:t>依赖于类</a:t>
-            </a:r>
-            <a:r>
-              <a:rPr lang="en-US" altLang="zh-CN" dirty="0"/>
-              <a:t>B</a:t>
-            </a:r>
-            <a:r>
-              <a:rPr lang="zh-CN" altLang="en-US" dirty="0"/>
-              <a:t>，这种关系是临时性的，很弱的一种关系。在代码上的表现为类</a:t>
-            </a:r>
-            <a:r>
-              <a:rPr lang="en-US" altLang="zh-CN" dirty="0"/>
-              <a:t>B</a:t>
-            </a:r>
-            <a:r>
-              <a:rPr lang="zh-CN" altLang="en-US" dirty="0"/>
-              <a:t>作为参数在类</a:t>
-            </a:r>
-            <a:r>
-              <a:rPr lang="en-US" altLang="zh-CN" dirty="0"/>
-              <a:t>A</a:t>
-            </a:r>
-            <a:r>
-              <a:rPr lang="zh-CN" altLang="en-US" dirty="0"/>
-              <a:t>当中使用。</a:t>
-            </a:r>
-            <a:endParaRPr lang="en-US" altLang="zh-CN" sz="2400" dirty="0" smtClean="0"/>
-          </a:p>
-        </p:txBody>
-      </p:sp>
-      <p:pic>
-        <p:nvPicPr>
-          <p:cNvPr id="5" name="图片 4"/>
-          <p:cNvPicPr>
-            <a:picLocks noChangeAspect="1"/>
-          </p:cNvPicPr>
-          <p:nvPr/>
-        </p:nvPicPr>
-        <p:blipFill>
-          <a:blip r:embed="rId2"/>
-          <a:stretch>
-            <a:fillRect/>
-          </a:stretch>
-        </p:blipFill>
-        <p:spPr>
-          <a:xfrm>
-            <a:off x="2214656" y="3592549"/>
-            <a:ext cx="3772033" cy="2541545"/>
-          </a:xfrm>
-          <a:prstGeom prst="rect">
-            <a:avLst/>
-          </a:prstGeom>
-        </p:spPr>
-      </p:pic>
     </p:spTree>
     <p:extLst>
       <p:ext uri="{BB962C8B-B14F-4D97-AF65-F5344CB8AC3E}">
@@ -21087,83 +20926,7 @@
   <p:timing>
     <p:tnLst>
       <p:par>
-        <p:cTn id="1" dur="indefinite" restart="never" nodeType="tmRoot">
-          <p:childTnLst>
-            <p:seq concurrent="1" nextAc="seek">
-              <p:cTn id="2" dur="indefinite" nodeType="mainSeq">
-                <p:childTnLst>
-                  <p:par>
-                    <p:cTn id="3" fill="hold">
-                      <p:stCondLst>
-                        <p:cond delay="indefinite"/>
-                      </p:stCondLst>
-                      <p:childTnLst>
-                        <p:par>
-                          <p:cTn id="4" fill="hold">
-                            <p:stCondLst>
-                              <p:cond delay="0"/>
-                            </p:stCondLst>
-                            <p:childTnLst>
-                              <p:par>
-                                <p:cTn id="5" presetID="22" presetClass="entr" presetSubtype="1" fill="hold" nodeType="clickEffect">
-                                  <p:stCondLst>
-                                    <p:cond delay="0"/>
-                                  </p:stCondLst>
-                                  <p:childTnLst>
-                                    <p:set>
-                                      <p:cBhvr>
-                                        <p:cTn id="6" dur="1" fill="hold">
-                                          <p:stCondLst>
-                                            <p:cond delay="0"/>
-                                          </p:stCondLst>
-                                        </p:cTn>
-                                        <p:tgtEl>
-                                          <p:spTgt spid="9"/>
-                                        </p:tgtEl>
-                                        <p:attrNameLst>
-                                          <p:attrName>style.visibility</p:attrName>
-                                        </p:attrNameLst>
-                                      </p:cBhvr>
-                                      <p:to>
-                                        <p:strVal val="visible"/>
-                                      </p:to>
-                                    </p:set>
-                                    <p:animEffect transition="in" filter="wipe(up)">
-                                      <p:cBhvr>
-                                        <p:cTn id="7" dur="500"/>
-                                        <p:tgtEl>
-                                          <p:spTgt spid="9"/>
-                                        </p:tgtEl>
-                                      </p:cBhvr>
-                                    </p:animEffect>
-                                  </p:childTnLst>
-                                </p:cTn>
-                              </p:par>
-                            </p:childTnLst>
-                          </p:cTn>
-                        </p:par>
-                      </p:childTnLst>
-                    </p:cTn>
-                  </p:par>
-                </p:childTnLst>
-              </p:cTn>
-              <p:prevCondLst>
-                <p:cond evt="onPrev" delay="0">
-                  <p:tgtEl>
-                    <p:sldTgt/>
-                  </p:tgtEl>
-                </p:cond>
-              </p:prevCondLst>
-              <p:nextCondLst>
-                <p:cond evt="onNext" delay="0">
-                  <p:tgtEl>
-                    <p:sldTgt/>
-                  </p:tgtEl>
-                </p:cond>
-              </p:nextCondLst>
-            </p:seq>
-          </p:childTnLst>
-        </p:cTn>
+        <p:cTn id="1" dur="indefinite" restart="never" nodeType="tmRoot"/>
       </p:par>
     </p:tnLst>
   </p:timing>
@@ -21326,13 +21089,7 @@
       </p:sp>
       <p:grpSp>
         <p:nvGrpSpPr>
-          <p:cNvPr id="9" name="组合 8">
-            <a:extLst>
-              <a:ext uri="{FF2B5EF4-FFF2-40B4-BE49-F238E27FC236}">
-                <a16:creationId xmlns:a16="http://schemas.microsoft.com/office/drawing/2014/main" id="{0C70ED1C-30EF-4B3F-8CE4-0E8BEF2BEBCF}"/>
-              </a:ext>
-            </a:extLst>
-          </p:cNvPr>
+          <p:cNvPr id="5" name="组合 4"/>
           <p:cNvGrpSpPr/>
           <p:nvPr/>
         </p:nvGrpSpPr>
@@ -21340,227 +21097,248 @@
           <a:xfrm>
             <a:off x="2206068" y="1269554"/>
             <a:ext cx="7776864" cy="4896544"/>
-            <a:chOff x="1285643" y="1772435"/>
-            <a:chExt cx="7135479" cy="3572664"/>
+            <a:chOff x="2206068" y="1269554"/>
+            <a:chExt cx="7776864" cy="4896544"/>
           </a:xfrm>
         </p:grpSpPr>
-        <p:sp>
-          <p:nvSpPr>
-            <p:cNvPr id="10" name="矩形 9">
+        <p:grpSp>
+          <p:nvGrpSpPr>
+            <p:cNvPr id="9" name="组合 8">
               <a:extLst>
                 <a:ext uri="{FF2B5EF4-FFF2-40B4-BE49-F238E27FC236}">
-                  <a16:creationId xmlns:a16="http://schemas.microsoft.com/office/drawing/2014/main" id="{8CE48814-7E1F-4B07-9E0F-7D1566C5A1BD}"/>
+                  <a16:creationId xmlns:a16="http://schemas.microsoft.com/office/drawing/2014/main" id="{0C70ED1C-30EF-4B3F-8CE4-0E8BEF2BEBCF}"/>
                 </a:ext>
               </a:extLst>
             </p:cNvPr>
+            <p:cNvGrpSpPr/>
+            <p:nvPr/>
+          </p:nvGrpSpPr>
+          <p:grpSpPr>
+            <a:xfrm>
+              <a:off x="2206068" y="1269554"/>
+              <a:ext cx="7776864" cy="4896544"/>
+              <a:chOff x="1285643" y="1772435"/>
+              <a:chExt cx="7135479" cy="3572664"/>
+            </a:xfrm>
+          </p:grpSpPr>
+          <p:sp>
+            <p:nvSpPr>
+              <p:cNvPr id="10" name="矩形 9">
+                <a:extLst>
+                  <a:ext uri="{FF2B5EF4-FFF2-40B4-BE49-F238E27FC236}">
+                    <a16:creationId xmlns:a16="http://schemas.microsoft.com/office/drawing/2014/main" id="{8CE48814-7E1F-4B07-9E0F-7D1566C5A1BD}"/>
+                  </a:ext>
+                </a:extLst>
+              </p:cNvPr>
+              <p:cNvSpPr/>
+              <p:nvPr/>
+            </p:nvSpPr>
+            <p:spPr>
+              <a:xfrm>
+                <a:off x="1285644" y="2104682"/>
+                <a:ext cx="7135478" cy="3240417"/>
+              </a:xfrm>
+              <a:prstGeom prst="rect">
+                <a:avLst/>
+              </a:prstGeom>
+              <a:noFill/>
+              <a:ln w="12700">
+                <a:solidFill>
+                  <a:srgbClr val="346182"/>
+                </a:solidFill>
+              </a:ln>
+            </p:spPr>
+            <p:style>
+              <a:lnRef idx="2">
+                <a:schemeClr val="accent1">
+                  <a:shade val="50000"/>
+                </a:schemeClr>
+              </a:lnRef>
+              <a:fillRef idx="1">
+                <a:schemeClr val="accent1"/>
+              </a:fillRef>
+              <a:effectRef idx="0">
+                <a:schemeClr val="accent1"/>
+              </a:effectRef>
+              <a:fontRef idx="minor">
+                <a:schemeClr val="lt1"/>
+              </a:fontRef>
+            </p:style>
+            <p:txBody>
+              <a:bodyPr rtlCol="0" anchor="ctr"/>
+              <a:lstStyle/>
+              <a:p>
+                <a:pPr algn="ctr"/>
+                <a:endParaRPr lang="zh-CN" altLang="en-US" sz="1350"/>
+              </a:p>
+            </p:txBody>
+          </p:sp>
+          <p:sp>
+            <p:nvSpPr>
+              <p:cNvPr id="11" name="矩形 10">
+                <a:extLst>
+                  <a:ext uri="{FF2B5EF4-FFF2-40B4-BE49-F238E27FC236}">
+                    <a16:creationId xmlns:a16="http://schemas.microsoft.com/office/drawing/2014/main" id="{AFE3F854-F55C-4CF5-87BD-02A44DF29B5C}"/>
+                  </a:ext>
+                </a:extLst>
+              </p:cNvPr>
+              <p:cNvSpPr/>
+              <p:nvPr/>
+            </p:nvSpPr>
+            <p:spPr>
+              <a:xfrm>
+                <a:off x="1285643" y="1772435"/>
+                <a:ext cx="3525067" cy="338554"/>
+              </a:xfrm>
+              <a:prstGeom prst="rect">
+                <a:avLst/>
+              </a:prstGeom>
+              <a:solidFill>
+                <a:srgbClr val="183A5D"/>
+              </a:solidFill>
+              <a:ln>
+                <a:noFill/>
+              </a:ln>
+            </p:spPr>
+            <p:style>
+              <a:lnRef idx="2">
+                <a:schemeClr val="accent1">
+                  <a:shade val="50000"/>
+                </a:schemeClr>
+              </a:lnRef>
+              <a:fillRef idx="1">
+                <a:schemeClr val="accent1"/>
+              </a:fillRef>
+              <a:effectRef idx="0">
+                <a:schemeClr val="accent1"/>
+              </a:effectRef>
+              <a:fontRef idx="minor">
+                <a:schemeClr val="lt1"/>
+              </a:fontRef>
+            </p:style>
+            <p:txBody>
+              <a:bodyPr rtlCol="0" anchor="ctr"/>
+              <a:lstStyle/>
+              <a:p>
+                <a:pPr algn="ctr"/>
+                <a:endParaRPr lang="zh-CN" altLang="en-US" sz="1350"/>
+              </a:p>
+            </p:txBody>
+          </p:sp>
+        </p:grpSp>
+        <p:sp>
+          <p:nvSpPr>
+            <p:cNvPr id="12" name="矩形 11"/>
             <p:cNvSpPr/>
             <p:nvPr/>
           </p:nvSpPr>
           <p:spPr>
             <a:xfrm>
-              <a:off x="1285644" y="2104682"/>
-              <a:ext cx="7135478" cy="3240417"/>
+              <a:off x="2422798" y="1989634"/>
+              <a:ext cx="7344816" cy="1311128"/>
             </a:xfrm>
             <a:prstGeom prst="rect">
               <a:avLst/>
             </a:prstGeom>
-            <a:noFill/>
-            <a:ln w="12700">
-              <a:solidFill>
-                <a:srgbClr val="346182"/>
-              </a:solidFill>
-            </a:ln>
           </p:spPr>
-          <p:style>
-            <a:lnRef idx="2">
-              <a:schemeClr val="accent1">
-                <a:shade val="50000"/>
-              </a:schemeClr>
-            </a:lnRef>
-            <a:fillRef idx="1">
-              <a:schemeClr val="accent1"/>
-            </a:fillRef>
-            <a:effectRef idx="0">
-              <a:schemeClr val="accent1"/>
-            </a:effectRef>
-            <a:fontRef idx="minor">
-              <a:schemeClr val="lt1"/>
-            </a:fontRef>
-          </p:style>
           <p:txBody>
-            <a:bodyPr rtlCol="0" anchor="ctr"/>
+            <a:bodyPr wrap="square">
+              <a:spAutoFit/>
+            </a:bodyPr>
             <a:lstStyle/>
             <a:p>
-              <a:pPr algn="ctr"/>
-              <a:endParaRPr lang="zh-CN" altLang="en-US" sz="1350"/>
+              <a:pPr marL="342900" indent="-342900">
+                <a:lnSpc>
+                  <a:spcPct val="120000"/>
+                </a:lnSpc>
+                <a:buFont typeface="Wingdings" panose="05000000000000000000" pitchFamily="2" charset="2"/>
+                <a:buChar char="l"/>
+              </a:pPr>
+              <a:r>
+                <a:rPr lang="zh-CN" altLang="en-US" sz="2400" dirty="0" smtClean="0"/>
+                <a:t>关联关系</a:t>
+              </a:r>
+              <a:endParaRPr lang="en-US" altLang="zh-CN" sz="2400" dirty="0" smtClean="0"/>
+            </a:p>
+            <a:p>
+              <a:pPr>
+                <a:lnSpc>
+                  <a:spcPct val="120000"/>
+                </a:lnSpc>
+              </a:pPr>
+              <a:r>
+                <a:rPr lang="zh-CN" altLang="en-US" dirty="0"/>
+                <a:t>比依赖的关系要强，属于长期性的，双方的关系是平等的。在代码上的表现是类</a:t>
+              </a:r>
+              <a:r>
+                <a:rPr lang="en-US" altLang="zh-CN" dirty="0"/>
+                <a:t>B</a:t>
+              </a:r>
+              <a:r>
+                <a:rPr lang="zh-CN" altLang="en-US" dirty="0"/>
+                <a:t>作为类</a:t>
+              </a:r>
+              <a:r>
+                <a:rPr lang="en-US" altLang="zh-CN" dirty="0"/>
+                <a:t>A</a:t>
+              </a:r>
+              <a:r>
+                <a:rPr lang="zh-CN" altLang="en-US" dirty="0"/>
+                <a:t>的属性出现。 </a:t>
+              </a:r>
+              <a:endParaRPr lang="en-US" altLang="zh-CN" sz="2400" dirty="0" smtClean="0"/>
             </a:p>
           </p:txBody>
         </p:sp>
-        <p:sp>
-          <p:nvSpPr>
-            <p:cNvPr id="11" name="矩形 10">
-              <a:extLst>
-                <a:ext uri="{FF2B5EF4-FFF2-40B4-BE49-F238E27FC236}">
-                  <a16:creationId xmlns:a16="http://schemas.microsoft.com/office/drawing/2014/main" id="{AFE3F854-F55C-4CF5-87BD-02A44DF29B5C}"/>
-                </a:ext>
-              </a:extLst>
-            </p:cNvPr>
-            <p:cNvSpPr/>
+        <p:pic>
+          <p:nvPicPr>
+            <p:cNvPr id="6" name="图片 5"/>
+            <p:cNvPicPr>
+              <a:picLocks noChangeAspect="1"/>
+            </p:cNvPicPr>
             <p:nvPr/>
-          </p:nvSpPr>
+          </p:nvPicPr>
+          <p:blipFill>
+            <a:blip r:embed="rId2"/>
+            <a:stretch>
+              <a:fillRect/>
+            </a:stretch>
+          </p:blipFill>
           <p:spPr>
             <a:xfrm>
-              <a:off x="1285643" y="1772435"/>
-              <a:ext cx="3525067" cy="338554"/>
+              <a:off x="2218449" y="3728865"/>
+              <a:ext cx="4319786" cy="2437233"/>
             </a:xfrm>
             <a:prstGeom prst="rect">
               <a:avLst/>
             </a:prstGeom>
-            <a:solidFill>
-              <a:srgbClr val="183A5D"/>
-            </a:solidFill>
-            <a:ln>
-              <a:noFill/>
-            </a:ln>
           </p:spPr>
-          <p:style>
-            <a:lnRef idx="2">
-              <a:schemeClr val="accent1">
-                <a:shade val="50000"/>
-              </a:schemeClr>
-            </a:lnRef>
-            <a:fillRef idx="1">
-              <a:schemeClr val="accent1"/>
-            </a:fillRef>
-            <a:effectRef idx="0">
-              <a:schemeClr val="accent1"/>
-            </a:effectRef>
-            <a:fontRef idx="minor">
-              <a:schemeClr val="lt1"/>
-            </a:fontRef>
-          </p:style>
-          <p:txBody>
-            <a:bodyPr rtlCol="0" anchor="ctr"/>
-            <a:lstStyle/>
-            <a:p>
-              <a:pPr algn="ctr"/>
-              <a:endParaRPr lang="zh-CN" altLang="en-US" sz="1350"/>
-            </a:p>
-          </p:txBody>
-        </p:sp>
+        </p:pic>
+        <p:pic>
+          <p:nvPicPr>
+            <p:cNvPr id="7" name="图片 6"/>
+            <p:cNvPicPr>
+              <a:picLocks noChangeAspect="1"/>
+            </p:cNvPicPr>
+            <p:nvPr/>
+          </p:nvPicPr>
+          <p:blipFill>
+            <a:blip r:embed="rId3"/>
+            <a:stretch>
+              <a:fillRect/>
+            </a:stretch>
+          </p:blipFill>
+          <p:spPr>
+            <a:xfrm>
+              <a:off x="6538235" y="3728865"/>
+              <a:ext cx="3295793" cy="1700419"/>
+            </a:xfrm>
+            <a:prstGeom prst="rect">
+              <a:avLst/>
+            </a:prstGeom>
+          </p:spPr>
+        </p:pic>
       </p:grpSp>
-      <p:sp>
-        <p:nvSpPr>
-          <p:cNvPr id="12" name="矩形 11"/>
-          <p:cNvSpPr/>
-          <p:nvPr/>
-        </p:nvSpPr>
-        <p:spPr>
-          <a:xfrm>
-            <a:off x="2422798" y="1989634"/>
-            <a:ext cx="7344816" cy="1311128"/>
-          </a:xfrm>
-          <a:prstGeom prst="rect">
-            <a:avLst/>
-          </a:prstGeom>
-        </p:spPr>
-        <p:txBody>
-          <a:bodyPr wrap="square">
-            <a:spAutoFit/>
-          </a:bodyPr>
-          <a:lstStyle/>
-          <a:p>
-            <a:pPr marL="342900" indent="-342900">
-              <a:lnSpc>
-                <a:spcPct val="120000"/>
-              </a:lnSpc>
-              <a:buFont typeface="Wingdings" panose="05000000000000000000" pitchFamily="2" charset="2"/>
-              <a:buChar char="l"/>
-            </a:pPr>
-            <a:r>
-              <a:rPr lang="zh-CN" altLang="en-US" sz="2400" dirty="0" smtClean="0"/>
-              <a:t>关联关系</a:t>
-            </a:r>
-            <a:endParaRPr lang="en-US" altLang="zh-CN" sz="2400" dirty="0" smtClean="0"/>
-          </a:p>
-          <a:p>
-            <a:pPr>
-              <a:lnSpc>
-                <a:spcPct val="120000"/>
-              </a:lnSpc>
-            </a:pPr>
-            <a:r>
-              <a:rPr lang="zh-CN" altLang="en-US" dirty="0"/>
-              <a:t>比依赖的关系要强，属于长期性的，双方的关系是平等的。在代码上的表现是类</a:t>
-            </a:r>
-            <a:r>
-              <a:rPr lang="en-US" altLang="zh-CN" dirty="0"/>
-              <a:t>B</a:t>
-            </a:r>
-            <a:r>
-              <a:rPr lang="zh-CN" altLang="en-US" dirty="0"/>
-              <a:t>作为类</a:t>
-            </a:r>
-            <a:r>
-              <a:rPr lang="en-US" altLang="zh-CN" dirty="0"/>
-              <a:t>A</a:t>
-            </a:r>
-            <a:r>
-              <a:rPr lang="zh-CN" altLang="en-US" dirty="0"/>
-              <a:t>的属性出现。 </a:t>
-            </a:r>
-            <a:endParaRPr lang="en-US" altLang="zh-CN" sz="2400" dirty="0" smtClean="0"/>
-          </a:p>
-        </p:txBody>
-      </p:sp>
-      <p:pic>
-        <p:nvPicPr>
-          <p:cNvPr id="6" name="图片 5"/>
-          <p:cNvPicPr>
-            <a:picLocks noChangeAspect="1"/>
-          </p:cNvPicPr>
-          <p:nvPr/>
-        </p:nvPicPr>
-        <p:blipFill>
-          <a:blip r:embed="rId2"/>
-          <a:stretch>
-            <a:fillRect/>
-          </a:stretch>
-        </p:blipFill>
-        <p:spPr>
-          <a:xfrm>
-            <a:off x="2218449" y="3728865"/>
-            <a:ext cx="4319786" cy="2437233"/>
-          </a:xfrm>
-          <a:prstGeom prst="rect">
-            <a:avLst/>
-          </a:prstGeom>
-        </p:spPr>
-      </p:pic>
-      <p:pic>
-        <p:nvPicPr>
-          <p:cNvPr id="7" name="图片 6"/>
-          <p:cNvPicPr>
-            <a:picLocks noChangeAspect="1"/>
-          </p:cNvPicPr>
-          <p:nvPr/>
-        </p:nvPicPr>
-        <p:blipFill>
-          <a:blip r:embed="rId3"/>
-          <a:stretch>
-            <a:fillRect/>
-          </a:stretch>
-        </p:blipFill>
-        <p:spPr>
-          <a:xfrm>
-            <a:off x="6538235" y="3728865"/>
-            <a:ext cx="3295793" cy="1700419"/>
-          </a:xfrm>
-          <a:prstGeom prst="rect">
-            <a:avLst/>
-          </a:prstGeom>
-        </p:spPr>
-      </p:pic>
     </p:spTree>
     <p:extLst>
       <p:ext uri="{BB962C8B-B14F-4D97-AF65-F5344CB8AC3E}">
@@ -21577,83 +21355,7 @@
   <p:timing>
     <p:tnLst>
       <p:par>
-        <p:cTn id="1" dur="indefinite" restart="never" nodeType="tmRoot">
-          <p:childTnLst>
-            <p:seq concurrent="1" nextAc="seek">
-              <p:cTn id="2" dur="indefinite" nodeType="mainSeq">
-                <p:childTnLst>
-                  <p:par>
-                    <p:cTn id="3" fill="hold">
-                      <p:stCondLst>
-                        <p:cond delay="indefinite"/>
-                      </p:stCondLst>
-                      <p:childTnLst>
-                        <p:par>
-                          <p:cTn id="4" fill="hold">
-                            <p:stCondLst>
-                              <p:cond delay="0"/>
-                            </p:stCondLst>
-                            <p:childTnLst>
-                              <p:par>
-                                <p:cTn id="5" presetID="22" presetClass="entr" presetSubtype="1" fill="hold" nodeType="clickEffect">
-                                  <p:stCondLst>
-                                    <p:cond delay="0"/>
-                                  </p:stCondLst>
-                                  <p:childTnLst>
-                                    <p:set>
-                                      <p:cBhvr>
-                                        <p:cTn id="6" dur="1" fill="hold">
-                                          <p:stCondLst>
-                                            <p:cond delay="0"/>
-                                          </p:stCondLst>
-                                        </p:cTn>
-                                        <p:tgtEl>
-                                          <p:spTgt spid="9"/>
-                                        </p:tgtEl>
-                                        <p:attrNameLst>
-                                          <p:attrName>style.visibility</p:attrName>
-                                        </p:attrNameLst>
-                                      </p:cBhvr>
-                                      <p:to>
-                                        <p:strVal val="visible"/>
-                                      </p:to>
-                                    </p:set>
-                                    <p:animEffect transition="in" filter="wipe(up)">
-                                      <p:cBhvr>
-                                        <p:cTn id="7" dur="500"/>
-                                        <p:tgtEl>
-                                          <p:spTgt spid="9"/>
-                                        </p:tgtEl>
-                                      </p:cBhvr>
-                                    </p:animEffect>
-                                  </p:childTnLst>
-                                </p:cTn>
-                              </p:par>
-                            </p:childTnLst>
-                          </p:cTn>
-                        </p:par>
-                      </p:childTnLst>
-                    </p:cTn>
-                  </p:par>
-                </p:childTnLst>
-              </p:cTn>
-              <p:prevCondLst>
-                <p:cond evt="onPrev" delay="0">
-                  <p:tgtEl>
-                    <p:sldTgt/>
-                  </p:tgtEl>
-                </p:cond>
-              </p:prevCondLst>
-              <p:nextCondLst>
-                <p:cond evt="onNext" delay="0">
-                  <p:tgtEl>
-                    <p:sldTgt/>
-                  </p:tgtEl>
-                </p:cond>
-              </p:nextCondLst>
-            </p:seq>
-          </p:childTnLst>
-        </p:cTn>
+        <p:cTn id="1" dur="indefinite" restart="never" nodeType="tmRoot"/>
       </p:par>
     </p:tnLst>
   </p:timing>
@@ -21816,13 +21518,7 @@
       </p:sp>
       <p:grpSp>
         <p:nvGrpSpPr>
-          <p:cNvPr id="9" name="组合 8">
-            <a:extLst>
-              <a:ext uri="{FF2B5EF4-FFF2-40B4-BE49-F238E27FC236}">
-                <a16:creationId xmlns:a16="http://schemas.microsoft.com/office/drawing/2014/main" id="{0C70ED1C-30EF-4B3F-8CE4-0E8BEF2BEBCF}"/>
-              </a:ext>
-            </a:extLst>
-          </p:cNvPr>
+          <p:cNvPr id="6" name="组合 5"/>
           <p:cNvGrpSpPr/>
           <p:nvPr/>
         </p:nvGrpSpPr>
@@ -21830,215 +21526,236 @@
           <a:xfrm>
             <a:off x="2206068" y="1269554"/>
             <a:ext cx="7776864" cy="4896544"/>
-            <a:chOff x="1285643" y="1772435"/>
-            <a:chExt cx="7135479" cy="3572664"/>
+            <a:chOff x="2206068" y="1269554"/>
+            <a:chExt cx="7776864" cy="4896544"/>
           </a:xfrm>
         </p:grpSpPr>
-        <p:sp>
-          <p:nvSpPr>
-            <p:cNvPr id="10" name="矩形 9">
+        <p:grpSp>
+          <p:nvGrpSpPr>
+            <p:cNvPr id="9" name="组合 8">
               <a:extLst>
                 <a:ext uri="{FF2B5EF4-FFF2-40B4-BE49-F238E27FC236}">
-                  <a16:creationId xmlns:a16="http://schemas.microsoft.com/office/drawing/2014/main" id="{8CE48814-7E1F-4B07-9E0F-7D1566C5A1BD}"/>
+                  <a16:creationId xmlns:a16="http://schemas.microsoft.com/office/drawing/2014/main" id="{0C70ED1C-30EF-4B3F-8CE4-0E8BEF2BEBCF}"/>
                 </a:ext>
               </a:extLst>
             </p:cNvPr>
+            <p:cNvGrpSpPr/>
+            <p:nvPr/>
+          </p:nvGrpSpPr>
+          <p:grpSpPr>
+            <a:xfrm>
+              <a:off x="2206068" y="1269554"/>
+              <a:ext cx="7776864" cy="4896544"/>
+              <a:chOff x="1285643" y="1772435"/>
+              <a:chExt cx="7135479" cy="3572664"/>
+            </a:xfrm>
+          </p:grpSpPr>
+          <p:sp>
+            <p:nvSpPr>
+              <p:cNvPr id="10" name="矩形 9">
+                <a:extLst>
+                  <a:ext uri="{FF2B5EF4-FFF2-40B4-BE49-F238E27FC236}">
+                    <a16:creationId xmlns:a16="http://schemas.microsoft.com/office/drawing/2014/main" id="{8CE48814-7E1F-4B07-9E0F-7D1566C5A1BD}"/>
+                  </a:ext>
+                </a:extLst>
+              </p:cNvPr>
+              <p:cNvSpPr/>
+              <p:nvPr/>
+            </p:nvSpPr>
+            <p:spPr>
+              <a:xfrm>
+                <a:off x="1285644" y="2104682"/>
+                <a:ext cx="7135478" cy="3240417"/>
+              </a:xfrm>
+              <a:prstGeom prst="rect">
+                <a:avLst/>
+              </a:prstGeom>
+              <a:noFill/>
+              <a:ln w="12700">
+                <a:solidFill>
+                  <a:srgbClr val="346182"/>
+                </a:solidFill>
+              </a:ln>
+            </p:spPr>
+            <p:style>
+              <a:lnRef idx="2">
+                <a:schemeClr val="accent1">
+                  <a:shade val="50000"/>
+                </a:schemeClr>
+              </a:lnRef>
+              <a:fillRef idx="1">
+                <a:schemeClr val="accent1"/>
+              </a:fillRef>
+              <a:effectRef idx="0">
+                <a:schemeClr val="accent1"/>
+              </a:effectRef>
+              <a:fontRef idx="minor">
+                <a:schemeClr val="lt1"/>
+              </a:fontRef>
+            </p:style>
+            <p:txBody>
+              <a:bodyPr rtlCol="0" anchor="ctr"/>
+              <a:lstStyle/>
+              <a:p>
+                <a:pPr algn="ctr"/>
+                <a:endParaRPr lang="zh-CN" altLang="en-US" sz="1350"/>
+              </a:p>
+            </p:txBody>
+          </p:sp>
+          <p:sp>
+            <p:nvSpPr>
+              <p:cNvPr id="11" name="矩形 10">
+                <a:extLst>
+                  <a:ext uri="{FF2B5EF4-FFF2-40B4-BE49-F238E27FC236}">
+                    <a16:creationId xmlns:a16="http://schemas.microsoft.com/office/drawing/2014/main" id="{AFE3F854-F55C-4CF5-87BD-02A44DF29B5C}"/>
+                  </a:ext>
+                </a:extLst>
+              </p:cNvPr>
+              <p:cNvSpPr/>
+              <p:nvPr/>
+            </p:nvSpPr>
+            <p:spPr>
+              <a:xfrm>
+                <a:off x="1285643" y="1772435"/>
+                <a:ext cx="3525067" cy="338554"/>
+              </a:xfrm>
+              <a:prstGeom prst="rect">
+                <a:avLst/>
+              </a:prstGeom>
+              <a:solidFill>
+                <a:srgbClr val="183A5D"/>
+              </a:solidFill>
+              <a:ln>
+                <a:noFill/>
+              </a:ln>
+            </p:spPr>
+            <p:style>
+              <a:lnRef idx="2">
+                <a:schemeClr val="accent1">
+                  <a:shade val="50000"/>
+                </a:schemeClr>
+              </a:lnRef>
+              <a:fillRef idx="1">
+                <a:schemeClr val="accent1"/>
+              </a:fillRef>
+              <a:effectRef idx="0">
+                <a:schemeClr val="accent1"/>
+              </a:effectRef>
+              <a:fontRef idx="minor">
+                <a:schemeClr val="lt1"/>
+              </a:fontRef>
+            </p:style>
+            <p:txBody>
+              <a:bodyPr rtlCol="0" anchor="ctr"/>
+              <a:lstStyle/>
+              <a:p>
+                <a:pPr algn="ctr"/>
+                <a:endParaRPr lang="zh-CN" altLang="en-US" sz="1350"/>
+              </a:p>
+            </p:txBody>
+          </p:sp>
+        </p:grpSp>
+        <p:sp>
+          <p:nvSpPr>
+            <p:cNvPr id="12" name="矩形 11"/>
             <p:cNvSpPr/>
             <p:nvPr/>
           </p:nvSpPr>
           <p:spPr>
             <a:xfrm>
-              <a:off x="1285644" y="2104682"/>
-              <a:ext cx="7135478" cy="3240417"/>
+              <a:off x="2422798" y="1989634"/>
+              <a:ext cx="7344816" cy="1698927"/>
             </a:xfrm>
             <a:prstGeom prst="rect">
               <a:avLst/>
             </a:prstGeom>
-            <a:noFill/>
-            <a:ln w="12700">
-              <a:solidFill>
-                <a:srgbClr val="346182"/>
-              </a:solidFill>
-            </a:ln>
           </p:spPr>
-          <p:style>
-            <a:lnRef idx="2">
-              <a:schemeClr val="accent1">
-                <a:shade val="50000"/>
-              </a:schemeClr>
-            </a:lnRef>
-            <a:fillRef idx="1">
-              <a:schemeClr val="accent1"/>
-            </a:fillRef>
-            <a:effectRef idx="0">
-              <a:schemeClr val="accent1"/>
-            </a:effectRef>
-            <a:fontRef idx="minor">
-              <a:schemeClr val="lt1"/>
-            </a:fontRef>
-          </p:style>
           <p:txBody>
-            <a:bodyPr rtlCol="0" anchor="ctr"/>
+            <a:bodyPr wrap="square">
+              <a:spAutoFit/>
+            </a:bodyPr>
             <a:lstStyle/>
             <a:p>
-              <a:pPr algn="ctr"/>
-              <a:endParaRPr lang="zh-CN" altLang="en-US" sz="1350"/>
+              <a:pPr marL="342900" indent="-342900">
+                <a:lnSpc>
+                  <a:spcPct val="120000"/>
+                </a:lnSpc>
+                <a:buFont typeface="Wingdings" panose="05000000000000000000" pitchFamily="2" charset="2"/>
+                <a:buChar char="l"/>
+              </a:pPr>
+              <a:r>
+                <a:rPr lang="zh-CN" altLang="en-US" sz="2400" dirty="0"/>
+                <a:t>泛化</a:t>
+              </a:r>
+              <a:r>
+                <a:rPr lang="zh-CN" altLang="en-US" sz="2400" dirty="0" smtClean="0"/>
+                <a:t>关系</a:t>
+              </a:r>
+              <a:endParaRPr lang="en-US" altLang="zh-CN" sz="2400" dirty="0" smtClean="0"/>
+            </a:p>
+            <a:p>
+              <a:pPr>
+                <a:lnSpc>
+                  <a:spcPct val="120000"/>
+                </a:lnSpc>
+              </a:pPr>
+              <a:r>
+                <a:rPr lang="zh-CN" altLang="en-US" dirty="0"/>
+                <a:t>是一种继承关系，表示一般与特殊的关系，它指定了子类如何特化父类的所有特征和行为。例如：老虎是动物的一种，即有老虎的特性也有动物的共性。</a:t>
+              </a:r>
+              <a:endParaRPr lang="en-US" altLang="zh-CN" sz="2400" dirty="0" smtClean="0"/>
             </a:p>
           </p:txBody>
         </p:sp>
-        <p:sp>
-          <p:nvSpPr>
-            <p:cNvPr id="11" name="矩形 10">
-              <a:extLst>
-                <a:ext uri="{FF2B5EF4-FFF2-40B4-BE49-F238E27FC236}">
-                  <a16:creationId xmlns:a16="http://schemas.microsoft.com/office/drawing/2014/main" id="{AFE3F854-F55C-4CF5-87BD-02A44DF29B5C}"/>
-                </a:ext>
-              </a:extLst>
-            </p:cNvPr>
-            <p:cNvSpPr/>
+        <p:pic>
+          <p:nvPicPr>
+            <p:cNvPr id="5" name="图片 4"/>
+            <p:cNvPicPr>
+              <a:picLocks noChangeAspect="1"/>
+            </p:cNvPicPr>
             <p:nvPr/>
-          </p:nvSpPr>
+          </p:nvPicPr>
+          <p:blipFill>
+            <a:blip r:embed="rId2"/>
+            <a:stretch>
+              <a:fillRect/>
+            </a:stretch>
+          </p:blipFill>
           <p:spPr>
             <a:xfrm>
-              <a:off x="1285643" y="1772435"/>
-              <a:ext cx="3525067" cy="338554"/>
+              <a:off x="2392769" y="3741681"/>
+              <a:ext cx="3818965" cy="2162175"/>
             </a:xfrm>
             <a:prstGeom prst="rect">
               <a:avLst/>
             </a:prstGeom>
-            <a:solidFill>
-              <a:srgbClr val="183A5D"/>
-            </a:solidFill>
-            <a:ln>
-              <a:noFill/>
-            </a:ln>
           </p:spPr>
-          <p:style>
-            <a:lnRef idx="2">
-              <a:schemeClr val="accent1">
-                <a:shade val="50000"/>
-              </a:schemeClr>
-            </a:lnRef>
-            <a:fillRef idx="1">
-              <a:schemeClr val="accent1"/>
-            </a:fillRef>
-            <a:effectRef idx="0">
-              <a:schemeClr val="accent1"/>
-            </a:effectRef>
-            <a:fontRef idx="minor">
-              <a:schemeClr val="lt1"/>
-            </a:fontRef>
-          </p:style>
-          <p:txBody>
-            <a:bodyPr rtlCol="0" anchor="ctr"/>
-            <a:lstStyle/>
-            <a:p>
-              <a:pPr algn="ctr"/>
-              <a:endParaRPr lang="zh-CN" altLang="en-US" sz="1350"/>
-            </a:p>
-          </p:txBody>
-        </p:sp>
+        </p:pic>
+        <p:pic>
+          <p:nvPicPr>
+            <p:cNvPr id="8" name="图片 7"/>
+            <p:cNvPicPr>
+              <a:picLocks noChangeAspect="1"/>
+            </p:cNvPicPr>
+            <p:nvPr/>
+          </p:nvPicPr>
+          <p:blipFill>
+            <a:blip r:embed="rId3"/>
+            <a:stretch>
+              <a:fillRect/>
+            </a:stretch>
+          </p:blipFill>
+          <p:spPr>
+            <a:xfrm>
+              <a:off x="7331624" y="3173206"/>
+              <a:ext cx="2651308" cy="2954461"/>
+            </a:xfrm>
+            <a:prstGeom prst="rect">
+              <a:avLst/>
+            </a:prstGeom>
+          </p:spPr>
+        </p:pic>
       </p:grpSp>
-      <p:sp>
-        <p:nvSpPr>
-          <p:cNvPr id="12" name="矩形 11"/>
-          <p:cNvSpPr/>
-          <p:nvPr/>
-        </p:nvSpPr>
-        <p:spPr>
-          <a:xfrm>
-            <a:off x="2422798" y="1989634"/>
-            <a:ext cx="7344816" cy="1698927"/>
-          </a:xfrm>
-          <a:prstGeom prst="rect">
-            <a:avLst/>
-          </a:prstGeom>
-        </p:spPr>
-        <p:txBody>
-          <a:bodyPr wrap="square">
-            <a:spAutoFit/>
-          </a:bodyPr>
-          <a:lstStyle/>
-          <a:p>
-            <a:pPr marL="342900" indent="-342900">
-              <a:lnSpc>
-                <a:spcPct val="120000"/>
-              </a:lnSpc>
-              <a:buFont typeface="Wingdings" panose="05000000000000000000" pitchFamily="2" charset="2"/>
-              <a:buChar char="l"/>
-            </a:pPr>
-            <a:r>
-              <a:rPr lang="zh-CN" altLang="en-US" sz="2400" dirty="0"/>
-              <a:t>泛化</a:t>
-            </a:r>
-            <a:r>
-              <a:rPr lang="zh-CN" altLang="en-US" sz="2400" dirty="0" smtClean="0"/>
-              <a:t>关系</a:t>
-            </a:r>
-            <a:endParaRPr lang="en-US" altLang="zh-CN" sz="2400" dirty="0" smtClean="0"/>
-          </a:p>
-          <a:p>
-            <a:pPr>
-              <a:lnSpc>
-                <a:spcPct val="120000"/>
-              </a:lnSpc>
-            </a:pPr>
-            <a:r>
-              <a:rPr lang="zh-CN" altLang="en-US" dirty="0"/>
-              <a:t>是一种继承关系，表示一般与特殊的关系，它指定了子类如何特化父类的所有特征和行为。例如：老虎是动物的一种，即有老虎的特性也有动物的共性。</a:t>
-            </a:r>
-            <a:endParaRPr lang="en-US" altLang="zh-CN" sz="2400" dirty="0" smtClean="0"/>
-          </a:p>
-        </p:txBody>
-      </p:sp>
-      <p:pic>
-        <p:nvPicPr>
-          <p:cNvPr id="5" name="图片 4"/>
-          <p:cNvPicPr>
-            <a:picLocks noChangeAspect="1"/>
-          </p:cNvPicPr>
-          <p:nvPr/>
-        </p:nvPicPr>
-        <p:blipFill>
-          <a:blip r:embed="rId2"/>
-          <a:stretch>
-            <a:fillRect/>
-          </a:stretch>
-        </p:blipFill>
-        <p:spPr>
-          <a:xfrm>
-            <a:off x="2392769" y="3741681"/>
-            <a:ext cx="3818965" cy="2162175"/>
-          </a:xfrm>
-          <a:prstGeom prst="rect">
-            <a:avLst/>
-          </a:prstGeom>
-        </p:spPr>
-      </p:pic>
-      <p:pic>
-        <p:nvPicPr>
-          <p:cNvPr id="8" name="图片 7"/>
-          <p:cNvPicPr>
-            <a:picLocks noChangeAspect="1"/>
-          </p:cNvPicPr>
-          <p:nvPr/>
-        </p:nvPicPr>
-        <p:blipFill>
-          <a:blip r:embed="rId3"/>
-          <a:stretch>
-            <a:fillRect/>
-          </a:stretch>
-        </p:blipFill>
-        <p:spPr>
-          <a:xfrm>
-            <a:off x="7331624" y="3173206"/>
-            <a:ext cx="2651308" cy="2954461"/>
-          </a:xfrm>
-          <a:prstGeom prst="rect">
-            <a:avLst/>
-          </a:prstGeom>
-        </p:spPr>
-      </p:pic>
     </p:spTree>
     <p:extLst>
       <p:ext uri="{BB962C8B-B14F-4D97-AF65-F5344CB8AC3E}">
@@ -22055,83 +21772,7 @@
   <p:timing>
     <p:tnLst>
       <p:par>
-        <p:cTn id="1" dur="indefinite" restart="never" nodeType="tmRoot">
-          <p:childTnLst>
-            <p:seq concurrent="1" nextAc="seek">
-              <p:cTn id="2" dur="indefinite" nodeType="mainSeq">
-                <p:childTnLst>
-                  <p:par>
-                    <p:cTn id="3" fill="hold">
-                      <p:stCondLst>
-                        <p:cond delay="indefinite"/>
-                      </p:stCondLst>
-                      <p:childTnLst>
-                        <p:par>
-                          <p:cTn id="4" fill="hold">
-                            <p:stCondLst>
-                              <p:cond delay="0"/>
-                            </p:stCondLst>
-                            <p:childTnLst>
-                              <p:par>
-                                <p:cTn id="5" presetID="22" presetClass="entr" presetSubtype="1" fill="hold" nodeType="clickEffect">
-                                  <p:stCondLst>
-                                    <p:cond delay="0"/>
-                                  </p:stCondLst>
-                                  <p:childTnLst>
-                                    <p:set>
-                                      <p:cBhvr>
-                                        <p:cTn id="6" dur="1" fill="hold">
-                                          <p:stCondLst>
-                                            <p:cond delay="0"/>
-                                          </p:stCondLst>
-                                        </p:cTn>
-                                        <p:tgtEl>
-                                          <p:spTgt spid="9"/>
-                                        </p:tgtEl>
-                                        <p:attrNameLst>
-                                          <p:attrName>style.visibility</p:attrName>
-                                        </p:attrNameLst>
-                                      </p:cBhvr>
-                                      <p:to>
-                                        <p:strVal val="visible"/>
-                                      </p:to>
-                                    </p:set>
-                                    <p:animEffect transition="in" filter="wipe(up)">
-                                      <p:cBhvr>
-                                        <p:cTn id="7" dur="500"/>
-                                        <p:tgtEl>
-                                          <p:spTgt spid="9"/>
-                                        </p:tgtEl>
-                                      </p:cBhvr>
-                                    </p:animEffect>
-                                  </p:childTnLst>
-                                </p:cTn>
-                              </p:par>
-                            </p:childTnLst>
-                          </p:cTn>
-                        </p:par>
-                      </p:childTnLst>
-                    </p:cTn>
-                  </p:par>
-                </p:childTnLst>
-              </p:cTn>
-              <p:prevCondLst>
-                <p:cond evt="onPrev" delay="0">
-                  <p:tgtEl>
-                    <p:sldTgt/>
-                  </p:tgtEl>
-                </p:cond>
-              </p:prevCondLst>
-              <p:nextCondLst>
-                <p:cond evt="onNext" delay="0">
-                  <p:tgtEl>
-                    <p:sldTgt/>
-                  </p:tgtEl>
-                </p:cond>
-              </p:nextCondLst>
-            </p:seq>
-          </p:childTnLst>
-        </p:cTn>
+        <p:cTn id="1" dur="indefinite" restart="never" nodeType="tmRoot"/>
       </p:par>
     </p:tnLst>
   </p:timing>
@@ -22294,13 +21935,7 @@
       </p:sp>
       <p:grpSp>
         <p:nvGrpSpPr>
-          <p:cNvPr id="9" name="组合 8">
-            <a:extLst>
-              <a:ext uri="{FF2B5EF4-FFF2-40B4-BE49-F238E27FC236}">
-                <a16:creationId xmlns:a16="http://schemas.microsoft.com/office/drawing/2014/main" id="{0C70ED1C-30EF-4B3F-8CE4-0E8BEF2BEBCF}"/>
-              </a:ext>
-            </a:extLst>
-          </p:cNvPr>
+          <p:cNvPr id="5" name="组合 4"/>
           <p:cNvGrpSpPr/>
           <p:nvPr/>
         </p:nvGrpSpPr>
@@ -22308,219 +21943,240 @@
           <a:xfrm>
             <a:off x="2206068" y="1269554"/>
             <a:ext cx="7776864" cy="4896544"/>
-            <a:chOff x="1285643" y="1772435"/>
-            <a:chExt cx="7135479" cy="3572664"/>
+            <a:chOff x="2206068" y="1269554"/>
+            <a:chExt cx="7776864" cy="4896544"/>
           </a:xfrm>
         </p:grpSpPr>
-        <p:sp>
-          <p:nvSpPr>
-            <p:cNvPr id="10" name="矩形 9">
+        <p:grpSp>
+          <p:nvGrpSpPr>
+            <p:cNvPr id="9" name="组合 8">
               <a:extLst>
                 <a:ext uri="{FF2B5EF4-FFF2-40B4-BE49-F238E27FC236}">
-                  <a16:creationId xmlns:a16="http://schemas.microsoft.com/office/drawing/2014/main" id="{8CE48814-7E1F-4B07-9E0F-7D1566C5A1BD}"/>
+                  <a16:creationId xmlns:a16="http://schemas.microsoft.com/office/drawing/2014/main" id="{0C70ED1C-30EF-4B3F-8CE4-0E8BEF2BEBCF}"/>
                 </a:ext>
               </a:extLst>
             </p:cNvPr>
+            <p:cNvGrpSpPr/>
+            <p:nvPr/>
+          </p:nvGrpSpPr>
+          <p:grpSpPr>
+            <a:xfrm>
+              <a:off x="2206068" y="1269554"/>
+              <a:ext cx="7776864" cy="4896544"/>
+              <a:chOff x="1285643" y="1772435"/>
+              <a:chExt cx="7135479" cy="3572664"/>
+            </a:xfrm>
+          </p:grpSpPr>
+          <p:sp>
+            <p:nvSpPr>
+              <p:cNvPr id="10" name="矩形 9">
+                <a:extLst>
+                  <a:ext uri="{FF2B5EF4-FFF2-40B4-BE49-F238E27FC236}">
+                    <a16:creationId xmlns:a16="http://schemas.microsoft.com/office/drawing/2014/main" id="{8CE48814-7E1F-4B07-9E0F-7D1566C5A1BD}"/>
+                  </a:ext>
+                </a:extLst>
+              </p:cNvPr>
+              <p:cNvSpPr/>
+              <p:nvPr/>
+            </p:nvSpPr>
+            <p:spPr>
+              <a:xfrm>
+                <a:off x="1285644" y="2104682"/>
+                <a:ext cx="7135478" cy="3240417"/>
+              </a:xfrm>
+              <a:prstGeom prst="rect">
+                <a:avLst/>
+              </a:prstGeom>
+              <a:noFill/>
+              <a:ln w="12700">
+                <a:solidFill>
+                  <a:srgbClr val="346182"/>
+                </a:solidFill>
+              </a:ln>
+            </p:spPr>
+            <p:style>
+              <a:lnRef idx="2">
+                <a:schemeClr val="accent1">
+                  <a:shade val="50000"/>
+                </a:schemeClr>
+              </a:lnRef>
+              <a:fillRef idx="1">
+                <a:schemeClr val="accent1"/>
+              </a:fillRef>
+              <a:effectRef idx="0">
+                <a:schemeClr val="accent1"/>
+              </a:effectRef>
+              <a:fontRef idx="minor">
+                <a:schemeClr val="lt1"/>
+              </a:fontRef>
+            </p:style>
+            <p:txBody>
+              <a:bodyPr rtlCol="0" anchor="ctr"/>
+              <a:lstStyle/>
+              <a:p>
+                <a:pPr algn="ctr"/>
+                <a:endParaRPr lang="zh-CN" altLang="en-US" sz="1350"/>
+              </a:p>
+            </p:txBody>
+          </p:sp>
+          <p:sp>
+            <p:nvSpPr>
+              <p:cNvPr id="11" name="矩形 10">
+                <a:extLst>
+                  <a:ext uri="{FF2B5EF4-FFF2-40B4-BE49-F238E27FC236}">
+                    <a16:creationId xmlns:a16="http://schemas.microsoft.com/office/drawing/2014/main" id="{AFE3F854-F55C-4CF5-87BD-02A44DF29B5C}"/>
+                  </a:ext>
+                </a:extLst>
+              </p:cNvPr>
+              <p:cNvSpPr/>
+              <p:nvPr/>
+            </p:nvSpPr>
+            <p:spPr>
+              <a:xfrm>
+                <a:off x="1285643" y="1772435"/>
+                <a:ext cx="3525067" cy="338554"/>
+              </a:xfrm>
+              <a:prstGeom prst="rect">
+                <a:avLst/>
+              </a:prstGeom>
+              <a:solidFill>
+                <a:srgbClr val="183A5D"/>
+              </a:solidFill>
+              <a:ln>
+                <a:noFill/>
+              </a:ln>
+            </p:spPr>
+            <p:style>
+              <a:lnRef idx="2">
+                <a:schemeClr val="accent1">
+                  <a:shade val="50000"/>
+                </a:schemeClr>
+              </a:lnRef>
+              <a:fillRef idx="1">
+                <a:schemeClr val="accent1"/>
+              </a:fillRef>
+              <a:effectRef idx="0">
+                <a:schemeClr val="accent1"/>
+              </a:effectRef>
+              <a:fontRef idx="minor">
+                <a:schemeClr val="lt1"/>
+              </a:fontRef>
+            </p:style>
+            <p:txBody>
+              <a:bodyPr rtlCol="0" anchor="ctr"/>
+              <a:lstStyle/>
+              <a:p>
+                <a:pPr algn="ctr"/>
+                <a:endParaRPr lang="zh-CN" altLang="en-US" sz="1350"/>
+              </a:p>
+            </p:txBody>
+          </p:sp>
+        </p:grpSp>
+        <p:sp>
+          <p:nvSpPr>
+            <p:cNvPr id="12" name="矩形 11"/>
             <p:cNvSpPr/>
             <p:nvPr/>
           </p:nvSpPr>
           <p:spPr>
             <a:xfrm>
-              <a:off x="1285644" y="2104682"/>
-              <a:ext cx="7135478" cy="3240417"/>
+              <a:off x="2422798" y="1989634"/>
+              <a:ext cx="7344816" cy="1311128"/>
             </a:xfrm>
             <a:prstGeom prst="rect">
               <a:avLst/>
             </a:prstGeom>
-            <a:noFill/>
-            <a:ln w="12700">
-              <a:solidFill>
-                <a:srgbClr val="346182"/>
-              </a:solidFill>
-            </a:ln>
           </p:spPr>
-          <p:style>
-            <a:lnRef idx="2">
-              <a:schemeClr val="accent1">
-                <a:shade val="50000"/>
-              </a:schemeClr>
-            </a:lnRef>
-            <a:fillRef idx="1">
-              <a:schemeClr val="accent1"/>
-            </a:fillRef>
-            <a:effectRef idx="0">
-              <a:schemeClr val="accent1"/>
-            </a:effectRef>
-            <a:fontRef idx="minor">
-              <a:schemeClr val="lt1"/>
-            </a:fontRef>
-          </p:style>
           <p:txBody>
-            <a:bodyPr rtlCol="0" anchor="ctr"/>
+            <a:bodyPr wrap="square">
+              <a:spAutoFit/>
+            </a:bodyPr>
             <a:lstStyle/>
             <a:p>
-              <a:pPr algn="ctr"/>
-              <a:endParaRPr lang="zh-CN" altLang="en-US" sz="1350"/>
+              <a:pPr marL="342900" indent="-342900">
+                <a:lnSpc>
+                  <a:spcPct val="120000"/>
+                </a:lnSpc>
+                <a:buFont typeface="Wingdings" panose="05000000000000000000" pitchFamily="2" charset="2"/>
+                <a:buChar char="l"/>
+              </a:pPr>
+              <a:r>
+                <a:rPr lang="zh-CN" altLang="en-US" sz="2400" dirty="0"/>
+                <a:t>实现</a:t>
+              </a:r>
+              <a:r>
+                <a:rPr lang="zh-CN" altLang="en-US" sz="2400" dirty="0" smtClean="0"/>
+                <a:t>关系</a:t>
+              </a:r>
+              <a:endParaRPr lang="en-US" altLang="zh-CN" sz="2400" dirty="0" smtClean="0"/>
+            </a:p>
+            <a:p>
+              <a:pPr>
+                <a:lnSpc>
+                  <a:spcPct val="120000"/>
+                </a:lnSpc>
+              </a:pPr>
+              <a:r>
+                <a:rPr lang="zh-CN" altLang="en-US" dirty="0"/>
+                <a:t>是一种类与接口的关系，表示类是接口所有特征和行为的实现</a:t>
+              </a:r>
+              <a:r>
+                <a:rPr lang="en-US" altLang="zh-CN" dirty="0"/>
+                <a:t>.</a:t>
+              </a:r>
+              <a:endParaRPr lang="en-US" altLang="zh-CN" sz="2400" dirty="0" smtClean="0"/>
             </a:p>
           </p:txBody>
         </p:sp>
-        <p:sp>
-          <p:nvSpPr>
-            <p:cNvPr id="11" name="矩形 10">
-              <a:extLst>
-                <a:ext uri="{FF2B5EF4-FFF2-40B4-BE49-F238E27FC236}">
-                  <a16:creationId xmlns:a16="http://schemas.microsoft.com/office/drawing/2014/main" id="{AFE3F854-F55C-4CF5-87BD-02A44DF29B5C}"/>
-                </a:ext>
-              </a:extLst>
-            </p:cNvPr>
-            <p:cNvSpPr/>
+        <p:pic>
+          <p:nvPicPr>
+            <p:cNvPr id="6" name="图片 5"/>
+            <p:cNvPicPr>
+              <a:picLocks noChangeAspect="1"/>
+            </p:cNvPicPr>
             <p:nvPr/>
-          </p:nvSpPr>
+          </p:nvPicPr>
+          <p:blipFill>
+            <a:blip r:embed="rId2"/>
+            <a:stretch>
+              <a:fillRect/>
+            </a:stretch>
+          </p:blipFill>
           <p:spPr>
             <a:xfrm>
-              <a:off x="1285643" y="1772435"/>
-              <a:ext cx="3525067" cy="338554"/>
+              <a:off x="2435380" y="3184933"/>
+              <a:ext cx="3383300" cy="2967209"/>
             </a:xfrm>
             <a:prstGeom prst="rect">
               <a:avLst/>
             </a:prstGeom>
-            <a:solidFill>
-              <a:srgbClr val="183A5D"/>
-            </a:solidFill>
-            <a:ln>
-              <a:noFill/>
-            </a:ln>
           </p:spPr>
-          <p:style>
-            <a:lnRef idx="2">
-              <a:schemeClr val="accent1">
-                <a:shade val="50000"/>
-              </a:schemeClr>
-            </a:lnRef>
-            <a:fillRef idx="1">
-              <a:schemeClr val="accent1"/>
-            </a:fillRef>
-            <a:effectRef idx="0">
-              <a:schemeClr val="accent1"/>
-            </a:effectRef>
-            <a:fontRef idx="minor">
-              <a:schemeClr val="lt1"/>
-            </a:fontRef>
-          </p:style>
-          <p:txBody>
-            <a:bodyPr rtlCol="0" anchor="ctr"/>
-            <a:lstStyle/>
-            <a:p>
-              <a:pPr algn="ctr"/>
-              <a:endParaRPr lang="zh-CN" altLang="en-US" sz="1350"/>
-            </a:p>
-          </p:txBody>
-        </p:sp>
+        </p:pic>
+        <p:pic>
+          <p:nvPicPr>
+            <p:cNvPr id="7" name="图片 6"/>
+            <p:cNvPicPr>
+              <a:picLocks noChangeAspect="1"/>
+            </p:cNvPicPr>
+            <p:nvPr/>
+          </p:nvPicPr>
+          <p:blipFill>
+            <a:blip r:embed="rId3"/>
+            <a:stretch>
+              <a:fillRect/>
+            </a:stretch>
+          </p:blipFill>
+          <p:spPr>
+            <a:xfrm>
+              <a:off x="6527254" y="3415564"/>
+              <a:ext cx="3148800" cy="2505945"/>
+            </a:xfrm>
+            <a:prstGeom prst="rect">
+              <a:avLst/>
+            </a:prstGeom>
+          </p:spPr>
+        </p:pic>
       </p:grpSp>
-      <p:sp>
-        <p:nvSpPr>
-          <p:cNvPr id="12" name="矩形 11"/>
-          <p:cNvSpPr/>
-          <p:nvPr/>
-        </p:nvSpPr>
-        <p:spPr>
-          <a:xfrm>
-            <a:off x="2422798" y="1989634"/>
-            <a:ext cx="7344816" cy="1311128"/>
-          </a:xfrm>
-          <a:prstGeom prst="rect">
-            <a:avLst/>
-          </a:prstGeom>
-        </p:spPr>
-        <p:txBody>
-          <a:bodyPr wrap="square">
-            <a:spAutoFit/>
-          </a:bodyPr>
-          <a:lstStyle/>
-          <a:p>
-            <a:pPr marL="342900" indent="-342900">
-              <a:lnSpc>
-                <a:spcPct val="120000"/>
-              </a:lnSpc>
-              <a:buFont typeface="Wingdings" panose="05000000000000000000" pitchFamily="2" charset="2"/>
-              <a:buChar char="l"/>
-            </a:pPr>
-            <a:r>
-              <a:rPr lang="zh-CN" altLang="en-US" sz="2400" dirty="0"/>
-              <a:t>实现</a:t>
-            </a:r>
-            <a:r>
-              <a:rPr lang="zh-CN" altLang="en-US" sz="2400" dirty="0" smtClean="0"/>
-              <a:t>关系</a:t>
-            </a:r>
-            <a:endParaRPr lang="en-US" altLang="zh-CN" sz="2400" dirty="0" smtClean="0"/>
-          </a:p>
-          <a:p>
-            <a:pPr>
-              <a:lnSpc>
-                <a:spcPct val="120000"/>
-              </a:lnSpc>
-            </a:pPr>
-            <a:r>
-              <a:rPr lang="zh-CN" altLang="en-US" dirty="0"/>
-              <a:t>是一种类与接口的关系，表示类是接口所有特征和行为的实现</a:t>
-            </a:r>
-            <a:r>
-              <a:rPr lang="en-US" altLang="zh-CN" dirty="0"/>
-              <a:t>.</a:t>
-            </a:r>
-            <a:endParaRPr lang="en-US" altLang="zh-CN" sz="2400" dirty="0" smtClean="0"/>
-          </a:p>
-        </p:txBody>
-      </p:sp>
-      <p:pic>
-        <p:nvPicPr>
-          <p:cNvPr id="6" name="图片 5"/>
-          <p:cNvPicPr>
-            <a:picLocks noChangeAspect="1"/>
-          </p:cNvPicPr>
-          <p:nvPr/>
-        </p:nvPicPr>
-        <p:blipFill>
-          <a:blip r:embed="rId2"/>
-          <a:stretch>
-            <a:fillRect/>
-          </a:stretch>
-        </p:blipFill>
-        <p:spPr>
-          <a:xfrm>
-            <a:off x="2435380" y="3184933"/>
-            <a:ext cx="3383300" cy="2967209"/>
-          </a:xfrm>
-          <a:prstGeom prst="rect">
-            <a:avLst/>
-          </a:prstGeom>
-        </p:spPr>
-      </p:pic>
-      <p:pic>
-        <p:nvPicPr>
-          <p:cNvPr id="7" name="图片 6"/>
-          <p:cNvPicPr>
-            <a:picLocks noChangeAspect="1"/>
-          </p:cNvPicPr>
-          <p:nvPr/>
-        </p:nvPicPr>
-        <p:blipFill>
-          <a:blip r:embed="rId3"/>
-          <a:stretch>
-            <a:fillRect/>
-          </a:stretch>
-        </p:blipFill>
-        <p:spPr>
-          <a:xfrm>
-            <a:off x="6527254" y="3415564"/>
-            <a:ext cx="3148800" cy="2505945"/>
-          </a:xfrm>
-          <a:prstGeom prst="rect">
-            <a:avLst/>
-          </a:prstGeom>
-        </p:spPr>
-      </p:pic>
     </p:spTree>
     <p:extLst>
       <p:ext uri="{BB962C8B-B14F-4D97-AF65-F5344CB8AC3E}">
@@ -22537,83 +22193,7 @@
   <p:timing>
     <p:tnLst>
       <p:par>
-        <p:cTn id="1" dur="indefinite" restart="never" nodeType="tmRoot">
-          <p:childTnLst>
-            <p:seq concurrent="1" nextAc="seek">
-              <p:cTn id="2" dur="indefinite" nodeType="mainSeq">
-                <p:childTnLst>
-                  <p:par>
-                    <p:cTn id="3" fill="hold">
-                      <p:stCondLst>
-                        <p:cond delay="indefinite"/>
-                      </p:stCondLst>
-                      <p:childTnLst>
-                        <p:par>
-                          <p:cTn id="4" fill="hold">
-                            <p:stCondLst>
-                              <p:cond delay="0"/>
-                            </p:stCondLst>
-                            <p:childTnLst>
-                              <p:par>
-                                <p:cTn id="5" presetID="22" presetClass="entr" presetSubtype="1" fill="hold" nodeType="clickEffect">
-                                  <p:stCondLst>
-                                    <p:cond delay="0"/>
-                                  </p:stCondLst>
-                                  <p:childTnLst>
-                                    <p:set>
-                                      <p:cBhvr>
-                                        <p:cTn id="6" dur="1" fill="hold">
-                                          <p:stCondLst>
-                                            <p:cond delay="0"/>
-                                          </p:stCondLst>
-                                        </p:cTn>
-                                        <p:tgtEl>
-                                          <p:spTgt spid="9"/>
-                                        </p:tgtEl>
-                                        <p:attrNameLst>
-                                          <p:attrName>style.visibility</p:attrName>
-                                        </p:attrNameLst>
-                                      </p:cBhvr>
-                                      <p:to>
-                                        <p:strVal val="visible"/>
-                                      </p:to>
-                                    </p:set>
-                                    <p:animEffect transition="in" filter="wipe(up)">
-                                      <p:cBhvr>
-                                        <p:cTn id="7" dur="500"/>
-                                        <p:tgtEl>
-                                          <p:spTgt spid="9"/>
-                                        </p:tgtEl>
-                                      </p:cBhvr>
-                                    </p:animEffect>
-                                  </p:childTnLst>
-                                </p:cTn>
-                              </p:par>
-                            </p:childTnLst>
-                          </p:cTn>
-                        </p:par>
-                      </p:childTnLst>
-                    </p:cTn>
-                  </p:par>
-                </p:childTnLst>
-              </p:cTn>
-              <p:prevCondLst>
-                <p:cond evt="onPrev" delay="0">
-                  <p:tgtEl>
-                    <p:sldTgt/>
-                  </p:tgtEl>
-                </p:cond>
-              </p:prevCondLst>
-              <p:nextCondLst>
-                <p:cond evt="onNext" delay="0">
-                  <p:tgtEl>
-                    <p:sldTgt/>
-                  </p:tgtEl>
-                </p:cond>
-              </p:nextCondLst>
-            </p:seq>
-          </p:childTnLst>
-        </p:cTn>
+        <p:cTn id="1" dur="indefinite" restart="never" nodeType="tmRoot"/>
       </p:par>
     </p:tnLst>
   </p:timing>
@@ -22777,13 +22357,7 @@
       </p:sp>
       <p:grpSp>
         <p:nvGrpSpPr>
-          <p:cNvPr id="7" name="组合 6">
-            <a:extLst>
-              <a:ext uri="{FF2B5EF4-FFF2-40B4-BE49-F238E27FC236}">
-                <a16:creationId xmlns:a16="http://schemas.microsoft.com/office/drawing/2014/main" id="{0C70ED1C-30EF-4B3F-8CE4-0E8BEF2BEBCF}"/>
-              </a:ext>
-            </a:extLst>
-          </p:cNvPr>
+          <p:cNvPr id="6" name="组合 5"/>
           <p:cNvGrpSpPr/>
           <p:nvPr/>
         </p:nvGrpSpPr>
@@ -22791,232 +22365,253 @@
           <a:xfrm>
             <a:off x="2062758" y="1269554"/>
             <a:ext cx="7776864" cy="4896544"/>
-            <a:chOff x="1285643" y="1772435"/>
-            <a:chExt cx="7135479" cy="3572664"/>
+            <a:chOff x="2062758" y="1269554"/>
+            <a:chExt cx="7776864" cy="4896544"/>
           </a:xfrm>
         </p:grpSpPr>
-        <p:sp>
-          <p:nvSpPr>
-            <p:cNvPr id="8" name="矩形 7">
+        <p:grpSp>
+          <p:nvGrpSpPr>
+            <p:cNvPr id="7" name="组合 6">
               <a:extLst>
                 <a:ext uri="{FF2B5EF4-FFF2-40B4-BE49-F238E27FC236}">
-                  <a16:creationId xmlns:a16="http://schemas.microsoft.com/office/drawing/2014/main" id="{8CE48814-7E1F-4B07-9E0F-7D1566C5A1BD}"/>
+                  <a16:creationId xmlns:a16="http://schemas.microsoft.com/office/drawing/2014/main" id="{0C70ED1C-30EF-4B3F-8CE4-0E8BEF2BEBCF}"/>
                 </a:ext>
               </a:extLst>
             </p:cNvPr>
+            <p:cNvGrpSpPr/>
+            <p:nvPr/>
+          </p:nvGrpSpPr>
+          <p:grpSpPr>
+            <a:xfrm>
+              <a:off x="2062758" y="1269554"/>
+              <a:ext cx="7776864" cy="4896544"/>
+              <a:chOff x="1285643" y="1772435"/>
+              <a:chExt cx="7135479" cy="3572664"/>
+            </a:xfrm>
+          </p:grpSpPr>
+          <p:sp>
+            <p:nvSpPr>
+              <p:cNvPr id="8" name="矩形 7">
+                <a:extLst>
+                  <a:ext uri="{FF2B5EF4-FFF2-40B4-BE49-F238E27FC236}">
+                    <a16:creationId xmlns:a16="http://schemas.microsoft.com/office/drawing/2014/main" id="{8CE48814-7E1F-4B07-9E0F-7D1566C5A1BD}"/>
+                  </a:ext>
+                </a:extLst>
+              </p:cNvPr>
+              <p:cNvSpPr/>
+              <p:nvPr/>
+            </p:nvSpPr>
+            <p:spPr>
+              <a:xfrm>
+                <a:off x="1285644" y="2104682"/>
+                <a:ext cx="7135478" cy="3240417"/>
+              </a:xfrm>
+              <a:prstGeom prst="rect">
+                <a:avLst/>
+              </a:prstGeom>
+              <a:noFill/>
+              <a:ln w="12700">
+                <a:solidFill>
+                  <a:srgbClr val="346182"/>
+                </a:solidFill>
+              </a:ln>
+            </p:spPr>
+            <p:style>
+              <a:lnRef idx="2">
+                <a:schemeClr val="accent1">
+                  <a:shade val="50000"/>
+                </a:schemeClr>
+              </a:lnRef>
+              <a:fillRef idx="1">
+                <a:schemeClr val="accent1"/>
+              </a:fillRef>
+              <a:effectRef idx="0">
+                <a:schemeClr val="accent1"/>
+              </a:effectRef>
+              <a:fontRef idx="minor">
+                <a:schemeClr val="lt1"/>
+              </a:fontRef>
+            </p:style>
+            <p:txBody>
+              <a:bodyPr rtlCol="0" anchor="ctr"/>
+              <a:lstStyle/>
+              <a:p>
+                <a:pPr algn="ctr"/>
+                <a:endParaRPr lang="zh-CN" altLang="en-US" sz="1350"/>
+              </a:p>
+            </p:txBody>
+          </p:sp>
+          <p:sp>
+            <p:nvSpPr>
+              <p:cNvPr id="9" name="矩形 8">
+                <a:extLst>
+                  <a:ext uri="{FF2B5EF4-FFF2-40B4-BE49-F238E27FC236}">
+                    <a16:creationId xmlns:a16="http://schemas.microsoft.com/office/drawing/2014/main" id="{AFE3F854-F55C-4CF5-87BD-02A44DF29B5C}"/>
+                  </a:ext>
+                </a:extLst>
+              </p:cNvPr>
+              <p:cNvSpPr/>
+              <p:nvPr/>
+            </p:nvSpPr>
+            <p:spPr>
+              <a:xfrm>
+                <a:off x="1285643" y="1772435"/>
+                <a:ext cx="3525067" cy="338554"/>
+              </a:xfrm>
+              <a:prstGeom prst="rect">
+                <a:avLst/>
+              </a:prstGeom>
+              <a:solidFill>
+                <a:srgbClr val="183A5D"/>
+              </a:solidFill>
+              <a:ln>
+                <a:noFill/>
+              </a:ln>
+            </p:spPr>
+            <p:style>
+              <a:lnRef idx="2">
+                <a:schemeClr val="accent1">
+                  <a:shade val="50000"/>
+                </a:schemeClr>
+              </a:lnRef>
+              <a:fillRef idx="1">
+                <a:schemeClr val="accent1"/>
+              </a:fillRef>
+              <a:effectRef idx="0">
+                <a:schemeClr val="accent1"/>
+              </a:effectRef>
+              <a:fontRef idx="minor">
+                <a:schemeClr val="lt1"/>
+              </a:fontRef>
+            </p:style>
+            <p:txBody>
+              <a:bodyPr rtlCol="0" anchor="ctr"/>
+              <a:lstStyle/>
+              <a:p>
+                <a:pPr algn="ctr"/>
+                <a:endParaRPr lang="zh-CN" altLang="en-US" sz="1350"/>
+              </a:p>
+            </p:txBody>
+          </p:sp>
+        </p:grpSp>
+        <p:sp>
+          <p:nvSpPr>
+            <p:cNvPr id="5" name="矩形 4"/>
             <p:cNvSpPr/>
             <p:nvPr/>
           </p:nvSpPr>
           <p:spPr>
             <a:xfrm>
-              <a:off x="1285644" y="2104682"/>
-              <a:ext cx="7135478" cy="3240417"/>
+              <a:off x="2207533" y="1917626"/>
+              <a:ext cx="6718820" cy="2973122"/>
             </a:xfrm>
             <a:prstGeom prst="rect">
               <a:avLst/>
             </a:prstGeom>
-            <a:noFill/>
-            <a:ln w="12700">
-              <a:solidFill>
-                <a:srgbClr val="346182"/>
-              </a:solidFill>
-            </a:ln>
           </p:spPr>
-          <p:style>
-            <a:lnRef idx="2">
-              <a:schemeClr val="accent1">
-                <a:shade val="50000"/>
-              </a:schemeClr>
-            </a:lnRef>
-            <a:fillRef idx="1">
-              <a:schemeClr val="accent1"/>
-            </a:fillRef>
-            <a:effectRef idx="0">
-              <a:schemeClr val="accent1"/>
-            </a:effectRef>
-            <a:fontRef idx="minor">
-              <a:schemeClr val="lt1"/>
-            </a:fontRef>
-          </p:style>
           <p:txBody>
-            <a:bodyPr rtlCol="0" anchor="ctr"/>
+            <a:bodyPr wrap="square">
+              <a:spAutoFit/>
+            </a:bodyPr>
             <a:lstStyle/>
             <a:p>
-              <a:pPr algn="ctr"/>
-              <a:endParaRPr lang="zh-CN" altLang="en-US" sz="1350"/>
+              <a:pPr>
+                <a:lnSpc>
+                  <a:spcPct val="120000"/>
+                </a:lnSpc>
+                <a:buFont typeface="Arial" charset="0"/>
+                <a:buNone/>
+              </a:pPr>
+              <a:r>
+                <a:rPr lang="zh-CN" altLang="en-US" sz="2800" b="1" dirty="0">
+                  <a:solidFill>
+                    <a:srgbClr val="FF0000"/>
+                  </a:solidFill>
+                </a:rPr>
+                <a:t>顺序图</a:t>
+              </a:r>
+              <a:endParaRPr lang="en-US" altLang="zh-CN" sz="2800" b="1" dirty="0">
+                <a:solidFill>
+                  <a:srgbClr val="FF0000"/>
+                </a:solidFill>
+              </a:endParaRPr>
             </a:p>
-          </p:txBody>
-        </p:sp>
-        <p:sp>
-          <p:nvSpPr>
-            <p:cNvPr id="9" name="矩形 8">
-              <a:extLst>
-                <a:ext uri="{FF2B5EF4-FFF2-40B4-BE49-F238E27FC236}">
-                  <a16:creationId xmlns:a16="http://schemas.microsoft.com/office/drawing/2014/main" id="{AFE3F854-F55C-4CF5-87BD-02A44DF29B5C}"/>
-                </a:ext>
-              </a:extLst>
-            </p:cNvPr>
-            <p:cNvSpPr/>
-            <p:nvPr/>
-          </p:nvSpPr>
-          <p:spPr>
-            <a:xfrm>
-              <a:off x="1285643" y="1772435"/>
-              <a:ext cx="3525067" cy="338554"/>
-            </a:xfrm>
-            <a:prstGeom prst="rect">
-              <a:avLst/>
-            </a:prstGeom>
-            <a:solidFill>
-              <a:srgbClr val="183A5D"/>
-            </a:solidFill>
-            <a:ln>
-              <a:noFill/>
-            </a:ln>
-          </p:spPr>
-          <p:style>
-            <a:lnRef idx="2">
-              <a:schemeClr val="accent1">
-                <a:shade val="50000"/>
-              </a:schemeClr>
-            </a:lnRef>
-            <a:fillRef idx="1">
-              <a:schemeClr val="accent1"/>
-            </a:fillRef>
-            <a:effectRef idx="0">
-              <a:schemeClr val="accent1"/>
-            </a:effectRef>
-            <a:fontRef idx="minor">
-              <a:schemeClr val="lt1"/>
-            </a:fontRef>
-          </p:style>
-          <p:txBody>
-            <a:bodyPr rtlCol="0" anchor="ctr"/>
-            <a:lstStyle/>
             <a:p>
-              <a:pPr algn="ctr"/>
-              <a:endParaRPr lang="zh-CN" altLang="en-US" sz="1350"/>
+              <a:pPr>
+                <a:lnSpc>
+                  <a:spcPct val="120000"/>
+                </a:lnSpc>
+                <a:buFont typeface="Arial" charset="0"/>
+                <a:buNone/>
+              </a:pPr>
+              <a:r>
+                <a:rPr lang="zh-CN" altLang="en-US" sz="2000" dirty="0"/>
+                <a:t>是强调消息时间顺序的交互图，他描述了对象之间传送消息的时间顺序。</a:t>
+              </a:r>
+              <a:endParaRPr lang="en-US" altLang="zh-CN" sz="2000" dirty="0"/>
+            </a:p>
+            <a:p>
+              <a:pPr>
+                <a:lnSpc>
+                  <a:spcPct val="120000"/>
+                </a:lnSpc>
+                <a:buFont typeface="Arial" charset="0"/>
+                <a:buNone/>
+              </a:pPr>
+              <a:r>
+                <a:rPr lang="zh-CN" altLang="en-US" sz="2000" dirty="0"/>
+                <a:t>对用例进行时间上的细化分解</a:t>
+              </a:r>
+              <a:r>
+                <a:rPr lang="zh-CN" altLang="en-US" sz="2000" dirty="0" smtClean="0"/>
+                <a:t>。</a:t>
+              </a:r>
+              <a:endParaRPr lang="en-US" altLang="zh-CN" sz="2000" dirty="0" smtClean="0"/>
+            </a:p>
+            <a:p>
+              <a:pPr>
+                <a:lnSpc>
+                  <a:spcPct val="120000"/>
+                </a:lnSpc>
+                <a:buFont typeface="Arial" charset="0"/>
+                <a:buNone/>
+              </a:pPr>
+              <a:endParaRPr lang="en-US" altLang="zh-CN" sz="2000" dirty="0"/>
+            </a:p>
+            <a:p>
+              <a:pPr>
+                <a:lnSpc>
+                  <a:spcPct val="120000"/>
+                </a:lnSpc>
+              </a:pPr>
+              <a:r>
+                <a:rPr lang="zh-CN" altLang="en-US" sz="2800" b="1" dirty="0">
+                  <a:solidFill>
+                    <a:srgbClr val="FF0000"/>
+                  </a:solidFill>
+                </a:rPr>
+                <a:t>基本内容</a:t>
+              </a:r>
+              <a:endParaRPr lang="en-US" altLang="zh-CN" sz="2800" b="1" dirty="0">
+                <a:solidFill>
+                  <a:srgbClr val="FF0000"/>
+                </a:solidFill>
+              </a:endParaRPr>
+            </a:p>
+            <a:p>
+              <a:pPr>
+                <a:lnSpc>
+                  <a:spcPct val="120000"/>
+                </a:lnSpc>
+              </a:pPr>
+              <a:r>
+                <a:rPr lang="zh-CN" altLang="en-US" sz="2000" dirty="0"/>
+                <a:t>角色，对象，生命线，激活期，消息</a:t>
+              </a:r>
             </a:p>
           </p:txBody>
         </p:sp>
       </p:grpSp>
-      <p:sp>
-        <p:nvSpPr>
-          <p:cNvPr id="5" name="矩形 4"/>
-          <p:cNvSpPr/>
-          <p:nvPr/>
-        </p:nvSpPr>
-        <p:spPr>
-          <a:xfrm>
-            <a:off x="2207533" y="1917626"/>
-            <a:ext cx="6718820" cy="2973122"/>
-          </a:xfrm>
-          <a:prstGeom prst="rect">
-            <a:avLst/>
-          </a:prstGeom>
-        </p:spPr>
-        <p:txBody>
-          <a:bodyPr wrap="square">
-            <a:spAutoFit/>
-          </a:bodyPr>
-          <a:lstStyle/>
-          <a:p>
-            <a:pPr>
-              <a:lnSpc>
-                <a:spcPct val="120000"/>
-              </a:lnSpc>
-              <a:buFont typeface="Arial" charset="0"/>
-              <a:buNone/>
-            </a:pPr>
-            <a:r>
-              <a:rPr lang="zh-CN" altLang="en-US" sz="2800" b="1" dirty="0">
-                <a:solidFill>
-                  <a:srgbClr val="FF0000"/>
-                </a:solidFill>
-              </a:rPr>
-              <a:t>顺序图</a:t>
-            </a:r>
-            <a:endParaRPr lang="en-US" altLang="zh-CN" sz="2800" b="1" dirty="0">
-              <a:solidFill>
-                <a:srgbClr val="FF0000"/>
-              </a:solidFill>
-            </a:endParaRPr>
-          </a:p>
-          <a:p>
-            <a:pPr>
-              <a:lnSpc>
-                <a:spcPct val="120000"/>
-              </a:lnSpc>
-              <a:buFont typeface="Arial" charset="0"/>
-              <a:buNone/>
-            </a:pPr>
-            <a:r>
-              <a:rPr lang="zh-CN" altLang="en-US" sz="2000" dirty="0"/>
-              <a:t>是强调消息时间顺序的交互图，他描述了对象之间传送消息的时间顺序。</a:t>
-            </a:r>
-            <a:endParaRPr lang="en-US" altLang="zh-CN" sz="2000" dirty="0"/>
-          </a:p>
-          <a:p>
-            <a:pPr>
-              <a:lnSpc>
-                <a:spcPct val="120000"/>
-              </a:lnSpc>
-              <a:buFont typeface="Arial" charset="0"/>
-              <a:buNone/>
-            </a:pPr>
-            <a:r>
-              <a:rPr lang="zh-CN" altLang="en-US" sz="2000" dirty="0"/>
-              <a:t>对用例进行时间上的细化分解</a:t>
-            </a:r>
-            <a:r>
-              <a:rPr lang="zh-CN" altLang="en-US" sz="2000" dirty="0" smtClean="0"/>
-              <a:t>。</a:t>
-            </a:r>
-            <a:endParaRPr lang="en-US" altLang="zh-CN" sz="2000" dirty="0" smtClean="0"/>
-          </a:p>
-          <a:p>
-            <a:pPr>
-              <a:lnSpc>
-                <a:spcPct val="120000"/>
-              </a:lnSpc>
-              <a:buFont typeface="Arial" charset="0"/>
-              <a:buNone/>
-            </a:pPr>
-            <a:endParaRPr lang="en-US" altLang="zh-CN" sz="2000" dirty="0"/>
-          </a:p>
-          <a:p>
-            <a:pPr>
-              <a:lnSpc>
-                <a:spcPct val="120000"/>
-              </a:lnSpc>
-            </a:pPr>
-            <a:r>
-              <a:rPr lang="zh-CN" altLang="en-US" sz="2800" b="1" dirty="0">
-                <a:solidFill>
-                  <a:srgbClr val="FF0000"/>
-                </a:solidFill>
-              </a:rPr>
-              <a:t>基本内容</a:t>
-            </a:r>
-            <a:endParaRPr lang="en-US" altLang="zh-CN" sz="2800" b="1" dirty="0">
-              <a:solidFill>
-                <a:srgbClr val="FF0000"/>
-              </a:solidFill>
-            </a:endParaRPr>
-          </a:p>
-          <a:p>
-            <a:pPr>
-              <a:lnSpc>
-                <a:spcPct val="120000"/>
-              </a:lnSpc>
-            </a:pPr>
-            <a:r>
-              <a:rPr lang="zh-CN" altLang="en-US" sz="2000" dirty="0"/>
-              <a:t>角色，对象，生命线，激活期，消息</a:t>
-            </a:r>
-          </a:p>
-        </p:txBody>
-      </p:sp>
     </p:spTree>
     <p:extLst>
       <p:ext uri="{BB962C8B-B14F-4D97-AF65-F5344CB8AC3E}">
@@ -23033,83 +22628,7 @@
   <p:timing>
     <p:tnLst>
       <p:par>
-        <p:cTn id="1" dur="indefinite" restart="never" nodeType="tmRoot">
-          <p:childTnLst>
-            <p:seq concurrent="1" nextAc="seek">
-              <p:cTn id="2" dur="indefinite" nodeType="mainSeq">
-                <p:childTnLst>
-                  <p:par>
-                    <p:cTn id="3" fill="hold">
-                      <p:stCondLst>
-                        <p:cond delay="indefinite"/>
-                      </p:stCondLst>
-                      <p:childTnLst>
-                        <p:par>
-                          <p:cTn id="4" fill="hold">
-                            <p:stCondLst>
-                              <p:cond delay="0"/>
-                            </p:stCondLst>
-                            <p:childTnLst>
-                              <p:par>
-                                <p:cTn id="5" presetID="22" presetClass="entr" presetSubtype="1" fill="hold" nodeType="clickEffect">
-                                  <p:stCondLst>
-                                    <p:cond delay="0"/>
-                                  </p:stCondLst>
-                                  <p:childTnLst>
-                                    <p:set>
-                                      <p:cBhvr>
-                                        <p:cTn id="6" dur="1" fill="hold">
-                                          <p:stCondLst>
-                                            <p:cond delay="0"/>
-                                          </p:stCondLst>
-                                        </p:cTn>
-                                        <p:tgtEl>
-                                          <p:spTgt spid="7"/>
-                                        </p:tgtEl>
-                                        <p:attrNameLst>
-                                          <p:attrName>style.visibility</p:attrName>
-                                        </p:attrNameLst>
-                                      </p:cBhvr>
-                                      <p:to>
-                                        <p:strVal val="visible"/>
-                                      </p:to>
-                                    </p:set>
-                                    <p:animEffect transition="in" filter="wipe(up)">
-                                      <p:cBhvr>
-                                        <p:cTn id="7" dur="500"/>
-                                        <p:tgtEl>
-                                          <p:spTgt spid="7"/>
-                                        </p:tgtEl>
-                                      </p:cBhvr>
-                                    </p:animEffect>
-                                  </p:childTnLst>
-                                </p:cTn>
-                              </p:par>
-                            </p:childTnLst>
-                          </p:cTn>
-                        </p:par>
-                      </p:childTnLst>
-                    </p:cTn>
-                  </p:par>
-                </p:childTnLst>
-              </p:cTn>
-              <p:prevCondLst>
-                <p:cond evt="onPrev" delay="0">
-                  <p:tgtEl>
-                    <p:sldTgt/>
-                  </p:tgtEl>
-                </p:cond>
-              </p:prevCondLst>
-              <p:nextCondLst>
-                <p:cond evt="onNext" delay="0">
-                  <p:tgtEl>
-                    <p:sldTgt/>
-                  </p:tgtEl>
-                </p:cond>
-              </p:nextCondLst>
-            </p:seq>
-          </p:childTnLst>
-        </p:cTn>
+        <p:cTn id="1" dur="indefinite" restart="never" nodeType="tmRoot"/>
       </p:par>
     </p:tnLst>
   </p:timing>
@@ -24092,13 +23611,7 @@
       </p:sp>
       <p:grpSp>
         <p:nvGrpSpPr>
-          <p:cNvPr id="9" name="组合 8">
-            <a:extLst>
-              <a:ext uri="{FF2B5EF4-FFF2-40B4-BE49-F238E27FC236}">
-                <a16:creationId xmlns:a16="http://schemas.microsoft.com/office/drawing/2014/main" id="{0C70ED1C-30EF-4B3F-8CE4-0E8BEF2BEBCF}"/>
-              </a:ext>
-            </a:extLst>
-          </p:cNvPr>
+          <p:cNvPr id="6" name="组合 5"/>
           <p:cNvGrpSpPr/>
           <p:nvPr/>
         </p:nvGrpSpPr>
@@ -24106,226 +23619,247 @@
           <a:xfrm>
             <a:off x="2062758" y="1269554"/>
             <a:ext cx="7776864" cy="4896544"/>
-            <a:chOff x="1285643" y="1772435"/>
-            <a:chExt cx="7135479" cy="3572664"/>
+            <a:chOff x="2062758" y="1269554"/>
+            <a:chExt cx="7776864" cy="4896544"/>
           </a:xfrm>
         </p:grpSpPr>
-        <p:sp>
-          <p:nvSpPr>
-            <p:cNvPr id="10" name="矩形 9">
+        <p:grpSp>
+          <p:nvGrpSpPr>
+            <p:cNvPr id="9" name="组合 8">
               <a:extLst>
                 <a:ext uri="{FF2B5EF4-FFF2-40B4-BE49-F238E27FC236}">
-                  <a16:creationId xmlns:a16="http://schemas.microsoft.com/office/drawing/2014/main" id="{8CE48814-7E1F-4B07-9E0F-7D1566C5A1BD}"/>
+                  <a16:creationId xmlns:a16="http://schemas.microsoft.com/office/drawing/2014/main" id="{0C70ED1C-30EF-4B3F-8CE4-0E8BEF2BEBCF}"/>
                 </a:ext>
               </a:extLst>
             </p:cNvPr>
+            <p:cNvGrpSpPr/>
+            <p:nvPr/>
+          </p:nvGrpSpPr>
+          <p:grpSpPr>
+            <a:xfrm>
+              <a:off x="2062758" y="1269554"/>
+              <a:ext cx="7776864" cy="4896544"/>
+              <a:chOff x="1285643" y="1772435"/>
+              <a:chExt cx="7135479" cy="3572664"/>
+            </a:xfrm>
+          </p:grpSpPr>
+          <p:sp>
+            <p:nvSpPr>
+              <p:cNvPr id="10" name="矩形 9">
+                <a:extLst>
+                  <a:ext uri="{FF2B5EF4-FFF2-40B4-BE49-F238E27FC236}">
+                    <a16:creationId xmlns:a16="http://schemas.microsoft.com/office/drawing/2014/main" id="{8CE48814-7E1F-4B07-9E0F-7D1566C5A1BD}"/>
+                  </a:ext>
+                </a:extLst>
+              </p:cNvPr>
+              <p:cNvSpPr/>
+              <p:nvPr/>
+            </p:nvSpPr>
+            <p:spPr>
+              <a:xfrm>
+                <a:off x="1285644" y="2104682"/>
+                <a:ext cx="7135478" cy="3240417"/>
+              </a:xfrm>
+              <a:prstGeom prst="rect">
+                <a:avLst/>
+              </a:prstGeom>
+              <a:noFill/>
+              <a:ln w="12700">
+                <a:solidFill>
+                  <a:srgbClr val="346182"/>
+                </a:solidFill>
+              </a:ln>
+            </p:spPr>
+            <p:style>
+              <a:lnRef idx="2">
+                <a:schemeClr val="accent1">
+                  <a:shade val="50000"/>
+                </a:schemeClr>
+              </a:lnRef>
+              <a:fillRef idx="1">
+                <a:schemeClr val="accent1"/>
+              </a:fillRef>
+              <a:effectRef idx="0">
+                <a:schemeClr val="accent1"/>
+              </a:effectRef>
+              <a:fontRef idx="minor">
+                <a:schemeClr val="lt1"/>
+              </a:fontRef>
+            </p:style>
+            <p:txBody>
+              <a:bodyPr rtlCol="0" anchor="ctr"/>
+              <a:lstStyle/>
+              <a:p>
+                <a:pPr algn="ctr"/>
+                <a:endParaRPr lang="zh-CN" altLang="en-US" sz="1350"/>
+              </a:p>
+            </p:txBody>
+          </p:sp>
+          <p:sp>
+            <p:nvSpPr>
+              <p:cNvPr id="11" name="矩形 10">
+                <a:extLst>
+                  <a:ext uri="{FF2B5EF4-FFF2-40B4-BE49-F238E27FC236}">
+                    <a16:creationId xmlns:a16="http://schemas.microsoft.com/office/drawing/2014/main" id="{AFE3F854-F55C-4CF5-87BD-02A44DF29B5C}"/>
+                  </a:ext>
+                </a:extLst>
+              </p:cNvPr>
+              <p:cNvSpPr/>
+              <p:nvPr/>
+            </p:nvSpPr>
+            <p:spPr>
+              <a:xfrm>
+                <a:off x="1285643" y="1772435"/>
+                <a:ext cx="3525067" cy="338554"/>
+              </a:xfrm>
+              <a:prstGeom prst="rect">
+                <a:avLst/>
+              </a:prstGeom>
+              <a:solidFill>
+                <a:srgbClr val="183A5D"/>
+              </a:solidFill>
+              <a:ln>
+                <a:noFill/>
+              </a:ln>
+            </p:spPr>
+            <p:style>
+              <a:lnRef idx="2">
+                <a:schemeClr val="accent1">
+                  <a:shade val="50000"/>
+                </a:schemeClr>
+              </a:lnRef>
+              <a:fillRef idx="1">
+                <a:schemeClr val="accent1"/>
+              </a:fillRef>
+              <a:effectRef idx="0">
+                <a:schemeClr val="accent1"/>
+              </a:effectRef>
+              <a:fontRef idx="minor">
+                <a:schemeClr val="lt1"/>
+              </a:fontRef>
+            </p:style>
+            <p:txBody>
+              <a:bodyPr rtlCol="0" anchor="ctr"/>
+              <a:lstStyle/>
+              <a:p>
+                <a:pPr algn="ctr"/>
+                <a:endParaRPr lang="zh-CN" altLang="en-US" sz="1350"/>
+              </a:p>
+            </p:txBody>
+          </p:sp>
+        </p:grpSp>
+        <p:sp>
+          <p:nvSpPr>
+            <p:cNvPr id="5" name="矩形 4"/>
             <p:cNvSpPr/>
             <p:nvPr/>
           </p:nvSpPr>
           <p:spPr>
             <a:xfrm>
-              <a:off x="1285644" y="2104682"/>
-              <a:ext cx="7135478" cy="3240417"/>
+              <a:off x="2165961" y="1989634"/>
+              <a:ext cx="6092825" cy="2825389"/>
             </a:xfrm>
             <a:prstGeom prst="rect">
               <a:avLst/>
             </a:prstGeom>
-            <a:noFill/>
-            <a:ln w="12700">
-              <a:solidFill>
-                <a:srgbClr val="346182"/>
-              </a:solidFill>
-            </a:ln>
           </p:spPr>
-          <p:style>
-            <a:lnRef idx="2">
-              <a:schemeClr val="accent1">
-                <a:shade val="50000"/>
-              </a:schemeClr>
-            </a:lnRef>
-            <a:fillRef idx="1">
-              <a:schemeClr val="accent1"/>
-            </a:fillRef>
-            <a:effectRef idx="0">
-              <a:schemeClr val="accent1"/>
-            </a:effectRef>
-            <a:fontRef idx="minor">
-              <a:schemeClr val="lt1"/>
-            </a:fontRef>
-          </p:style>
           <p:txBody>
-            <a:bodyPr rtlCol="0" anchor="ctr"/>
+            <a:bodyPr>
+              <a:spAutoFit/>
+            </a:bodyPr>
             <a:lstStyle/>
             <a:p>
-              <a:pPr algn="ctr"/>
-              <a:endParaRPr lang="zh-CN" altLang="en-US" sz="1350"/>
+              <a:pPr>
+                <a:lnSpc>
+                  <a:spcPct val="120000"/>
+                </a:lnSpc>
+                <a:buFont typeface="Arial" charset="0"/>
+                <a:buNone/>
+              </a:pPr>
+              <a:r>
+                <a:rPr lang="zh-CN" altLang="en-US" sz="2400" b="1" dirty="0">
+                  <a:solidFill>
+                    <a:srgbClr val="FF0000"/>
+                  </a:solidFill>
+                </a:rPr>
+                <a:t>通信图</a:t>
+              </a:r>
+              <a:endParaRPr lang="zh-CN" altLang="en-US" sz="1800" b="1" dirty="0">
+                <a:solidFill>
+                  <a:srgbClr val="FF0000"/>
+                </a:solidFill>
+              </a:endParaRPr>
             </a:p>
-          </p:txBody>
-        </p:sp>
-        <p:sp>
-          <p:nvSpPr>
-            <p:cNvPr id="11" name="矩形 10">
-              <a:extLst>
-                <a:ext uri="{FF2B5EF4-FFF2-40B4-BE49-F238E27FC236}">
-                  <a16:creationId xmlns:a16="http://schemas.microsoft.com/office/drawing/2014/main" id="{AFE3F854-F55C-4CF5-87BD-02A44DF29B5C}"/>
-                </a:ext>
-              </a:extLst>
-            </p:cNvPr>
-            <p:cNvSpPr/>
-            <p:nvPr/>
-          </p:nvSpPr>
-          <p:spPr>
-            <a:xfrm>
-              <a:off x="1285643" y="1772435"/>
-              <a:ext cx="3525067" cy="338554"/>
-            </a:xfrm>
-            <a:prstGeom prst="rect">
-              <a:avLst/>
-            </a:prstGeom>
-            <a:solidFill>
-              <a:srgbClr val="183A5D"/>
-            </a:solidFill>
-            <a:ln>
-              <a:noFill/>
-            </a:ln>
-          </p:spPr>
-          <p:style>
-            <a:lnRef idx="2">
-              <a:schemeClr val="accent1">
-                <a:shade val="50000"/>
-              </a:schemeClr>
-            </a:lnRef>
-            <a:fillRef idx="1">
-              <a:schemeClr val="accent1"/>
-            </a:fillRef>
-            <a:effectRef idx="0">
-              <a:schemeClr val="accent1"/>
-            </a:effectRef>
-            <a:fontRef idx="minor">
-              <a:schemeClr val="lt1"/>
-            </a:fontRef>
-          </p:style>
-          <p:txBody>
-            <a:bodyPr rtlCol="0" anchor="ctr"/>
-            <a:lstStyle/>
             <a:p>
-              <a:pPr algn="ctr"/>
-              <a:endParaRPr lang="zh-CN" altLang="en-US" sz="1350"/>
+              <a:pPr>
+                <a:lnSpc>
+                  <a:spcPct val="120000"/>
+                </a:lnSpc>
+                <a:buFont typeface="Arial" charset="0"/>
+                <a:buNone/>
+              </a:pPr>
+              <a:r>
+                <a:rPr lang="zh-CN" altLang="en-US" sz="2000" dirty="0"/>
+                <a:t>（也叫合作图，</a:t>
+              </a:r>
+              <a:r>
+                <a:rPr lang="en-US" altLang="zh-CN" sz="2000" dirty="0"/>
+                <a:t>UML2.0</a:t>
+              </a:r>
+              <a:r>
+                <a:rPr lang="zh-CN" altLang="en-US" sz="2000" dirty="0"/>
+                <a:t>之后不再用协作图的说法）是一种交互图，强调发送和接收消息的对象之间的组织结构</a:t>
+              </a:r>
+              <a:r>
+                <a:rPr lang="zh-CN" altLang="en-US" sz="2000" dirty="0" smtClean="0"/>
+                <a:t>。</a:t>
+              </a:r>
+              <a:endParaRPr lang="en-US" altLang="zh-CN" sz="2000" dirty="0" smtClean="0"/>
+            </a:p>
+            <a:p>
+              <a:pPr>
+                <a:lnSpc>
+                  <a:spcPct val="120000"/>
+                </a:lnSpc>
+                <a:buFont typeface="Arial" charset="0"/>
+                <a:buNone/>
+              </a:pPr>
+              <a:endParaRPr lang="en-US" altLang="zh-CN" sz="2000" dirty="0"/>
+            </a:p>
+            <a:p>
+              <a:pPr>
+                <a:lnSpc>
+                  <a:spcPct val="120000"/>
+                </a:lnSpc>
+              </a:pPr>
+              <a:r>
+                <a:rPr lang="zh-CN" altLang="en-US" sz="2400" b="1" dirty="0">
+                  <a:solidFill>
+                    <a:srgbClr val="FF0000"/>
+                  </a:solidFill>
+                </a:rPr>
+                <a:t>通信图的基本内容</a:t>
+              </a:r>
+              <a:endParaRPr lang="en-US" altLang="zh-CN" sz="2400" b="1" dirty="0">
+                <a:solidFill>
+                  <a:srgbClr val="FF0000"/>
+                </a:solidFill>
+              </a:endParaRPr>
+            </a:p>
+            <a:p>
+              <a:pPr>
+                <a:lnSpc>
+                  <a:spcPct val="120000"/>
+                </a:lnSpc>
+              </a:pPr>
+              <a:r>
+                <a:rPr lang="zh-CN" altLang="en-US" sz="2000" dirty="0"/>
+                <a:t>活动者，对象，链接，消息</a:t>
+              </a:r>
             </a:p>
           </p:txBody>
         </p:sp>
       </p:grpSp>
-      <p:sp>
-        <p:nvSpPr>
-          <p:cNvPr id="5" name="矩形 4"/>
-          <p:cNvSpPr/>
-          <p:nvPr/>
-        </p:nvSpPr>
-        <p:spPr>
-          <a:xfrm>
-            <a:off x="2165961" y="1989634"/>
-            <a:ext cx="6092825" cy="2825389"/>
-          </a:xfrm>
-          <a:prstGeom prst="rect">
-            <a:avLst/>
-          </a:prstGeom>
-        </p:spPr>
-        <p:txBody>
-          <a:bodyPr>
-            <a:spAutoFit/>
-          </a:bodyPr>
-          <a:lstStyle/>
-          <a:p>
-            <a:pPr>
-              <a:lnSpc>
-                <a:spcPct val="120000"/>
-              </a:lnSpc>
-              <a:buFont typeface="Arial" charset="0"/>
-              <a:buNone/>
-            </a:pPr>
-            <a:r>
-              <a:rPr lang="zh-CN" altLang="en-US" sz="2400" b="1" dirty="0">
-                <a:solidFill>
-                  <a:srgbClr val="FF0000"/>
-                </a:solidFill>
-              </a:rPr>
-              <a:t>通信图</a:t>
-            </a:r>
-            <a:endParaRPr lang="zh-CN" altLang="en-US" sz="1800" b="1" dirty="0">
-              <a:solidFill>
-                <a:srgbClr val="FF0000"/>
-              </a:solidFill>
-            </a:endParaRPr>
-          </a:p>
-          <a:p>
-            <a:pPr>
-              <a:lnSpc>
-                <a:spcPct val="120000"/>
-              </a:lnSpc>
-              <a:buFont typeface="Arial" charset="0"/>
-              <a:buNone/>
-            </a:pPr>
-            <a:r>
-              <a:rPr lang="zh-CN" altLang="en-US" sz="2000" dirty="0"/>
-              <a:t>（也叫合作图，</a:t>
-            </a:r>
-            <a:r>
-              <a:rPr lang="en-US" altLang="zh-CN" sz="2000" dirty="0"/>
-              <a:t>UML2.0</a:t>
-            </a:r>
-            <a:r>
-              <a:rPr lang="zh-CN" altLang="en-US" sz="2000" dirty="0"/>
-              <a:t>之后不再用协作图的说法）是一种交互图，强调发送和接收消息的对象之间的组织结构</a:t>
-            </a:r>
-            <a:r>
-              <a:rPr lang="zh-CN" altLang="en-US" sz="2000" dirty="0" smtClean="0"/>
-              <a:t>。</a:t>
-            </a:r>
-            <a:endParaRPr lang="en-US" altLang="zh-CN" sz="2000" dirty="0" smtClean="0"/>
-          </a:p>
-          <a:p>
-            <a:pPr>
-              <a:lnSpc>
-                <a:spcPct val="120000"/>
-              </a:lnSpc>
-              <a:buFont typeface="Arial" charset="0"/>
-              <a:buNone/>
-            </a:pPr>
-            <a:endParaRPr lang="en-US" altLang="zh-CN" sz="2000" dirty="0"/>
-          </a:p>
-          <a:p>
-            <a:pPr>
-              <a:lnSpc>
-                <a:spcPct val="120000"/>
-              </a:lnSpc>
-            </a:pPr>
-            <a:r>
-              <a:rPr lang="zh-CN" altLang="en-US" sz="2400" b="1" dirty="0">
-                <a:solidFill>
-                  <a:srgbClr val="FF0000"/>
-                </a:solidFill>
-              </a:rPr>
-              <a:t>通信图的基本内容</a:t>
-            </a:r>
-            <a:endParaRPr lang="en-US" altLang="zh-CN" sz="2400" b="1" dirty="0">
-              <a:solidFill>
-                <a:srgbClr val="FF0000"/>
-              </a:solidFill>
-            </a:endParaRPr>
-          </a:p>
-          <a:p>
-            <a:pPr>
-              <a:lnSpc>
-                <a:spcPct val="120000"/>
-              </a:lnSpc>
-            </a:pPr>
-            <a:r>
-              <a:rPr lang="zh-CN" altLang="en-US" sz="2000" dirty="0"/>
-              <a:t>活动者，对象，链接，消息</a:t>
-            </a:r>
-          </a:p>
-        </p:txBody>
-      </p:sp>
     </p:spTree>
     <p:extLst>
       <p:ext uri="{BB962C8B-B14F-4D97-AF65-F5344CB8AC3E}">
@@ -24342,83 +23876,7 @@
   <p:timing>
     <p:tnLst>
       <p:par>
-        <p:cTn id="1" dur="indefinite" restart="never" nodeType="tmRoot">
-          <p:childTnLst>
-            <p:seq concurrent="1" nextAc="seek">
-              <p:cTn id="2" dur="indefinite" nodeType="mainSeq">
-                <p:childTnLst>
-                  <p:par>
-                    <p:cTn id="3" fill="hold">
-                      <p:stCondLst>
-                        <p:cond delay="indefinite"/>
-                      </p:stCondLst>
-                      <p:childTnLst>
-                        <p:par>
-                          <p:cTn id="4" fill="hold">
-                            <p:stCondLst>
-                              <p:cond delay="0"/>
-                            </p:stCondLst>
-                            <p:childTnLst>
-                              <p:par>
-                                <p:cTn id="5" presetID="22" presetClass="entr" presetSubtype="1" fill="hold" nodeType="clickEffect">
-                                  <p:stCondLst>
-                                    <p:cond delay="0"/>
-                                  </p:stCondLst>
-                                  <p:childTnLst>
-                                    <p:set>
-                                      <p:cBhvr>
-                                        <p:cTn id="6" dur="1" fill="hold">
-                                          <p:stCondLst>
-                                            <p:cond delay="0"/>
-                                          </p:stCondLst>
-                                        </p:cTn>
-                                        <p:tgtEl>
-                                          <p:spTgt spid="9"/>
-                                        </p:tgtEl>
-                                        <p:attrNameLst>
-                                          <p:attrName>style.visibility</p:attrName>
-                                        </p:attrNameLst>
-                                      </p:cBhvr>
-                                      <p:to>
-                                        <p:strVal val="visible"/>
-                                      </p:to>
-                                    </p:set>
-                                    <p:animEffect transition="in" filter="wipe(up)">
-                                      <p:cBhvr>
-                                        <p:cTn id="7" dur="500"/>
-                                        <p:tgtEl>
-                                          <p:spTgt spid="9"/>
-                                        </p:tgtEl>
-                                      </p:cBhvr>
-                                    </p:animEffect>
-                                  </p:childTnLst>
-                                </p:cTn>
-                              </p:par>
-                            </p:childTnLst>
-                          </p:cTn>
-                        </p:par>
-                      </p:childTnLst>
-                    </p:cTn>
-                  </p:par>
-                </p:childTnLst>
-              </p:cTn>
-              <p:prevCondLst>
-                <p:cond evt="onPrev" delay="0">
-                  <p:tgtEl>
-                    <p:sldTgt/>
-                  </p:tgtEl>
-                </p:cond>
-              </p:prevCondLst>
-              <p:nextCondLst>
-                <p:cond evt="onNext" delay="0">
-                  <p:tgtEl>
-                    <p:sldTgt/>
-                  </p:tgtEl>
-                </p:cond>
-              </p:nextCondLst>
-            </p:seq>
-          </p:childTnLst>
-        </p:cTn>
+        <p:cTn id="1" dur="indefinite" restart="never" nodeType="tmRoot"/>
       </p:par>
     </p:tnLst>
   </p:timing>
@@ -24816,146 +24274,9 @@
           </a:p>
         </p:txBody>
       </p:sp>
-      <p:sp>
-        <p:nvSpPr>
-          <p:cNvPr id="6" name="矩形 5"/>
-          <p:cNvSpPr/>
-          <p:nvPr/>
-        </p:nvSpPr>
-        <p:spPr>
-          <a:xfrm>
-            <a:off x="2350790" y="1989634"/>
-            <a:ext cx="6092825" cy="3194721"/>
-          </a:xfrm>
-          <a:prstGeom prst="rect">
-            <a:avLst/>
-          </a:prstGeom>
-        </p:spPr>
-        <p:txBody>
-          <a:bodyPr>
-            <a:spAutoFit/>
-          </a:bodyPr>
-          <a:lstStyle/>
-          <a:p>
-            <a:pPr>
-              <a:lnSpc>
-                <a:spcPct val="120000"/>
-              </a:lnSpc>
-              <a:buFont typeface="Arial" charset="0"/>
-              <a:buNone/>
-            </a:pPr>
-            <a:r>
-              <a:rPr lang="zh-CN" altLang="en-US" sz="2400" b="1" dirty="0">
-                <a:solidFill>
-                  <a:srgbClr val="FF0000"/>
-                </a:solidFill>
-              </a:rPr>
-              <a:t>状态机图</a:t>
-            </a:r>
-            <a:endParaRPr lang="en-US" altLang="zh-CN" sz="2400" b="1" dirty="0">
-              <a:solidFill>
-                <a:srgbClr val="FF0000"/>
-              </a:solidFill>
-            </a:endParaRPr>
-          </a:p>
-          <a:p>
-            <a:pPr>
-              <a:lnSpc>
-                <a:spcPct val="120000"/>
-              </a:lnSpc>
-              <a:buFont typeface="Arial" charset="0"/>
-              <a:buNone/>
-            </a:pPr>
-            <a:r>
-              <a:rPr lang="zh-CN" altLang="en-US" sz="2000" dirty="0"/>
-              <a:t>通过建立类对象的生存周期模型来描述对象随时间变化的动态行为。指在对象的生命周期中满足某些条件，执行某些活动或等待某些事件时的一个条件或状况</a:t>
-            </a:r>
-            <a:r>
-              <a:rPr lang="zh-CN" altLang="en-US" sz="2000" dirty="0" smtClean="0"/>
-              <a:t>。</a:t>
-            </a:r>
-            <a:endParaRPr lang="en-US" altLang="zh-CN" sz="2000" dirty="0" smtClean="0"/>
-          </a:p>
-          <a:p>
-            <a:pPr>
-              <a:lnSpc>
-                <a:spcPct val="120000"/>
-              </a:lnSpc>
-              <a:buFont typeface="Arial" charset="0"/>
-              <a:buNone/>
-            </a:pPr>
-            <a:endParaRPr lang="en-US" altLang="zh-CN" sz="2000" dirty="0"/>
-          </a:p>
-          <a:p>
-            <a:pPr>
-              <a:lnSpc>
-                <a:spcPct val="120000"/>
-              </a:lnSpc>
-            </a:pPr>
-            <a:r>
-              <a:rPr lang="zh-CN" altLang="en-US" sz="2400" b="1" dirty="0">
-                <a:solidFill>
-                  <a:srgbClr val="FF0000"/>
-                </a:solidFill>
-              </a:rPr>
-              <a:t>状态机</a:t>
-            </a:r>
-            <a:r>
-              <a:rPr lang="zh-CN" altLang="en-US" sz="2400" b="1" dirty="0" smtClean="0">
-                <a:solidFill>
-                  <a:srgbClr val="FF0000"/>
-                </a:solidFill>
-              </a:rPr>
-              <a:t>图的</a:t>
-            </a:r>
-            <a:r>
-              <a:rPr lang="zh-CN" altLang="en-US" sz="2400" b="1" dirty="0">
-                <a:solidFill>
-                  <a:srgbClr val="FF0000"/>
-                </a:solidFill>
-              </a:rPr>
-              <a:t>基本元素</a:t>
-            </a:r>
-            <a:endParaRPr lang="en-US" altLang="zh-CN" sz="2400" b="1" dirty="0">
-              <a:solidFill>
-                <a:srgbClr val="FF0000"/>
-              </a:solidFill>
-            </a:endParaRPr>
-          </a:p>
-          <a:p>
-            <a:pPr>
-              <a:lnSpc>
-                <a:spcPct val="120000"/>
-              </a:lnSpc>
-            </a:pPr>
-            <a:r>
-              <a:rPr lang="zh-CN" altLang="en-US" sz="2000" dirty="0"/>
-              <a:t>状态（定义在生命周期的条件状况）</a:t>
-            </a:r>
-            <a:endParaRPr lang="en-US" altLang="zh-CN" sz="2000" dirty="0"/>
-          </a:p>
-          <a:p>
-            <a:pPr>
-              <a:lnSpc>
-                <a:spcPct val="120000"/>
-              </a:lnSpc>
-            </a:pPr>
-            <a:r>
-              <a:rPr lang="zh-CN" altLang="en-US" sz="2000" dirty="0"/>
-              <a:t>转换（状态之间的转移）</a:t>
-            </a:r>
-          </a:p>
-        </p:txBody>
-      </p:sp>
       <p:grpSp>
         <p:nvGrpSpPr>
-          <p:cNvPr id="8" name="组合 7">
-            <a:extLst>
-              <a:ext uri="{FF2B5EF4-FFF2-40B4-BE49-F238E27FC236}">
-                <a16:creationId xmlns:a16="http://schemas.microsoft.com/office/drawing/2014/main" id="{0C70ED1C-30EF-4B3F-8CE4-0E8BEF2BEBCF}"/>
-              </a:ext>
-            </a:extLst>
-          </p:cNvPr>
+          <p:cNvPr id="5" name="组合 4"/>
           <p:cNvGrpSpPr/>
           <p:nvPr/>
         </p:nvGrpSpPr>
@@ -24963,114 +24284,266 @@
           <a:xfrm>
             <a:off x="2205980" y="1341562"/>
             <a:ext cx="7776864" cy="4896544"/>
-            <a:chOff x="1285643" y="1772435"/>
-            <a:chExt cx="7135479" cy="3572664"/>
+            <a:chOff x="2205980" y="1341562"/>
+            <a:chExt cx="7776864" cy="4896544"/>
           </a:xfrm>
         </p:grpSpPr>
         <p:sp>
           <p:nvSpPr>
-            <p:cNvPr id="9" name="矩形 8">
-              <a:extLst>
-                <a:ext uri="{FF2B5EF4-FFF2-40B4-BE49-F238E27FC236}">
-                  <a16:creationId xmlns:a16="http://schemas.microsoft.com/office/drawing/2014/main" id="{8CE48814-7E1F-4B07-9E0F-7D1566C5A1BD}"/>
-                </a:ext>
-              </a:extLst>
-            </p:cNvPr>
+            <p:cNvPr id="6" name="矩形 5"/>
             <p:cNvSpPr/>
             <p:nvPr/>
           </p:nvSpPr>
           <p:spPr>
             <a:xfrm>
-              <a:off x="1285644" y="2104682"/>
-              <a:ext cx="7135478" cy="3240417"/>
+              <a:off x="2350790" y="1989634"/>
+              <a:ext cx="6092825" cy="3194721"/>
             </a:xfrm>
             <a:prstGeom prst="rect">
               <a:avLst/>
             </a:prstGeom>
-            <a:noFill/>
-            <a:ln w="12700">
-              <a:solidFill>
-                <a:srgbClr val="346182"/>
-              </a:solidFill>
-            </a:ln>
           </p:spPr>
-          <p:style>
-            <a:lnRef idx="2">
-              <a:schemeClr val="accent1">
-                <a:shade val="50000"/>
-              </a:schemeClr>
-            </a:lnRef>
-            <a:fillRef idx="1">
-              <a:schemeClr val="accent1"/>
-            </a:fillRef>
-            <a:effectRef idx="0">
-              <a:schemeClr val="accent1"/>
-            </a:effectRef>
-            <a:fontRef idx="minor">
-              <a:schemeClr val="lt1"/>
-            </a:fontRef>
-          </p:style>
           <p:txBody>
-            <a:bodyPr rtlCol="0" anchor="ctr"/>
+            <a:bodyPr>
+              <a:spAutoFit/>
+            </a:bodyPr>
             <a:lstStyle/>
             <a:p>
-              <a:pPr algn="ctr"/>
-              <a:endParaRPr lang="zh-CN" altLang="en-US" sz="1350"/>
+              <a:pPr>
+                <a:lnSpc>
+                  <a:spcPct val="120000"/>
+                </a:lnSpc>
+                <a:buFont typeface="Arial" charset="0"/>
+                <a:buNone/>
+              </a:pPr>
+              <a:r>
+                <a:rPr lang="zh-CN" altLang="en-US" sz="2400" b="1" dirty="0">
+                  <a:solidFill>
+                    <a:srgbClr val="FF0000"/>
+                  </a:solidFill>
+                </a:rPr>
+                <a:t>状态机图</a:t>
+              </a:r>
+              <a:endParaRPr lang="en-US" altLang="zh-CN" sz="2400" b="1" dirty="0">
+                <a:solidFill>
+                  <a:srgbClr val="FF0000"/>
+                </a:solidFill>
+              </a:endParaRPr>
+            </a:p>
+            <a:p>
+              <a:pPr>
+                <a:lnSpc>
+                  <a:spcPct val="120000"/>
+                </a:lnSpc>
+                <a:buFont typeface="Arial" charset="0"/>
+                <a:buNone/>
+              </a:pPr>
+              <a:r>
+                <a:rPr lang="zh-CN" altLang="en-US" sz="2000" dirty="0"/>
+                <a:t>通过建立类对象的生存周期模型来描述对象随时间变化的动态行为。指在对象的生命周期中满足某些条件，执行某些活动或等待某些事件时的一个条件或状况</a:t>
+              </a:r>
+              <a:r>
+                <a:rPr lang="zh-CN" altLang="en-US" sz="2000" dirty="0" smtClean="0"/>
+                <a:t>。</a:t>
+              </a:r>
+              <a:endParaRPr lang="en-US" altLang="zh-CN" sz="2000" dirty="0" smtClean="0"/>
+            </a:p>
+            <a:p>
+              <a:pPr>
+                <a:lnSpc>
+                  <a:spcPct val="120000"/>
+                </a:lnSpc>
+                <a:buFont typeface="Arial" charset="0"/>
+                <a:buNone/>
+              </a:pPr>
+              <a:endParaRPr lang="en-US" altLang="zh-CN" sz="2000" dirty="0"/>
+            </a:p>
+            <a:p>
+              <a:pPr>
+                <a:lnSpc>
+                  <a:spcPct val="120000"/>
+                </a:lnSpc>
+              </a:pPr>
+              <a:r>
+                <a:rPr lang="zh-CN" altLang="en-US" sz="2400" b="1" dirty="0">
+                  <a:solidFill>
+                    <a:srgbClr val="FF0000"/>
+                  </a:solidFill>
+                </a:rPr>
+                <a:t>状态机</a:t>
+              </a:r>
+              <a:r>
+                <a:rPr lang="zh-CN" altLang="en-US" sz="2400" b="1" dirty="0" smtClean="0">
+                  <a:solidFill>
+                    <a:srgbClr val="FF0000"/>
+                  </a:solidFill>
+                </a:rPr>
+                <a:t>图的</a:t>
+              </a:r>
+              <a:r>
+                <a:rPr lang="zh-CN" altLang="en-US" sz="2400" b="1" dirty="0">
+                  <a:solidFill>
+                    <a:srgbClr val="FF0000"/>
+                  </a:solidFill>
+                </a:rPr>
+                <a:t>基本元素</a:t>
+              </a:r>
+              <a:endParaRPr lang="en-US" altLang="zh-CN" sz="2400" b="1" dirty="0">
+                <a:solidFill>
+                  <a:srgbClr val="FF0000"/>
+                </a:solidFill>
+              </a:endParaRPr>
+            </a:p>
+            <a:p>
+              <a:pPr>
+                <a:lnSpc>
+                  <a:spcPct val="120000"/>
+                </a:lnSpc>
+              </a:pPr>
+              <a:r>
+                <a:rPr lang="zh-CN" altLang="en-US" sz="2000" dirty="0"/>
+                <a:t>状态（定义在生命周期的条件状况）</a:t>
+              </a:r>
+              <a:endParaRPr lang="en-US" altLang="zh-CN" sz="2000" dirty="0"/>
+            </a:p>
+            <a:p>
+              <a:pPr>
+                <a:lnSpc>
+                  <a:spcPct val="120000"/>
+                </a:lnSpc>
+              </a:pPr>
+              <a:r>
+                <a:rPr lang="zh-CN" altLang="en-US" sz="2000" dirty="0"/>
+                <a:t>转换（状态之间的转移）</a:t>
+              </a:r>
             </a:p>
           </p:txBody>
         </p:sp>
-        <p:sp>
-          <p:nvSpPr>
-            <p:cNvPr id="10" name="矩形 9">
+        <p:grpSp>
+          <p:nvGrpSpPr>
+            <p:cNvPr id="8" name="组合 7">
               <a:extLst>
                 <a:ext uri="{FF2B5EF4-FFF2-40B4-BE49-F238E27FC236}">
-                  <a16:creationId xmlns:a16="http://schemas.microsoft.com/office/drawing/2014/main" id="{AFE3F854-F55C-4CF5-87BD-02A44DF29B5C}"/>
+                  <a16:creationId xmlns:a16="http://schemas.microsoft.com/office/drawing/2014/main" id="{0C70ED1C-30EF-4B3F-8CE4-0E8BEF2BEBCF}"/>
                 </a:ext>
               </a:extLst>
             </p:cNvPr>
-            <p:cNvSpPr/>
+            <p:cNvGrpSpPr/>
             <p:nvPr/>
-          </p:nvSpPr>
-          <p:spPr>
+          </p:nvGrpSpPr>
+          <p:grpSpPr>
             <a:xfrm>
-              <a:off x="1285643" y="1772435"/>
-              <a:ext cx="3525067" cy="338554"/>
+              <a:off x="2205980" y="1341562"/>
+              <a:ext cx="7776864" cy="4896544"/>
+              <a:chOff x="1285643" y="1772435"/>
+              <a:chExt cx="7135479" cy="3572664"/>
             </a:xfrm>
-            <a:prstGeom prst="rect">
-              <a:avLst/>
-            </a:prstGeom>
-            <a:solidFill>
-              <a:srgbClr val="183A5D"/>
-            </a:solidFill>
-            <a:ln>
+          </p:grpSpPr>
+          <p:sp>
+            <p:nvSpPr>
+              <p:cNvPr id="9" name="矩形 8">
+                <a:extLst>
+                  <a:ext uri="{FF2B5EF4-FFF2-40B4-BE49-F238E27FC236}">
+                    <a16:creationId xmlns:a16="http://schemas.microsoft.com/office/drawing/2014/main" id="{8CE48814-7E1F-4B07-9E0F-7D1566C5A1BD}"/>
+                  </a:ext>
+                </a:extLst>
+              </p:cNvPr>
+              <p:cNvSpPr/>
+              <p:nvPr/>
+            </p:nvSpPr>
+            <p:spPr>
+              <a:xfrm>
+                <a:off x="1285644" y="2104682"/>
+                <a:ext cx="7135478" cy="3240417"/>
+              </a:xfrm>
+              <a:prstGeom prst="rect">
+                <a:avLst/>
+              </a:prstGeom>
               <a:noFill/>
-            </a:ln>
-          </p:spPr>
-          <p:style>
-            <a:lnRef idx="2">
-              <a:schemeClr val="accent1">
-                <a:shade val="50000"/>
-              </a:schemeClr>
-            </a:lnRef>
-            <a:fillRef idx="1">
-              <a:schemeClr val="accent1"/>
-            </a:fillRef>
-            <a:effectRef idx="0">
-              <a:schemeClr val="accent1"/>
-            </a:effectRef>
-            <a:fontRef idx="minor">
-              <a:schemeClr val="lt1"/>
-            </a:fontRef>
-          </p:style>
-          <p:txBody>
-            <a:bodyPr rtlCol="0" anchor="ctr"/>
-            <a:lstStyle/>
-            <a:p>
-              <a:pPr algn="ctr"/>
-              <a:endParaRPr lang="zh-CN" altLang="en-US" sz="1350"/>
-            </a:p>
-          </p:txBody>
-        </p:sp>
+              <a:ln w="12700">
+                <a:solidFill>
+                  <a:srgbClr val="346182"/>
+                </a:solidFill>
+              </a:ln>
+            </p:spPr>
+            <p:style>
+              <a:lnRef idx="2">
+                <a:schemeClr val="accent1">
+                  <a:shade val="50000"/>
+                </a:schemeClr>
+              </a:lnRef>
+              <a:fillRef idx="1">
+                <a:schemeClr val="accent1"/>
+              </a:fillRef>
+              <a:effectRef idx="0">
+                <a:schemeClr val="accent1"/>
+              </a:effectRef>
+              <a:fontRef idx="minor">
+                <a:schemeClr val="lt1"/>
+              </a:fontRef>
+            </p:style>
+            <p:txBody>
+              <a:bodyPr rtlCol="0" anchor="ctr"/>
+              <a:lstStyle/>
+              <a:p>
+                <a:pPr algn="ctr"/>
+                <a:endParaRPr lang="zh-CN" altLang="en-US" sz="1350"/>
+              </a:p>
+            </p:txBody>
+          </p:sp>
+          <p:sp>
+            <p:nvSpPr>
+              <p:cNvPr id="10" name="矩形 9">
+                <a:extLst>
+                  <a:ext uri="{FF2B5EF4-FFF2-40B4-BE49-F238E27FC236}">
+                    <a16:creationId xmlns:a16="http://schemas.microsoft.com/office/drawing/2014/main" id="{AFE3F854-F55C-4CF5-87BD-02A44DF29B5C}"/>
+                  </a:ext>
+                </a:extLst>
+              </p:cNvPr>
+              <p:cNvSpPr/>
+              <p:nvPr/>
+            </p:nvSpPr>
+            <p:spPr>
+              <a:xfrm>
+                <a:off x="1285643" y="1772435"/>
+                <a:ext cx="3525067" cy="338554"/>
+              </a:xfrm>
+              <a:prstGeom prst="rect">
+                <a:avLst/>
+              </a:prstGeom>
+              <a:solidFill>
+                <a:srgbClr val="183A5D"/>
+              </a:solidFill>
+              <a:ln>
+                <a:noFill/>
+              </a:ln>
+            </p:spPr>
+            <p:style>
+              <a:lnRef idx="2">
+                <a:schemeClr val="accent1">
+                  <a:shade val="50000"/>
+                </a:schemeClr>
+              </a:lnRef>
+              <a:fillRef idx="1">
+                <a:schemeClr val="accent1"/>
+              </a:fillRef>
+              <a:effectRef idx="0">
+                <a:schemeClr val="accent1"/>
+              </a:effectRef>
+              <a:fontRef idx="minor">
+                <a:schemeClr val="lt1"/>
+              </a:fontRef>
+            </p:style>
+            <p:txBody>
+              <a:bodyPr rtlCol="0" anchor="ctr"/>
+              <a:lstStyle/>
+              <a:p>
+                <a:pPr algn="ctr"/>
+                <a:endParaRPr lang="zh-CN" altLang="en-US" sz="1350"/>
+              </a:p>
+            </p:txBody>
+          </p:sp>
+        </p:grpSp>
       </p:grpSp>
     </p:spTree>
     <p:extLst>
@@ -25088,83 +24561,7 @@
   <p:timing>
     <p:tnLst>
       <p:par>
-        <p:cTn id="1" dur="indefinite" restart="never" nodeType="tmRoot">
-          <p:childTnLst>
-            <p:seq concurrent="1" nextAc="seek">
-              <p:cTn id="2" dur="indefinite" nodeType="mainSeq">
-                <p:childTnLst>
-                  <p:par>
-                    <p:cTn id="3" fill="hold">
-                      <p:stCondLst>
-                        <p:cond delay="indefinite"/>
-                      </p:stCondLst>
-                      <p:childTnLst>
-                        <p:par>
-                          <p:cTn id="4" fill="hold">
-                            <p:stCondLst>
-                              <p:cond delay="0"/>
-                            </p:stCondLst>
-                            <p:childTnLst>
-                              <p:par>
-                                <p:cTn id="5" presetID="22" presetClass="entr" presetSubtype="1" fill="hold" nodeType="clickEffect">
-                                  <p:stCondLst>
-                                    <p:cond delay="0"/>
-                                  </p:stCondLst>
-                                  <p:childTnLst>
-                                    <p:set>
-                                      <p:cBhvr>
-                                        <p:cTn id="6" dur="1" fill="hold">
-                                          <p:stCondLst>
-                                            <p:cond delay="0"/>
-                                          </p:stCondLst>
-                                        </p:cTn>
-                                        <p:tgtEl>
-                                          <p:spTgt spid="8"/>
-                                        </p:tgtEl>
-                                        <p:attrNameLst>
-                                          <p:attrName>style.visibility</p:attrName>
-                                        </p:attrNameLst>
-                                      </p:cBhvr>
-                                      <p:to>
-                                        <p:strVal val="visible"/>
-                                      </p:to>
-                                    </p:set>
-                                    <p:animEffect transition="in" filter="wipe(up)">
-                                      <p:cBhvr>
-                                        <p:cTn id="7" dur="500"/>
-                                        <p:tgtEl>
-                                          <p:spTgt spid="8"/>
-                                        </p:tgtEl>
-                                      </p:cBhvr>
-                                    </p:animEffect>
-                                  </p:childTnLst>
-                                </p:cTn>
-                              </p:par>
-                            </p:childTnLst>
-                          </p:cTn>
-                        </p:par>
-                      </p:childTnLst>
-                    </p:cTn>
-                  </p:par>
-                </p:childTnLst>
-              </p:cTn>
-              <p:prevCondLst>
-                <p:cond evt="onPrev" delay="0">
-                  <p:tgtEl>
-                    <p:sldTgt/>
-                  </p:tgtEl>
-                </p:cond>
-              </p:prevCondLst>
-              <p:nextCondLst>
-                <p:cond evt="onNext" delay="0">
-                  <p:tgtEl>
-                    <p:sldTgt/>
-                  </p:tgtEl>
-                </p:cond>
-              </p:nextCondLst>
-            </p:seq>
-          </p:childTnLst>
-        </p:cTn>
+        <p:cTn id="1" dur="indefinite" restart="never" nodeType="tmRoot"/>
       </p:par>
     </p:tnLst>
   </p:timing>
@@ -25557,13 +24954,7 @@
       </p:sp>
       <p:grpSp>
         <p:nvGrpSpPr>
-          <p:cNvPr id="10" name="组合 9">
-            <a:extLst>
-              <a:ext uri="{FF2B5EF4-FFF2-40B4-BE49-F238E27FC236}">
-                <a16:creationId xmlns:a16="http://schemas.microsoft.com/office/drawing/2014/main" id="{0C70ED1C-30EF-4B3F-8CE4-0E8BEF2BEBCF}"/>
-              </a:ext>
-            </a:extLst>
-          </p:cNvPr>
+          <p:cNvPr id="5" name="组合 4"/>
           <p:cNvGrpSpPr/>
           <p:nvPr/>
         </p:nvGrpSpPr>
@@ -25571,226 +24962,247 @@
           <a:xfrm>
             <a:off x="2175131" y="1341562"/>
             <a:ext cx="7776864" cy="4896544"/>
-            <a:chOff x="1285643" y="1772435"/>
-            <a:chExt cx="7135479" cy="3572664"/>
+            <a:chOff x="2175131" y="1341562"/>
+            <a:chExt cx="7776864" cy="4896544"/>
           </a:xfrm>
         </p:grpSpPr>
-        <p:sp>
-          <p:nvSpPr>
-            <p:cNvPr id="11" name="矩形 10">
+        <p:grpSp>
+          <p:nvGrpSpPr>
+            <p:cNvPr id="10" name="组合 9">
               <a:extLst>
                 <a:ext uri="{FF2B5EF4-FFF2-40B4-BE49-F238E27FC236}">
-                  <a16:creationId xmlns:a16="http://schemas.microsoft.com/office/drawing/2014/main" id="{8CE48814-7E1F-4B07-9E0F-7D1566C5A1BD}"/>
+                  <a16:creationId xmlns:a16="http://schemas.microsoft.com/office/drawing/2014/main" id="{0C70ED1C-30EF-4B3F-8CE4-0E8BEF2BEBCF}"/>
                 </a:ext>
               </a:extLst>
             </p:cNvPr>
+            <p:cNvGrpSpPr/>
+            <p:nvPr/>
+          </p:nvGrpSpPr>
+          <p:grpSpPr>
+            <a:xfrm>
+              <a:off x="2175131" y="1341562"/>
+              <a:ext cx="7776864" cy="4896544"/>
+              <a:chOff x="1285643" y="1772435"/>
+              <a:chExt cx="7135479" cy="3572664"/>
+            </a:xfrm>
+          </p:grpSpPr>
+          <p:sp>
+            <p:nvSpPr>
+              <p:cNvPr id="11" name="矩形 10">
+                <a:extLst>
+                  <a:ext uri="{FF2B5EF4-FFF2-40B4-BE49-F238E27FC236}">
+                    <a16:creationId xmlns:a16="http://schemas.microsoft.com/office/drawing/2014/main" id="{8CE48814-7E1F-4B07-9E0F-7D1566C5A1BD}"/>
+                  </a:ext>
+                </a:extLst>
+              </p:cNvPr>
+              <p:cNvSpPr/>
+              <p:nvPr/>
+            </p:nvSpPr>
+            <p:spPr>
+              <a:xfrm>
+                <a:off x="1285644" y="2104682"/>
+                <a:ext cx="7135478" cy="3240417"/>
+              </a:xfrm>
+              <a:prstGeom prst="rect">
+                <a:avLst/>
+              </a:prstGeom>
+              <a:noFill/>
+              <a:ln w="12700">
+                <a:solidFill>
+                  <a:srgbClr val="346182"/>
+                </a:solidFill>
+              </a:ln>
+            </p:spPr>
+            <p:style>
+              <a:lnRef idx="2">
+                <a:schemeClr val="accent1">
+                  <a:shade val="50000"/>
+                </a:schemeClr>
+              </a:lnRef>
+              <a:fillRef idx="1">
+                <a:schemeClr val="accent1"/>
+              </a:fillRef>
+              <a:effectRef idx="0">
+                <a:schemeClr val="accent1"/>
+              </a:effectRef>
+              <a:fontRef idx="minor">
+                <a:schemeClr val="lt1"/>
+              </a:fontRef>
+            </p:style>
+            <p:txBody>
+              <a:bodyPr rtlCol="0" anchor="ctr"/>
+              <a:lstStyle/>
+              <a:p>
+                <a:pPr algn="ctr"/>
+                <a:endParaRPr lang="zh-CN" altLang="en-US" sz="1350"/>
+              </a:p>
+            </p:txBody>
+          </p:sp>
+          <p:sp>
+            <p:nvSpPr>
+              <p:cNvPr id="12" name="矩形 11">
+                <a:extLst>
+                  <a:ext uri="{FF2B5EF4-FFF2-40B4-BE49-F238E27FC236}">
+                    <a16:creationId xmlns:a16="http://schemas.microsoft.com/office/drawing/2014/main" id="{AFE3F854-F55C-4CF5-87BD-02A44DF29B5C}"/>
+                  </a:ext>
+                </a:extLst>
+              </p:cNvPr>
+              <p:cNvSpPr/>
+              <p:nvPr/>
+            </p:nvSpPr>
+            <p:spPr>
+              <a:xfrm>
+                <a:off x="1285643" y="1772435"/>
+                <a:ext cx="3525067" cy="338554"/>
+              </a:xfrm>
+              <a:prstGeom prst="rect">
+                <a:avLst/>
+              </a:prstGeom>
+              <a:solidFill>
+                <a:srgbClr val="183A5D"/>
+              </a:solidFill>
+              <a:ln>
+                <a:noFill/>
+              </a:ln>
+            </p:spPr>
+            <p:style>
+              <a:lnRef idx="2">
+                <a:schemeClr val="accent1">
+                  <a:shade val="50000"/>
+                </a:schemeClr>
+              </a:lnRef>
+              <a:fillRef idx="1">
+                <a:schemeClr val="accent1"/>
+              </a:fillRef>
+              <a:effectRef idx="0">
+                <a:schemeClr val="accent1"/>
+              </a:effectRef>
+              <a:fontRef idx="minor">
+                <a:schemeClr val="lt1"/>
+              </a:fontRef>
+            </p:style>
+            <p:txBody>
+              <a:bodyPr rtlCol="0" anchor="ctr"/>
+              <a:lstStyle/>
+              <a:p>
+                <a:pPr algn="ctr"/>
+                <a:endParaRPr lang="zh-CN" altLang="en-US" sz="1350"/>
+              </a:p>
+            </p:txBody>
+          </p:sp>
+        </p:grpSp>
+        <p:sp>
+          <p:nvSpPr>
+            <p:cNvPr id="7" name="矩形 6"/>
             <p:cNvSpPr/>
             <p:nvPr/>
           </p:nvSpPr>
           <p:spPr>
             <a:xfrm>
-              <a:off x="1285644" y="2104682"/>
-              <a:ext cx="7135478" cy="3240417"/>
+              <a:off x="2350790" y="2061642"/>
+              <a:ext cx="6092825" cy="2825389"/>
             </a:xfrm>
             <a:prstGeom prst="rect">
               <a:avLst/>
             </a:prstGeom>
-            <a:noFill/>
-            <a:ln w="12700">
-              <a:solidFill>
-                <a:srgbClr val="346182"/>
-              </a:solidFill>
-            </a:ln>
           </p:spPr>
-          <p:style>
-            <a:lnRef idx="2">
-              <a:schemeClr val="accent1">
-                <a:shade val="50000"/>
-              </a:schemeClr>
-            </a:lnRef>
-            <a:fillRef idx="1">
-              <a:schemeClr val="accent1"/>
-            </a:fillRef>
-            <a:effectRef idx="0">
-              <a:schemeClr val="accent1"/>
-            </a:effectRef>
-            <a:fontRef idx="minor">
-              <a:schemeClr val="lt1"/>
-            </a:fontRef>
-          </p:style>
           <p:txBody>
-            <a:bodyPr rtlCol="0" anchor="ctr"/>
+            <a:bodyPr>
+              <a:spAutoFit/>
+            </a:bodyPr>
             <a:lstStyle/>
             <a:p>
-              <a:pPr algn="ctr"/>
-              <a:endParaRPr lang="zh-CN" altLang="en-US" sz="1350"/>
+              <a:pPr>
+                <a:lnSpc>
+                  <a:spcPct val="120000"/>
+                </a:lnSpc>
+                <a:buFont typeface="Arial" charset="0"/>
+                <a:buNone/>
+              </a:pPr>
+              <a:r>
+                <a:rPr lang="zh-CN" altLang="en-US" sz="2400" b="1" dirty="0">
+                  <a:solidFill>
+                    <a:srgbClr val="FF0000"/>
+                  </a:solidFill>
+                </a:rPr>
+                <a:t>部署图</a:t>
+              </a:r>
+              <a:endParaRPr lang="en-US" altLang="zh-CN" sz="2400" b="1" dirty="0">
+                <a:solidFill>
+                  <a:srgbClr val="FF0000"/>
+                </a:solidFill>
+              </a:endParaRPr>
             </a:p>
-          </p:txBody>
-        </p:sp>
-        <p:sp>
-          <p:nvSpPr>
-            <p:cNvPr id="12" name="矩形 11">
-              <a:extLst>
-                <a:ext uri="{FF2B5EF4-FFF2-40B4-BE49-F238E27FC236}">
-                  <a16:creationId xmlns:a16="http://schemas.microsoft.com/office/drawing/2014/main" id="{AFE3F854-F55C-4CF5-87BD-02A44DF29B5C}"/>
-                </a:ext>
-              </a:extLst>
-            </p:cNvPr>
-            <p:cNvSpPr/>
-            <p:nvPr/>
-          </p:nvSpPr>
-          <p:spPr>
-            <a:xfrm>
-              <a:off x="1285643" y="1772435"/>
-              <a:ext cx="3525067" cy="338554"/>
-            </a:xfrm>
-            <a:prstGeom prst="rect">
-              <a:avLst/>
-            </a:prstGeom>
-            <a:solidFill>
-              <a:srgbClr val="183A5D"/>
-            </a:solidFill>
-            <a:ln>
-              <a:noFill/>
-            </a:ln>
-          </p:spPr>
-          <p:style>
-            <a:lnRef idx="2">
-              <a:schemeClr val="accent1">
-                <a:shade val="50000"/>
-              </a:schemeClr>
-            </a:lnRef>
-            <a:fillRef idx="1">
-              <a:schemeClr val="accent1"/>
-            </a:fillRef>
-            <a:effectRef idx="0">
-              <a:schemeClr val="accent1"/>
-            </a:effectRef>
-            <a:fontRef idx="minor">
-              <a:schemeClr val="lt1"/>
-            </a:fontRef>
-          </p:style>
-          <p:txBody>
-            <a:bodyPr rtlCol="0" anchor="ctr"/>
-            <a:lstStyle/>
             <a:p>
-              <a:pPr algn="ctr"/>
-              <a:endParaRPr lang="zh-CN" altLang="en-US" sz="1350"/>
+              <a:pPr>
+                <a:lnSpc>
+                  <a:spcPct val="120000"/>
+                </a:lnSpc>
+                <a:buFont typeface="Arial" charset="0"/>
+                <a:buNone/>
+              </a:pPr>
+              <a:r>
+                <a:rPr lang="zh-CN" altLang="en-US" sz="2000" dirty="0"/>
+                <a:t>用于静态建模，表示运行时过程结点、组件实例以及对象结构的图。可显示计算结点的拓扑结构，通信路径，结点上运行的软件，软件包含的逻辑单元等</a:t>
+              </a:r>
+              <a:r>
+                <a:rPr lang="zh-CN" altLang="en-US" sz="2000" dirty="0" smtClean="0"/>
+                <a:t>。</a:t>
+              </a:r>
+              <a:endParaRPr lang="en-US" altLang="zh-CN" sz="2000" dirty="0" smtClean="0"/>
+            </a:p>
+            <a:p>
+              <a:pPr>
+                <a:lnSpc>
+                  <a:spcPct val="120000"/>
+                </a:lnSpc>
+                <a:buFont typeface="Arial" charset="0"/>
+                <a:buNone/>
+              </a:pPr>
+              <a:endParaRPr lang="en-US" altLang="zh-CN" sz="2000" dirty="0"/>
+            </a:p>
+            <a:p>
+              <a:pPr>
+                <a:lnSpc>
+                  <a:spcPct val="120000"/>
+                </a:lnSpc>
+              </a:pPr>
+              <a:r>
+                <a:rPr lang="zh-CN" altLang="en-US" sz="2400" b="1" dirty="0" smtClean="0">
+                  <a:solidFill>
+                    <a:srgbClr val="FF0000"/>
+                  </a:solidFill>
+                </a:rPr>
+                <a:t>部署图的</a:t>
+              </a:r>
+              <a:r>
+                <a:rPr lang="zh-CN" altLang="en-US" sz="2400" b="1" dirty="0">
+                  <a:solidFill>
+                    <a:srgbClr val="FF0000"/>
+                  </a:solidFill>
+                </a:rPr>
+                <a:t>基本内容</a:t>
+              </a:r>
+              <a:endParaRPr lang="en-US" altLang="zh-CN" sz="2400" b="1" dirty="0">
+                <a:solidFill>
+                  <a:srgbClr val="FF0000"/>
+                </a:solidFill>
+              </a:endParaRPr>
+            </a:p>
+            <a:p>
+              <a:pPr>
+                <a:lnSpc>
+                  <a:spcPct val="120000"/>
+                </a:lnSpc>
+              </a:pPr>
+              <a:r>
+                <a:rPr lang="zh-CN" altLang="en-US" sz="2000" dirty="0"/>
+                <a:t>结点，组件，关系</a:t>
+              </a:r>
             </a:p>
           </p:txBody>
         </p:sp>
       </p:grpSp>
-      <p:sp>
-        <p:nvSpPr>
-          <p:cNvPr id="7" name="矩形 6"/>
-          <p:cNvSpPr/>
-          <p:nvPr/>
-        </p:nvSpPr>
-        <p:spPr>
-          <a:xfrm>
-            <a:off x="2350790" y="2061642"/>
-            <a:ext cx="6092825" cy="2825389"/>
-          </a:xfrm>
-          <a:prstGeom prst="rect">
-            <a:avLst/>
-          </a:prstGeom>
-        </p:spPr>
-        <p:txBody>
-          <a:bodyPr>
-            <a:spAutoFit/>
-          </a:bodyPr>
-          <a:lstStyle/>
-          <a:p>
-            <a:pPr>
-              <a:lnSpc>
-                <a:spcPct val="120000"/>
-              </a:lnSpc>
-              <a:buFont typeface="Arial" charset="0"/>
-              <a:buNone/>
-            </a:pPr>
-            <a:r>
-              <a:rPr lang="zh-CN" altLang="en-US" sz="2400" b="1" dirty="0">
-                <a:solidFill>
-                  <a:srgbClr val="FF0000"/>
-                </a:solidFill>
-              </a:rPr>
-              <a:t>部署图</a:t>
-            </a:r>
-            <a:endParaRPr lang="en-US" altLang="zh-CN" sz="2400" b="1" dirty="0">
-              <a:solidFill>
-                <a:srgbClr val="FF0000"/>
-              </a:solidFill>
-            </a:endParaRPr>
-          </a:p>
-          <a:p>
-            <a:pPr>
-              <a:lnSpc>
-                <a:spcPct val="120000"/>
-              </a:lnSpc>
-              <a:buFont typeface="Arial" charset="0"/>
-              <a:buNone/>
-            </a:pPr>
-            <a:r>
-              <a:rPr lang="zh-CN" altLang="en-US" sz="2000" dirty="0"/>
-              <a:t>用于静态建模，表示运行时过程结点、组件实例以及对象结构的图。可显示计算结点的拓扑结构，通信路径，结点上运行的软件，软件包含的逻辑单元等</a:t>
-            </a:r>
-            <a:r>
-              <a:rPr lang="zh-CN" altLang="en-US" sz="2000" dirty="0" smtClean="0"/>
-              <a:t>。</a:t>
-            </a:r>
-            <a:endParaRPr lang="en-US" altLang="zh-CN" sz="2000" dirty="0" smtClean="0"/>
-          </a:p>
-          <a:p>
-            <a:pPr>
-              <a:lnSpc>
-                <a:spcPct val="120000"/>
-              </a:lnSpc>
-              <a:buFont typeface="Arial" charset="0"/>
-              <a:buNone/>
-            </a:pPr>
-            <a:endParaRPr lang="en-US" altLang="zh-CN" sz="2000" dirty="0"/>
-          </a:p>
-          <a:p>
-            <a:pPr>
-              <a:lnSpc>
-                <a:spcPct val="120000"/>
-              </a:lnSpc>
-            </a:pPr>
-            <a:r>
-              <a:rPr lang="zh-CN" altLang="en-US" sz="2400" b="1" dirty="0" smtClean="0">
-                <a:solidFill>
-                  <a:srgbClr val="FF0000"/>
-                </a:solidFill>
-              </a:rPr>
-              <a:t>部署图的</a:t>
-            </a:r>
-            <a:r>
-              <a:rPr lang="zh-CN" altLang="en-US" sz="2400" b="1" dirty="0">
-                <a:solidFill>
-                  <a:srgbClr val="FF0000"/>
-                </a:solidFill>
-              </a:rPr>
-              <a:t>基本内容</a:t>
-            </a:r>
-            <a:endParaRPr lang="en-US" altLang="zh-CN" sz="2400" b="1" dirty="0">
-              <a:solidFill>
-                <a:srgbClr val="FF0000"/>
-              </a:solidFill>
-            </a:endParaRPr>
-          </a:p>
-          <a:p>
-            <a:pPr>
-              <a:lnSpc>
-                <a:spcPct val="120000"/>
-              </a:lnSpc>
-            </a:pPr>
-            <a:r>
-              <a:rPr lang="zh-CN" altLang="en-US" sz="2000" dirty="0"/>
-              <a:t>结点，组件，关系</a:t>
-            </a:r>
-          </a:p>
-        </p:txBody>
-      </p:sp>
     </p:spTree>
     <p:extLst>
       <p:ext uri="{BB962C8B-B14F-4D97-AF65-F5344CB8AC3E}">
@@ -25807,83 +25219,7 @@
   <p:timing>
     <p:tnLst>
       <p:par>
-        <p:cTn id="1" dur="indefinite" restart="never" nodeType="tmRoot">
-          <p:childTnLst>
-            <p:seq concurrent="1" nextAc="seek">
-              <p:cTn id="2" dur="indefinite" nodeType="mainSeq">
-                <p:childTnLst>
-                  <p:par>
-                    <p:cTn id="3" fill="hold">
-                      <p:stCondLst>
-                        <p:cond delay="indefinite"/>
-                      </p:stCondLst>
-                      <p:childTnLst>
-                        <p:par>
-                          <p:cTn id="4" fill="hold">
-                            <p:stCondLst>
-                              <p:cond delay="0"/>
-                            </p:stCondLst>
-                            <p:childTnLst>
-                              <p:par>
-                                <p:cTn id="5" presetID="22" presetClass="entr" presetSubtype="1" fill="hold" nodeType="clickEffect">
-                                  <p:stCondLst>
-                                    <p:cond delay="0"/>
-                                  </p:stCondLst>
-                                  <p:childTnLst>
-                                    <p:set>
-                                      <p:cBhvr>
-                                        <p:cTn id="6" dur="1" fill="hold">
-                                          <p:stCondLst>
-                                            <p:cond delay="0"/>
-                                          </p:stCondLst>
-                                        </p:cTn>
-                                        <p:tgtEl>
-                                          <p:spTgt spid="10"/>
-                                        </p:tgtEl>
-                                        <p:attrNameLst>
-                                          <p:attrName>style.visibility</p:attrName>
-                                        </p:attrNameLst>
-                                      </p:cBhvr>
-                                      <p:to>
-                                        <p:strVal val="visible"/>
-                                      </p:to>
-                                    </p:set>
-                                    <p:animEffect transition="in" filter="wipe(up)">
-                                      <p:cBhvr>
-                                        <p:cTn id="7" dur="500"/>
-                                        <p:tgtEl>
-                                          <p:spTgt spid="10"/>
-                                        </p:tgtEl>
-                                      </p:cBhvr>
-                                    </p:animEffect>
-                                  </p:childTnLst>
-                                </p:cTn>
-                              </p:par>
-                            </p:childTnLst>
-                          </p:cTn>
-                        </p:par>
-                      </p:childTnLst>
-                    </p:cTn>
-                  </p:par>
-                </p:childTnLst>
-              </p:cTn>
-              <p:prevCondLst>
-                <p:cond evt="onPrev" delay="0">
-                  <p:tgtEl>
-                    <p:sldTgt/>
-                  </p:tgtEl>
-                </p:cond>
-              </p:prevCondLst>
-              <p:nextCondLst>
-                <p:cond evt="onNext" delay="0">
-                  <p:tgtEl>
-                    <p:sldTgt/>
-                  </p:tgtEl>
-                </p:cond>
-              </p:nextCondLst>
-            </p:seq>
-          </p:childTnLst>
-        </p:cTn>
+        <p:cTn id="1" dur="indefinite" restart="never" nodeType="tmRoot"/>
       </p:par>
     </p:tnLst>
   </p:timing>
@@ -26322,270 +25658,9 @@
           </a:p>
         </p:txBody>
       </p:sp>
-      <p:sp>
-        <p:nvSpPr>
-          <p:cNvPr id="5" name="TextBox 4"/>
-          <p:cNvSpPr txBox="1"/>
-          <p:nvPr/>
-        </p:nvSpPr>
-        <p:spPr>
-          <a:xfrm>
-            <a:off x="2052859" y="1730295"/>
-            <a:ext cx="7632848" cy="1384995"/>
-          </a:xfrm>
-          <a:prstGeom prst="rect">
-            <a:avLst/>
-          </a:prstGeom>
-          <a:noFill/>
-        </p:spPr>
-        <p:txBody>
-          <a:bodyPr wrap="square" rtlCol="0">
-            <a:spAutoFit/>
-          </a:bodyPr>
-          <a:lstStyle/>
-          <a:p>
-            <a:endParaRPr lang="en-US" altLang="zh-CN" dirty="0" smtClean="0"/>
-          </a:p>
-          <a:p>
-            <a:r>
-              <a:rPr lang="zh-CN" altLang="en-US" dirty="0" smtClean="0"/>
-              <a:t>（</a:t>
-            </a:r>
-            <a:r>
-              <a:rPr lang="en-US" altLang="zh-CN" dirty="0" smtClean="0"/>
-              <a:t>1</a:t>
-            </a:r>
-            <a:r>
-              <a:rPr lang="zh-CN" altLang="en-US" dirty="0" smtClean="0"/>
-              <a:t>）“包图”展现模型要素的基本组织单元，以及这些组织单元之间的依赖关系，包括引用关系和扩展关系在通用的建模工具中，一般可以用类图描述包图中的逻辑内容。</a:t>
-            </a:r>
-            <a:endParaRPr lang="zh-CN" altLang="en-US" dirty="0"/>
-          </a:p>
-        </p:txBody>
-      </p:sp>
-      <p:sp>
-        <p:nvSpPr>
-          <p:cNvPr id="7" name="矩形 6"/>
-          <p:cNvSpPr/>
-          <p:nvPr/>
-        </p:nvSpPr>
-        <p:spPr>
-          <a:xfrm>
-            <a:off x="4006974" y="4459648"/>
-            <a:ext cx="1224136" cy="432048"/>
-          </a:xfrm>
-          <a:prstGeom prst="rect">
-            <a:avLst/>
-          </a:prstGeom>
-        </p:spPr>
-        <p:style>
-          <a:lnRef idx="2">
-            <a:schemeClr val="accent1">
-              <a:shade val="50000"/>
-            </a:schemeClr>
-          </a:lnRef>
-          <a:fillRef idx="1">
-            <a:schemeClr val="accent1"/>
-          </a:fillRef>
-          <a:effectRef idx="0">
-            <a:schemeClr val="accent1"/>
-          </a:effectRef>
-          <a:fontRef idx="minor">
-            <a:schemeClr val="lt1"/>
-          </a:fontRef>
-        </p:style>
-        <p:txBody>
-          <a:bodyPr rtlCol="0" anchor="ctr"/>
-          <a:lstStyle/>
-          <a:p>
-            <a:pPr algn="ctr"/>
-            <a:r>
-              <a:rPr lang="en-US" altLang="zh-CN" dirty="0" smtClean="0"/>
-              <a:t>UI</a:t>
-            </a:r>
-            <a:endParaRPr lang="zh-CN" altLang="en-US" dirty="0"/>
-          </a:p>
-        </p:txBody>
-      </p:sp>
-      <p:sp>
-        <p:nvSpPr>
-          <p:cNvPr id="8" name="矩形 7"/>
-          <p:cNvSpPr/>
-          <p:nvPr/>
-        </p:nvSpPr>
-        <p:spPr>
-          <a:xfrm>
-            <a:off x="4006974" y="4178707"/>
-            <a:ext cx="612068" cy="288032"/>
-          </a:xfrm>
-          <a:prstGeom prst="rect">
-            <a:avLst/>
-          </a:prstGeom>
-        </p:spPr>
-        <p:style>
-          <a:lnRef idx="2">
-            <a:schemeClr val="accent1">
-              <a:shade val="50000"/>
-            </a:schemeClr>
-          </a:lnRef>
-          <a:fillRef idx="1">
-            <a:schemeClr val="accent1"/>
-          </a:fillRef>
-          <a:effectRef idx="0">
-            <a:schemeClr val="accent1"/>
-          </a:effectRef>
-          <a:fontRef idx="minor">
-            <a:schemeClr val="lt1"/>
-          </a:fontRef>
-        </p:style>
-        <p:txBody>
-          <a:bodyPr rtlCol="0" anchor="ctr"/>
-          <a:lstStyle/>
-          <a:p>
-            <a:pPr algn="ctr"/>
-            <a:endParaRPr lang="zh-CN" altLang="en-US"/>
-          </a:p>
-        </p:txBody>
-      </p:sp>
-      <p:sp>
-        <p:nvSpPr>
-          <p:cNvPr id="9" name="矩形 8"/>
-          <p:cNvSpPr/>
-          <p:nvPr/>
-        </p:nvSpPr>
-        <p:spPr>
-          <a:xfrm>
-            <a:off x="5938215" y="4135612"/>
-            <a:ext cx="612068" cy="288032"/>
-          </a:xfrm>
-          <a:prstGeom prst="rect">
-            <a:avLst/>
-          </a:prstGeom>
-        </p:spPr>
-        <p:style>
-          <a:lnRef idx="2">
-            <a:schemeClr val="accent1">
-              <a:shade val="50000"/>
-            </a:schemeClr>
-          </a:lnRef>
-          <a:fillRef idx="1">
-            <a:schemeClr val="accent1"/>
-          </a:fillRef>
-          <a:effectRef idx="0">
-            <a:schemeClr val="accent1"/>
-          </a:effectRef>
-          <a:fontRef idx="minor">
-            <a:schemeClr val="lt1"/>
-          </a:fontRef>
-        </p:style>
-        <p:txBody>
-          <a:bodyPr rtlCol="0" anchor="ctr"/>
-          <a:lstStyle/>
-          <a:p>
-            <a:pPr algn="ctr"/>
-            <a:endParaRPr lang="zh-CN" altLang="en-US"/>
-          </a:p>
-        </p:txBody>
-      </p:sp>
-      <p:sp>
-        <p:nvSpPr>
-          <p:cNvPr id="10" name="矩形 9"/>
-          <p:cNvSpPr/>
-          <p:nvPr/>
-        </p:nvSpPr>
-        <p:spPr>
-          <a:xfrm>
-            <a:off x="5938215" y="4423644"/>
-            <a:ext cx="2192037" cy="504056"/>
-          </a:xfrm>
-          <a:prstGeom prst="rect">
-            <a:avLst/>
-          </a:prstGeom>
-        </p:spPr>
-        <p:style>
-          <a:lnRef idx="2">
-            <a:schemeClr val="accent1">
-              <a:shade val="50000"/>
-            </a:schemeClr>
-          </a:lnRef>
-          <a:fillRef idx="1">
-            <a:schemeClr val="accent1"/>
-          </a:fillRef>
-          <a:effectRef idx="0">
-            <a:schemeClr val="accent1"/>
-          </a:effectRef>
-          <a:fontRef idx="minor">
-            <a:schemeClr val="lt1"/>
-          </a:fontRef>
-        </p:style>
-        <p:txBody>
-          <a:bodyPr rtlCol="0" anchor="ctr"/>
-          <a:lstStyle/>
-          <a:p>
-            <a:pPr algn="ctr"/>
-            <a:r>
-              <a:rPr lang="en-US" altLang="zh-CN" dirty="0" smtClean="0"/>
-              <a:t>System</a:t>
-            </a:r>
-            <a:r>
-              <a:rPr lang="zh-CN" altLang="en-US" dirty="0" smtClean="0"/>
-              <a:t>：</a:t>
-            </a:r>
-            <a:r>
-              <a:rPr lang="en-US" altLang="zh-CN" dirty="0" smtClean="0"/>
-              <a:t>Web</a:t>
-            </a:r>
-            <a:r>
-              <a:rPr lang="zh-CN" altLang="en-US" dirty="0" smtClean="0"/>
-              <a:t>：</a:t>
-            </a:r>
-            <a:r>
-              <a:rPr lang="en-US" altLang="zh-CN" dirty="0" smtClean="0"/>
-              <a:t>U</a:t>
-            </a:r>
-            <a:endParaRPr lang="zh-CN" altLang="en-US" dirty="0"/>
-          </a:p>
-        </p:txBody>
-      </p:sp>
-      <p:sp>
-        <p:nvSpPr>
-          <p:cNvPr id="11" name="TextBox 10"/>
-          <p:cNvSpPr txBox="1"/>
-          <p:nvPr/>
-        </p:nvSpPr>
-        <p:spPr>
-          <a:xfrm>
-            <a:off x="5409927" y="5120400"/>
-            <a:ext cx="1140356" cy="415498"/>
-          </a:xfrm>
-          <a:prstGeom prst="rect">
-            <a:avLst/>
-          </a:prstGeom>
-          <a:noFill/>
-        </p:spPr>
-        <p:txBody>
-          <a:bodyPr wrap="square" rtlCol="0">
-            <a:spAutoFit/>
-          </a:bodyPr>
-          <a:lstStyle/>
-          <a:p>
-            <a:r>
-              <a:rPr lang="zh-CN" altLang="en-US" dirty="0" smtClean="0"/>
-              <a:t>包图</a:t>
-            </a:r>
-            <a:endParaRPr lang="zh-CN" altLang="en-US" dirty="0"/>
-          </a:p>
-        </p:txBody>
-      </p:sp>
       <p:grpSp>
         <p:nvGrpSpPr>
-          <p:cNvPr id="12" name="组合 11">
-            <a:extLst>
-              <a:ext uri="{FF2B5EF4-FFF2-40B4-BE49-F238E27FC236}">
-                <a16:creationId xmlns:a16="http://schemas.microsoft.com/office/drawing/2014/main" id="{0C70ED1C-30EF-4B3F-8CE4-0E8BEF2BEBCF}"/>
-              </a:ext>
-            </a:extLst>
-          </p:cNvPr>
+          <p:cNvPr id="15" name="组合 14"/>
           <p:cNvGrpSpPr/>
           <p:nvPr/>
         </p:nvGrpSpPr>
@@ -26593,36 +25668,65 @@
           <a:xfrm>
             <a:off x="1940097" y="1269554"/>
             <a:ext cx="7776864" cy="4896544"/>
-            <a:chOff x="1285643" y="1772435"/>
-            <a:chExt cx="7135479" cy="3572664"/>
+            <a:chOff x="1940097" y="1269554"/>
+            <a:chExt cx="7776864" cy="4896544"/>
           </a:xfrm>
         </p:grpSpPr>
         <p:sp>
           <p:nvSpPr>
-            <p:cNvPr id="13" name="矩形 12">
-              <a:extLst>
-                <a:ext uri="{FF2B5EF4-FFF2-40B4-BE49-F238E27FC236}">
-                  <a16:creationId xmlns:a16="http://schemas.microsoft.com/office/drawing/2014/main" id="{8CE48814-7E1F-4B07-9E0F-7D1566C5A1BD}"/>
-                </a:ext>
-              </a:extLst>
-            </p:cNvPr>
+            <p:cNvPr id="5" name="TextBox 4"/>
+            <p:cNvSpPr txBox="1"/>
+            <p:nvPr/>
+          </p:nvSpPr>
+          <p:spPr>
+            <a:xfrm>
+              <a:off x="2052859" y="1730295"/>
+              <a:ext cx="7632848" cy="1384995"/>
+            </a:xfrm>
+            <a:prstGeom prst="rect">
+              <a:avLst/>
+            </a:prstGeom>
+            <a:noFill/>
+          </p:spPr>
+          <p:txBody>
+            <a:bodyPr wrap="square" rtlCol="0">
+              <a:spAutoFit/>
+            </a:bodyPr>
+            <a:lstStyle/>
+            <a:p>
+              <a:endParaRPr lang="en-US" altLang="zh-CN" dirty="0" smtClean="0"/>
+            </a:p>
+            <a:p>
+              <a:r>
+                <a:rPr lang="zh-CN" altLang="en-US" dirty="0" smtClean="0"/>
+                <a:t>（</a:t>
+              </a:r>
+              <a:r>
+                <a:rPr lang="en-US" altLang="zh-CN" dirty="0" smtClean="0"/>
+                <a:t>1</a:t>
+              </a:r>
+              <a:r>
+                <a:rPr lang="zh-CN" altLang="en-US" dirty="0" smtClean="0"/>
+                <a:t>）“包图”展现模型要素的基本组织单元，以及这些组织单元之间的依赖关系，包括引用关系和扩展关系在通用的建模工具中，一般可以用类图描述包图中的逻辑内容。</a:t>
+              </a:r>
+              <a:endParaRPr lang="zh-CN" altLang="en-US" dirty="0"/>
+            </a:p>
+          </p:txBody>
+        </p:sp>
+        <p:sp>
+          <p:nvSpPr>
+            <p:cNvPr id="7" name="矩形 6"/>
             <p:cNvSpPr/>
             <p:nvPr/>
           </p:nvSpPr>
           <p:spPr>
             <a:xfrm>
-              <a:off x="1285644" y="2104682"/>
-              <a:ext cx="7135478" cy="3240417"/>
+              <a:off x="4006974" y="4459648"/>
+              <a:ext cx="1224136" cy="432048"/>
             </a:xfrm>
             <a:prstGeom prst="rect">
               <a:avLst/>
             </a:prstGeom>
-            <a:noFill/>
-            <a:ln w="12700">
-              <a:solidFill>
-                <a:srgbClr val="346182"/>
-              </a:solidFill>
-            </a:ln>
           </p:spPr>
           <p:style>
             <a:lnRef idx="2">
@@ -26645,36 +25749,28 @@
             <a:lstStyle/>
             <a:p>
               <a:pPr algn="ctr"/>
-              <a:endParaRPr lang="zh-CN" altLang="en-US" sz="1350"/>
+              <a:r>
+                <a:rPr lang="en-US" altLang="zh-CN" dirty="0" smtClean="0"/>
+                <a:t>UI</a:t>
+              </a:r>
+              <a:endParaRPr lang="zh-CN" altLang="en-US" dirty="0"/>
             </a:p>
           </p:txBody>
         </p:sp>
         <p:sp>
           <p:nvSpPr>
-            <p:cNvPr id="14" name="矩形 13">
-              <a:extLst>
-                <a:ext uri="{FF2B5EF4-FFF2-40B4-BE49-F238E27FC236}">
-                  <a16:creationId xmlns:a16="http://schemas.microsoft.com/office/drawing/2014/main" id="{AFE3F854-F55C-4CF5-87BD-02A44DF29B5C}"/>
-                </a:ext>
-              </a:extLst>
-            </p:cNvPr>
+            <p:cNvPr id="8" name="矩形 7"/>
             <p:cNvSpPr/>
             <p:nvPr/>
           </p:nvSpPr>
           <p:spPr>
             <a:xfrm>
-              <a:off x="1285643" y="1772435"/>
-              <a:ext cx="3525067" cy="338554"/>
+              <a:off x="4006974" y="4178707"/>
+              <a:ext cx="612068" cy="288032"/>
             </a:xfrm>
             <a:prstGeom prst="rect">
               <a:avLst/>
             </a:prstGeom>
-            <a:solidFill>
-              <a:srgbClr val="183A5D"/>
-            </a:solidFill>
-            <a:ln>
-              <a:noFill/>
-            </a:ln>
           </p:spPr>
           <p:style>
             <a:lnRef idx="2">
@@ -26697,10 +25793,265 @@
             <a:lstStyle/>
             <a:p>
               <a:pPr algn="ctr"/>
-              <a:endParaRPr lang="zh-CN" altLang="en-US" sz="1350"/>
+              <a:endParaRPr lang="zh-CN" altLang="en-US"/>
             </a:p>
           </p:txBody>
         </p:sp>
+        <p:sp>
+          <p:nvSpPr>
+            <p:cNvPr id="9" name="矩形 8"/>
+            <p:cNvSpPr/>
+            <p:nvPr/>
+          </p:nvSpPr>
+          <p:spPr>
+            <a:xfrm>
+              <a:off x="5938215" y="4135612"/>
+              <a:ext cx="612068" cy="288032"/>
+            </a:xfrm>
+            <a:prstGeom prst="rect">
+              <a:avLst/>
+            </a:prstGeom>
+          </p:spPr>
+          <p:style>
+            <a:lnRef idx="2">
+              <a:schemeClr val="accent1">
+                <a:shade val="50000"/>
+              </a:schemeClr>
+            </a:lnRef>
+            <a:fillRef idx="1">
+              <a:schemeClr val="accent1"/>
+            </a:fillRef>
+            <a:effectRef idx="0">
+              <a:schemeClr val="accent1"/>
+            </a:effectRef>
+            <a:fontRef idx="minor">
+              <a:schemeClr val="lt1"/>
+            </a:fontRef>
+          </p:style>
+          <p:txBody>
+            <a:bodyPr rtlCol="0" anchor="ctr"/>
+            <a:lstStyle/>
+            <a:p>
+              <a:pPr algn="ctr"/>
+              <a:endParaRPr lang="zh-CN" altLang="en-US"/>
+            </a:p>
+          </p:txBody>
+        </p:sp>
+        <p:sp>
+          <p:nvSpPr>
+            <p:cNvPr id="10" name="矩形 9"/>
+            <p:cNvSpPr/>
+            <p:nvPr/>
+          </p:nvSpPr>
+          <p:spPr>
+            <a:xfrm>
+              <a:off x="5938215" y="4423644"/>
+              <a:ext cx="2192037" cy="504056"/>
+            </a:xfrm>
+            <a:prstGeom prst="rect">
+              <a:avLst/>
+            </a:prstGeom>
+          </p:spPr>
+          <p:style>
+            <a:lnRef idx="2">
+              <a:schemeClr val="accent1">
+                <a:shade val="50000"/>
+              </a:schemeClr>
+            </a:lnRef>
+            <a:fillRef idx="1">
+              <a:schemeClr val="accent1"/>
+            </a:fillRef>
+            <a:effectRef idx="0">
+              <a:schemeClr val="accent1"/>
+            </a:effectRef>
+            <a:fontRef idx="minor">
+              <a:schemeClr val="lt1"/>
+            </a:fontRef>
+          </p:style>
+          <p:txBody>
+            <a:bodyPr rtlCol="0" anchor="ctr"/>
+            <a:lstStyle/>
+            <a:p>
+              <a:pPr algn="ctr"/>
+              <a:r>
+                <a:rPr lang="en-US" altLang="zh-CN" dirty="0" smtClean="0"/>
+                <a:t>System</a:t>
+              </a:r>
+              <a:r>
+                <a:rPr lang="zh-CN" altLang="en-US" dirty="0" smtClean="0"/>
+                <a:t>：</a:t>
+              </a:r>
+              <a:r>
+                <a:rPr lang="en-US" altLang="zh-CN" dirty="0" smtClean="0"/>
+                <a:t>Web</a:t>
+              </a:r>
+              <a:r>
+                <a:rPr lang="zh-CN" altLang="en-US" dirty="0" smtClean="0"/>
+                <a:t>：</a:t>
+              </a:r>
+              <a:r>
+                <a:rPr lang="en-US" altLang="zh-CN" dirty="0" smtClean="0"/>
+                <a:t>U</a:t>
+              </a:r>
+              <a:endParaRPr lang="zh-CN" altLang="en-US" dirty="0"/>
+            </a:p>
+          </p:txBody>
+        </p:sp>
+        <p:sp>
+          <p:nvSpPr>
+            <p:cNvPr id="11" name="TextBox 10"/>
+            <p:cNvSpPr txBox="1"/>
+            <p:nvPr/>
+          </p:nvSpPr>
+          <p:spPr>
+            <a:xfrm>
+              <a:off x="5409927" y="5120400"/>
+              <a:ext cx="1140356" cy="415498"/>
+            </a:xfrm>
+            <a:prstGeom prst="rect">
+              <a:avLst/>
+            </a:prstGeom>
+            <a:noFill/>
+          </p:spPr>
+          <p:txBody>
+            <a:bodyPr wrap="square" rtlCol="0">
+              <a:spAutoFit/>
+            </a:bodyPr>
+            <a:lstStyle/>
+            <a:p>
+              <a:r>
+                <a:rPr lang="zh-CN" altLang="en-US" dirty="0" smtClean="0"/>
+                <a:t>包图</a:t>
+              </a:r>
+              <a:endParaRPr lang="zh-CN" altLang="en-US" dirty="0"/>
+            </a:p>
+          </p:txBody>
+        </p:sp>
+        <p:grpSp>
+          <p:nvGrpSpPr>
+            <p:cNvPr id="12" name="组合 11">
+              <a:extLst>
+                <a:ext uri="{FF2B5EF4-FFF2-40B4-BE49-F238E27FC236}">
+                  <a16:creationId xmlns:a16="http://schemas.microsoft.com/office/drawing/2014/main" id="{0C70ED1C-30EF-4B3F-8CE4-0E8BEF2BEBCF}"/>
+                </a:ext>
+              </a:extLst>
+            </p:cNvPr>
+            <p:cNvGrpSpPr/>
+            <p:nvPr/>
+          </p:nvGrpSpPr>
+          <p:grpSpPr>
+            <a:xfrm>
+              <a:off x="1940097" y="1269554"/>
+              <a:ext cx="7776864" cy="4896544"/>
+              <a:chOff x="1285643" y="1772435"/>
+              <a:chExt cx="7135479" cy="3572664"/>
+            </a:xfrm>
+          </p:grpSpPr>
+          <p:sp>
+            <p:nvSpPr>
+              <p:cNvPr id="13" name="矩形 12">
+                <a:extLst>
+                  <a:ext uri="{FF2B5EF4-FFF2-40B4-BE49-F238E27FC236}">
+                    <a16:creationId xmlns:a16="http://schemas.microsoft.com/office/drawing/2014/main" id="{8CE48814-7E1F-4B07-9E0F-7D1566C5A1BD}"/>
+                  </a:ext>
+                </a:extLst>
+              </p:cNvPr>
+              <p:cNvSpPr/>
+              <p:nvPr/>
+            </p:nvSpPr>
+            <p:spPr>
+              <a:xfrm>
+                <a:off x="1285644" y="2104682"/>
+                <a:ext cx="7135478" cy="3240417"/>
+              </a:xfrm>
+              <a:prstGeom prst="rect">
+                <a:avLst/>
+              </a:prstGeom>
+              <a:noFill/>
+              <a:ln w="12700">
+                <a:solidFill>
+                  <a:srgbClr val="346182"/>
+                </a:solidFill>
+              </a:ln>
+            </p:spPr>
+            <p:style>
+              <a:lnRef idx="2">
+                <a:schemeClr val="accent1">
+                  <a:shade val="50000"/>
+                </a:schemeClr>
+              </a:lnRef>
+              <a:fillRef idx="1">
+                <a:schemeClr val="accent1"/>
+              </a:fillRef>
+              <a:effectRef idx="0">
+                <a:schemeClr val="accent1"/>
+              </a:effectRef>
+              <a:fontRef idx="minor">
+                <a:schemeClr val="lt1"/>
+              </a:fontRef>
+            </p:style>
+            <p:txBody>
+              <a:bodyPr rtlCol="0" anchor="ctr"/>
+              <a:lstStyle/>
+              <a:p>
+                <a:pPr algn="ctr"/>
+                <a:endParaRPr lang="zh-CN" altLang="en-US" sz="1350"/>
+              </a:p>
+            </p:txBody>
+          </p:sp>
+          <p:sp>
+            <p:nvSpPr>
+              <p:cNvPr id="14" name="矩形 13">
+                <a:extLst>
+                  <a:ext uri="{FF2B5EF4-FFF2-40B4-BE49-F238E27FC236}">
+                    <a16:creationId xmlns:a16="http://schemas.microsoft.com/office/drawing/2014/main" id="{AFE3F854-F55C-4CF5-87BD-02A44DF29B5C}"/>
+                  </a:ext>
+                </a:extLst>
+              </p:cNvPr>
+              <p:cNvSpPr/>
+              <p:nvPr/>
+            </p:nvSpPr>
+            <p:spPr>
+              <a:xfrm>
+                <a:off x="1285643" y="1772435"/>
+                <a:ext cx="3525067" cy="338554"/>
+              </a:xfrm>
+              <a:prstGeom prst="rect">
+                <a:avLst/>
+              </a:prstGeom>
+              <a:solidFill>
+                <a:srgbClr val="183A5D"/>
+              </a:solidFill>
+              <a:ln>
+                <a:noFill/>
+              </a:ln>
+            </p:spPr>
+            <p:style>
+              <a:lnRef idx="2">
+                <a:schemeClr val="accent1">
+                  <a:shade val="50000"/>
+                </a:schemeClr>
+              </a:lnRef>
+              <a:fillRef idx="1">
+                <a:schemeClr val="accent1"/>
+              </a:fillRef>
+              <a:effectRef idx="0">
+                <a:schemeClr val="accent1"/>
+              </a:effectRef>
+              <a:fontRef idx="minor">
+                <a:schemeClr val="lt1"/>
+              </a:fontRef>
+            </p:style>
+            <p:txBody>
+              <a:bodyPr rtlCol="0" anchor="ctr"/>
+              <a:lstStyle/>
+              <a:p>
+                <a:pPr algn="ctr"/>
+                <a:endParaRPr lang="zh-CN" altLang="en-US" sz="1350"/>
+              </a:p>
+            </p:txBody>
+          </p:sp>
+        </p:grpSp>
       </p:grpSp>
     </p:spTree>
     <p:extLst>
@@ -26718,83 +26069,7 @@
   <p:timing>
     <p:tnLst>
       <p:par>
-        <p:cTn id="1" dur="indefinite" restart="never" nodeType="tmRoot">
-          <p:childTnLst>
-            <p:seq concurrent="1" nextAc="seek">
-              <p:cTn id="2" dur="indefinite" nodeType="mainSeq">
-                <p:childTnLst>
-                  <p:par>
-                    <p:cTn id="3" fill="hold">
-                      <p:stCondLst>
-                        <p:cond delay="indefinite"/>
-                      </p:stCondLst>
-                      <p:childTnLst>
-                        <p:par>
-                          <p:cTn id="4" fill="hold">
-                            <p:stCondLst>
-                              <p:cond delay="0"/>
-                            </p:stCondLst>
-                            <p:childTnLst>
-                              <p:par>
-                                <p:cTn id="5" presetID="22" presetClass="entr" presetSubtype="1" fill="hold" nodeType="clickEffect">
-                                  <p:stCondLst>
-                                    <p:cond delay="0"/>
-                                  </p:stCondLst>
-                                  <p:childTnLst>
-                                    <p:set>
-                                      <p:cBhvr>
-                                        <p:cTn id="6" dur="1" fill="hold">
-                                          <p:stCondLst>
-                                            <p:cond delay="0"/>
-                                          </p:stCondLst>
-                                        </p:cTn>
-                                        <p:tgtEl>
-                                          <p:spTgt spid="12"/>
-                                        </p:tgtEl>
-                                        <p:attrNameLst>
-                                          <p:attrName>style.visibility</p:attrName>
-                                        </p:attrNameLst>
-                                      </p:cBhvr>
-                                      <p:to>
-                                        <p:strVal val="visible"/>
-                                      </p:to>
-                                    </p:set>
-                                    <p:animEffect transition="in" filter="wipe(up)">
-                                      <p:cBhvr>
-                                        <p:cTn id="7" dur="500"/>
-                                        <p:tgtEl>
-                                          <p:spTgt spid="12"/>
-                                        </p:tgtEl>
-                                      </p:cBhvr>
-                                    </p:animEffect>
-                                  </p:childTnLst>
-                                </p:cTn>
-                              </p:par>
-                            </p:childTnLst>
-                          </p:cTn>
-                        </p:par>
-                      </p:childTnLst>
-                    </p:cTn>
-                  </p:par>
-                </p:childTnLst>
-              </p:cTn>
-              <p:prevCondLst>
-                <p:cond evt="onPrev" delay="0">
-                  <p:tgtEl>
-                    <p:sldTgt/>
-                  </p:tgtEl>
-                </p:cond>
-              </p:prevCondLst>
-              <p:nextCondLst>
-                <p:cond evt="onNext" delay="0">
-                  <p:tgtEl>
-                    <p:sldTgt/>
-                  </p:tgtEl>
-                </p:cond>
-              </p:nextCondLst>
-            </p:seq>
-          </p:childTnLst>
-        </p:cTn>
+        <p:cTn id="1" dur="indefinite" restart="never" nodeType="tmRoot"/>
       </p:par>
     </p:tnLst>
   </p:timing>
@@ -28712,8 +27987,16 @@
           <a:lstStyle/>
           <a:p>
             <a:r>
+              <a:rPr lang="en-US" altLang="zh-CN" b="1" dirty="0" smtClean="0"/>
+              <a:t>1. </a:t>
+            </a:r>
+            <a:r>
               <a:rPr lang="zh-CN" altLang="en-US" b="1" dirty="0" smtClean="0"/>
-              <a:t>系统开发共有五个阶段，它们分别是？</a:t>
+              <a:t>系统开发</a:t>
+            </a:r>
+            <a:r>
+              <a:rPr lang="zh-CN" altLang="en-US" b="1" dirty="0" smtClean="0"/>
+              <a:t>共有五个阶段，它们分别是？</a:t>
             </a:r>
             <a:endParaRPr lang="en-US" altLang="zh-CN" b="1" dirty="0" smtClean="0"/>
           </a:p>
@@ -28730,7 +28013,7 @@
         </p:nvSpPr>
         <p:spPr>
           <a:xfrm>
-            <a:off x="1702718" y="1989634"/>
+            <a:off x="1702718" y="1770943"/>
             <a:ext cx="7848872" cy="2839239"/>
           </a:xfrm>
           <a:prstGeom prst="rect">
@@ -28812,6 +28095,43 @@
               <a:t>测试阶段</a:t>
             </a:r>
             <a:endParaRPr lang="en-US" altLang="zh-CN" dirty="0" smtClean="0"/>
+          </a:p>
+          <a:p>
+            <a:endParaRPr lang="zh-CN" altLang="en-US" dirty="0"/>
+          </a:p>
+        </p:txBody>
+      </p:sp>
+      <p:sp>
+        <p:nvSpPr>
+          <p:cNvPr id="8" name="TextBox 6"/>
+          <p:cNvSpPr txBox="1"/>
+          <p:nvPr/>
+        </p:nvSpPr>
+        <p:spPr>
+          <a:xfrm>
+            <a:off x="1558702" y="4742239"/>
+            <a:ext cx="7272808" cy="738664"/>
+          </a:xfrm>
+          <a:prstGeom prst="rect">
+            <a:avLst/>
+          </a:prstGeom>
+          <a:noFill/>
+        </p:spPr>
+        <p:txBody>
+          <a:bodyPr wrap="square" rtlCol="0">
+            <a:spAutoFit/>
+          </a:bodyPr>
+          <a:lstStyle/>
+          <a:p>
+            <a:r>
+              <a:rPr lang="en-US" altLang="zh-CN" b="1" dirty="0" smtClean="0"/>
+              <a:t>2. UML</a:t>
+            </a:r>
+            <a:r>
+              <a:rPr lang="zh-CN" altLang="en-US" b="1" dirty="0" smtClean="0"/>
+              <a:t>的图有哪些？请简要阐述</a:t>
+            </a:r>
+            <a:endParaRPr lang="en-US" altLang="zh-CN" b="1" dirty="0" smtClean="0"/>
           </a:p>
           <a:p>
             <a:endParaRPr lang="zh-CN" altLang="en-US" dirty="0"/>
